--- a/Predict-rain-tomorrow-in-Australia.pptx
+++ b/Predict-rain-tomorrow-in-Australia.pptx
@@ -4,6 +4,9 @@
   <p:sldMasterIdLst>
     <p:sldMasterId id="2147483648" r:id="rId1"/>
   </p:sldMasterIdLst>
+  <p:notesMasterIdLst>
+    <p:notesMasterId r:id="rId17"/>
+  </p:notesMasterIdLst>
   <p:sldIdLst>
     <p:sldId id="256" r:id="rId2"/>
     <p:sldId id="258" r:id="rId3"/>
@@ -14,13 +17,12 @@
     <p:sldId id="261" r:id="rId8"/>
     <p:sldId id="267" r:id="rId9"/>
     <p:sldId id="262" r:id="rId10"/>
-    <p:sldId id="263" r:id="rId11"/>
-    <p:sldId id="264" r:id="rId12"/>
-    <p:sldId id="269" r:id="rId13"/>
-    <p:sldId id="268" r:id="rId14"/>
-    <p:sldId id="272" r:id="rId15"/>
-    <p:sldId id="270" r:id="rId16"/>
-    <p:sldId id="271" r:id="rId17"/>
+    <p:sldId id="274" r:id="rId11"/>
+    <p:sldId id="273" r:id="rId12"/>
+    <p:sldId id="264" r:id="rId13"/>
+    <p:sldId id="269" r:id="rId14"/>
+    <p:sldId id="268" r:id="rId15"/>
+    <p:sldId id="272" r:id="rId16"/>
   </p:sldIdLst>
   <p:sldSz cx="9144000" cy="6858000" type="screen4x3"/>
   <p:notesSz cx="6858000" cy="9144000"/>
@@ -119,6 +121,22 @@
       </a:defRPr>
     </a:lvl9pPr>
   </p:defaultTextStyle>
+  <p:extLst>
+    <p:ext uri="{EFAFB233-063F-42B5-8137-9DF3F51BA10A}">
+      <p15:sldGuideLst xmlns:p15="http://schemas.microsoft.com/office/powerpoint/2012/main">
+        <p15:guide id="1" orient="horz" pos="2160">
+          <p15:clr>
+            <a:srgbClr val="A4A3A4"/>
+          </p15:clr>
+        </p15:guide>
+        <p15:guide id="2" pos="2880">
+          <p15:clr>
+            <a:srgbClr val="A4A3A4"/>
+          </p15:clr>
+        </p15:guide>
+      </p15:sldGuideLst>
+    </p:ext>
+  </p:extLst>
 </p:presentation>
 </file>
 
@@ -1334,6 +1352,13 @@
         </dgm:presLayoutVars>
       </dgm:prSet>
       <dgm:spPr/>
+      <dgm:t>
+        <a:bodyPr/>
+        <a:lstStyle/>
+        <a:p>
+          <a:endParaRPr lang="zh-TW" altLang="en-US"/>
+        </a:p>
+      </dgm:t>
     </dgm:pt>
     <dgm:pt modelId="{62B9EBC2-B259-4D14-9710-7A614B15D325}" type="pres">
       <dgm:prSet presAssocID="{1FF1CE3A-836D-4288-AC82-8F3F4DA6B391}" presName="node" presStyleLbl="node1" presStyleIdx="0" presStyleCnt="7" custScaleX="146267" custScaleY="127857">
@@ -1357,6 +1382,13 @@
     <dgm:pt modelId="{A6A15415-4585-46F6-B645-52BA6F524050}" type="pres">
       <dgm:prSet presAssocID="{EB5FBA99-2BC1-42FA-A38D-D2549DAD7F35}" presName="sibTrans" presStyleLbl="sibTrans1D1" presStyleIdx="0" presStyleCnt="7"/>
       <dgm:spPr/>
+      <dgm:t>
+        <a:bodyPr/>
+        <a:lstStyle/>
+        <a:p>
+          <a:endParaRPr lang="zh-TW" altLang="en-US"/>
+        </a:p>
+      </dgm:t>
     </dgm:pt>
     <dgm:pt modelId="{CD019F8A-D3AD-45D1-A296-D3BC6141DD64}" type="pres">
       <dgm:prSet presAssocID="{2C3FADC3-C369-44B9-BC90-53A225F1B118}" presName="node" presStyleLbl="node1" presStyleIdx="1" presStyleCnt="7" custScaleX="146267" custScaleY="127857">
@@ -1380,6 +1412,13 @@
     <dgm:pt modelId="{FA3F573C-889F-4C67-BE9A-E7CA472E2C8D}" type="pres">
       <dgm:prSet presAssocID="{B2D37129-3828-42EB-A004-5E8008637B8F}" presName="sibTrans" presStyleLbl="sibTrans1D1" presStyleIdx="1" presStyleCnt="7"/>
       <dgm:spPr/>
+      <dgm:t>
+        <a:bodyPr/>
+        <a:lstStyle/>
+        <a:p>
+          <a:endParaRPr lang="zh-TW" altLang="en-US"/>
+        </a:p>
+      </dgm:t>
     </dgm:pt>
     <dgm:pt modelId="{D23C63EA-D716-4077-8FF8-2CB9514AC4D1}" type="pres">
       <dgm:prSet presAssocID="{4A91A421-F223-456B-AC39-9DCFEC7B61D8}" presName="node" presStyleLbl="node1" presStyleIdx="2" presStyleCnt="7" custScaleX="146267" custScaleY="127857">
@@ -1403,6 +1442,13 @@
     <dgm:pt modelId="{7290C595-8165-4AA9-8DD9-1F05F58FF601}" type="pres">
       <dgm:prSet presAssocID="{D9275585-A589-4009-A1FB-BE701C7EC37E}" presName="sibTrans" presStyleLbl="sibTrans1D1" presStyleIdx="2" presStyleCnt="7"/>
       <dgm:spPr/>
+      <dgm:t>
+        <a:bodyPr/>
+        <a:lstStyle/>
+        <a:p>
+          <a:endParaRPr lang="zh-TW" altLang="en-US"/>
+        </a:p>
+      </dgm:t>
     </dgm:pt>
     <dgm:pt modelId="{F6C58D70-CC76-4245-910D-6D57642CAD3A}" type="pres">
       <dgm:prSet presAssocID="{1E565440-31BB-4FFF-A52F-3D8C026C2A90}" presName="node" presStyleLbl="node1" presStyleIdx="3" presStyleCnt="7" custScaleX="146267" custScaleY="127857">
@@ -1426,6 +1472,13 @@
     <dgm:pt modelId="{26A9F70E-39F3-4C43-85B6-F75157654ECA}" type="pres">
       <dgm:prSet presAssocID="{036A816E-CA21-44F7-AB47-9B7FF8597F72}" presName="sibTrans" presStyleLbl="sibTrans1D1" presStyleIdx="3" presStyleCnt="7"/>
       <dgm:spPr/>
+      <dgm:t>
+        <a:bodyPr/>
+        <a:lstStyle/>
+        <a:p>
+          <a:endParaRPr lang="zh-TW" altLang="en-US"/>
+        </a:p>
+      </dgm:t>
     </dgm:pt>
     <dgm:pt modelId="{F40EEE4B-5144-4FB8-802D-8F31249DEA8D}" type="pres">
       <dgm:prSet presAssocID="{CBB689F0-793A-4227-9D51-569A4A250240}" presName="node" presStyleLbl="node1" presStyleIdx="4" presStyleCnt="7" custScaleX="146267" custScaleY="127857">
@@ -1449,6 +1502,13 @@
     <dgm:pt modelId="{5824B8F3-EBA1-46EF-B6EF-066031C6FFEF}" type="pres">
       <dgm:prSet presAssocID="{7169FB25-4079-4DF7-B718-DD09918D8AB8}" presName="sibTrans" presStyleLbl="sibTrans1D1" presStyleIdx="4" presStyleCnt="7"/>
       <dgm:spPr/>
+      <dgm:t>
+        <a:bodyPr/>
+        <a:lstStyle/>
+        <a:p>
+          <a:endParaRPr lang="zh-TW" altLang="en-US"/>
+        </a:p>
+      </dgm:t>
     </dgm:pt>
     <dgm:pt modelId="{30F11F45-4165-4E25-9860-B86977EECE52}" type="pres">
       <dgm:prSet presAssocID="{ADDAC29F-BAD4-47C0-8A73-9C8813BAF607}" presName="node" presStyleLbl="node1" presStyleIdx="5" presStyleCnt="7" custScaleX="146267" custScaleY="127857">
@@ -1472,6 +1532,13 @@
     <dgm:pt modelId="{6D596F3D-2BE7-4788-A860-E2574304F5DB}" type="pres">
       <dgm:prSet presAssocID="{65D1D232-F7AC-4756-AFD0-CB84E9980267}" presName="sibTrans" presStyleLbl="sibTrans1D1" presStyleIdx="5" presStyleCnt="7"/>
       <dgm:spPr/>
+      <dgm:t>
+        <a:bodyPr/>
+        <a:lstStyle/>
+        <a:p>
+          <a:endParaRPr lang="zh-TW" altLang="en-US"/>
+        </a:p>
+      </dgm:t>
     </dgm:pt>
     <dgm:pt modelId="{822FFE27-F7C8-4601-9EC0-131C7E141043}" type="pres">
       <dgm:prSet presAssocID="{0CF2E70C-5D91-40CD-845D-3EDC471DC73B}" presName="node" presStyleLbl="node1" presStyleIdx="6" presStyleCnt="7" custScaleX="146267" custScaleY="127857">
@@ -1495,6 +1562,13 @@
     <dgm:pt modelId="{82E796FB-864B-47DE-8D82-4364301D3A1B}" type="pres">
       <dgm:prSet presAssocID="{D691020C-4CB8-4DB6-AB0C-69D6D422C34E}" presName="sibTrans" presStyleLbl="sibTrans1D1" presStyleIdx="6" presStyleCnt="7"/>
       <dgm:spPr/>
+      <dgm:t>
+        <a:bodyPr/>
+        <a:lstStyle/>
+        <a:p>
+          <a:endParaRPr lang="zh-TW" altLang="en-US"/>
+        </a:p>
+      </dgm:t>
     </dgm:pt>
   </dgm:ptLst>
   <dgm:cxnLst>
@@ -1567,8 +1641,8 @@
       </dsp:nvSpPr>
       <dsp:spPr>
         <a:xfrm>
-          <a:off x="3322802" y="-94649"/>
-          <a:ext cx="1583995" cy="900006"/>
+          <a:off x="3468627" y="-108046"/>
+          <a:ext cx="1749545" cy="994069"/>
         </a:xfrm>
         <a:prstGeom prst="roundRect">
           <a:avLst/>
@@ -1637,8 +1711,8 @@
         </a:p>
       </dsp:txBody>
       <dsp:txXfrm>
-        <a:off x="3366737" y="-50714"/>
-        <a:ext cx="1496125" cy="812136"/>
+        <a:off x="3517153" y="-59520"/>
+        <a:ext cx="1652493" cy="897017"/>
       </dsp:txXfrm>
     </dsp:sp>
     <dsp:sp modelId="{A6A15415-4585-46F6-B645-52BA6F524050}">
@@ -1648,8 +1722,8 @@
       </dsp:nvSpPr>
       <dsp:spPr>
         <a:xfrm>
-          <a:off x="2107793" y="355353"/>
-          <a:ext cx="4014012" cy="4014012"/>
+          <a:off x="2123913" y="388988"/>
+          <a:ext cx="4438972" cy="4438972"/>
         </a:xfrm>
         <a:custGeom>
           <a:avLst/>
@@ -1660,9 +1734,9 @@
           <a:pathLst>
             <a:path>
               <a:moveTo>
-                <a:pt x="2801830" y="164093"/>
+                <a:pt x="3097407" y="181012"/>
               </a:moveTo>
-              <a:arcTo wR="2007006" hR="2007006" stAng="17599795" swAng="517152"/>
+              <a:arcTo wR="2219486" hR="2219486" stAng="17598022" swAng="520668"/>
             </a:path>
           </a:pathLst>
         </a:custGeom>
@@ -1700,8 +1774,8 @@
       </dsp:nvSpPr>
       <dsp:spPr>
         <a:xfrm>
-          <a:off x="4891942" y="661008"/>
-          <a:ext cx="1583995" cy="900006"/>
+          <a:off x="5203891" y="727613"/>
+          <a:ext cx="1749545" cy="994069"/>
         </a:xfrm>
         <a:prstGeom prst="roundRect">
           <a:avLst/>
@@ -1766,8 +1840,8 @@
         </a:p>
       </dsp:txBody>
       <dsp:txXfrm>
-        <a:off x="4935877" y="704943"/>
-        <a:ext cx="1496125" cy="812136"/>
+        <a:off x="5252417" y="776139"/>
+        <a:ext cx="1652493" cy="897017"/>
       </dsp:txXfrm>
     </dsp:sp>
     <dsp:sp modelId="{FA3F573C-889F-4C67-BE9A-E7CA472E2C8D}">
@@ -1777,8 +1851,8 @@
       </dsp:nvSpPr>
       <dsp:spPr>
         <a:xfrm>
-          <a:off x="2107793" y="355353"/>
-          <a:ext cx="4014012" cy="4014012"/>
+          <a:off x="2123913" y="388988"/>
+          <a:ext cx="4438972" cy="4438972"/>
         </a:xfrm>
         <a:custGeom>
           <a:avLst/>
@@ -1789,9 +1863,9 @@
           <a:pathLst>
             <a:path>
               <a:moveTo>
-                <a:pt x="3850332" y="1213141"/>
+                <a:pt x="4257706" y="1340977"/>
               </a:moveTo>
-              <a:arcTo wR="2007006" hR="2007006" stAng="20201997" swAng="1378212"/>
+              <a:arcTo wR="2219486" hR="2219486" stAng="20200986" swAng="1380148"/>
             </a:path>
           </a:pathLst>
         </a:custGeom>
@@ -1829,8 +1903,8 @@
       </dsp:nvSpPr>
       <dsp:spPr>
         <a:xfrm>
-          <a:off x="5279488" y="2358957"/>
-          <a:ext cx="1583995" cy="900006"/>
+          <a:off x="5632466" y="2605322"/>
+          <a:ext cx="1749545" cy="994069"/>
         </a:xfrm>
         <a:prstGeom prst="roundRect">
           <a:avLst/>
@@ -1895,8 +1969,8 @@
         </a:p>
       </dsp:txBody>
       <dsp:txXfrm>
-        <a:off x="5323423" y="2402892"/>
-        <a:ext cx="1496125" cy="812136"/>
+        <a:off x="5680992" y="2653848"/>
+        <a:ext cx="1652493" cy="897017"/>
       </dsp:txXfrm>
     </dsp:sp>
     <dsp:sp modelId="{7290C595-8165-4AA9-8DD9-1F05F58FF601}">
@@ -1906,8 +1980,8 @@
       </dsp:nvSpPr>
       <dsp:spPr>
         <a:xfrm>
-          <a:off x="2107793" y="355353"/>
-          <a:ext cx="4014012" cy="4014012"/>
+          <a:off x="2123913" y="388988"/>
+          <a:ext cx="4438972" cy="4438972"/>
         </a:xfrm>
         <a:custGeom>
           <a:avLst/>
@@ -1918,9 +1992,9 @@
           <a:pathLst>
             <a:path>
               <a:moveTo>
-                <a:pt x="3800093" y="2908621"/>
+                <a:pt x="4202705" y="3215960"/>
               </a:moveTo>
-              <a:arcTo wR="2007006" hR="2007006" stAng="1601674" swAng="944149"/>
+              <a:arcTo wR="2219486" hR="2219486" stAng="1600641" swAng="946441"/>
             </a:path>
           </a:pathLst>
         </a:custGeom>
@@ -1958,8 +2032,8 @@
       </dsp:nvSpPr>
       <dsp:spPr>
         <a:xfrm>
-          <a:off x="4193609" y="3720606"/>
-          <a:ext cx="1583995" cy="900006"/>
+          <a:off x="4431626" y="4111128"/>
+          <a:ext cx="1749545" cy="994069"/>
         </a:xfrm>
         <a:prstGeom prst="roundRect">
           <a:avLst/>
@@ -2024,8 +2098,8 @@
         </a:p>
       </dsp:txBody>
       <dsp:txXfrm>
-        <a:off x="4237544" y="3764541"/>
-        <a:ext cx="1496125" cy="812136"/>
+        <a:off x="4480152" y="4159654"/>
+        <a:ext cx="1652493" cy="897017"/>
       </dsp:txXfrm>
     </dsp:sp>
     <dsp:sp modelId="{26A9F70E-39F3-4C43-85B6-F75157654ECA}">
@@ -2035,8 +2109,8 @@
       </dsp:nvSpPr>
       <dsp:spPr>
         <a:xfrm>
-          <a:off x="2107793" y="355353"/>
-          <a:ext cx="4014012" cy="4014012"/>
+          <a:off x="2123913" y="388988"/>
+          <a:ext cx="4438972" cy="4438972"/>
         </a:xfrm>
         <a:custGeom>
           <a:avLst/>
@@ -2047,9 +2121,9 @@
           <a:pathLst>
             <a:path>
               <a:moveTo>
-                <a:pt x="2084240" y="4012525"/>
+                <a:pt x="2305949" y="4437287"/>
               </a:moveTo>
-              <a:arcTo wR="2007006" hR="2007006" stAng="5267674" swAng="264652"/>
+              <a:arcTo wR="2219486" hR="2219486" stAng="5266044" swAng="267912"/>
             </a:path>
           </a:pathLst>
         </a:custGeom>
@@ -2087,8 +2161,8 @@
       </dsp:nvSpPr>
       <dsp:spPr>
         <a:xfrm>
-          <a:off x="2451995" y="3720606"/>
-          <a:ext cx="1583995" cy="900006"/>
+          <a:off x="2505628" y="4111128"/>
+          <a:ext cx="1749545" cy="994069"/>
         </a:xfrm>
         <a:prstGeom prst="roundRect">
           <a:avLst/>
@@ -2153,8 +2227,8 @@
         </a:p>
       </dsp:txBody>
       <dsp:txXfrm>
-        <a:off x="2495930" y="3764541"/>
-        <a:ext cx="1496125" cy="812136"/>
+        <a:off x="2554154" y="4159654"/>
+        <a:ext cx="1652493" cy="897017"/>
       </dsp:txXfrm>
     </dsp:sp>
     <dsp:sp modelId="{5824B8F3-EBA1-46EF-B6EF-066031C6FFEF}">
@@ -2164,8 +2238,8 @@
       </dsp:nvSpPr>
       <dsp:spPr>
         <a:xfrm>
-          <a:off x="2107793" y="355353"/>
-          <a:ext cx="4014012" cy="4014012"/>
+          <a:off x="2123913" y="388988"/>
+          <a:ext cx="4438972" cy="4438972"/>
         </a:xfrm>
         <a:custGeom>
           <a:avLst/>
@@ -2176,9 +2250,9 @@
           <a:pathLst>
             <a:path>
               <a:moveTo>
-                <a:pt x="525639" y="3361120"/>
+                <a:pt x="581837" y="3717560"/>
               </a:moveTo>
-              <a:arcTo wR="2007006" hR="2007006" stAng="8254177" swAng="944149"/>
+              <a:arcTo wR="2219486" hR="2219486" stAng="8252918" swAng="946441"/>
             </a:path>
           </a:pathLst>
         </a:custGeom>
@@ -2216,8 +2290,8 @@
       </dsp:nvSpPr>
       <dsp:spPr>
         <a:xfrm>
-          <a:off x="1366116" y="2358957"/>
-          <a:ext cx="1583995" cy="900006"/>
+          <a:off x="1304787" y="2605322"/>
+          <a:ext cx="1749545" cy="994069"/>
         </a:xfrm>
         <a:prstGeom prst="roundRect">
           <a:avLst/>
@@ -2282,8 +2356,8 @@
         </a:p>
       </dsp:txBody>
       <dsp:txXfrm>
-        <a:off x="1410051" y="2402892"/>
-        <a:ext cx="1496125" cy="812136"/>
+        <a:off x="1353313" y="2653848"/>
+        <a:ext cx="1652493" cy="897017"/>
       </dsp:txXfrm>
     </dsp:sp>
     <dsp:sp modelId="{6D596F3D-2BE7-4788-A860-E2574304F5DB}">
@@ -2293,8 +2367,8 @@
       </dsp:nvSpPr>
       <dsp:spPr>
         <a:xfrm>
-          <a:off x="2107793" y="355353"/>
-          <a:ext cx="4014012" cy="4014012"/>
+          <a:off x="2123913" y="388988"/>
+          <a:ext cx="4438972" cy="4438972"/>
         </a:xfrm>
         <a:custGeom>
           <a:avLst/>
@@ -2305,9 +2379,9 @@
           <a:pathLst>
             <a:path>
               <a:moveTo>
-                <a:pt x="33" y="1995451"/>
+                <a:pt x="33" y="2207306"/>
               </a:moveTo>
-              <a:arcTo wR="2007006" hR="2007006" stAng="10819791" swAng="1378212"/>
+              <a:arcTo wR="2219486" hR="2219486" stAng="10818866" swAng="1380148"/>
             </a:path>
           </a:pathLst>
         </a:custGeom>
@@ -2345,8 +2419,8 @@
       </dsp:nvSpPr>
       <dsp:spPr>
         <a:xfrm>
-          <a:off x="1753661" y="661008"/>
-          <a:ext cx="1583995" cy="900006"/>
+          <a:off x="1733362" y="727613"/>
+          <a:ext cx="1749545" cy="994069"/>
         </a:xfrm>
         <a:prstGeom prst="roundRect">
           <a:avLst/>
@@ -2419,8 +2493,8 @@
         </a:p>
       </dsp:txBody>
       <dsp:txXfrm>
-        <a:off x="1797596" y="704943"/>
-        <a:ext cx="1496125" cy="812136"/>
+        <a:off x="1781888" y="776139"/>
+        <a:ext cx="1652493" cy="897017"/>
       </dsp:txXfrm>
     </dsp:sp>
     <dsp:sp modelId="{82E796FB-864B-47DE-8D82-4364301D3A1B}">
@@ -2430,8 +2504,8 @@
       </dsp:nvSpPr>
       <dsp:spPr>
         <a:xfrm>
-          <a:off x="2107793" y="355353"/>
-          <a:ext cx="4014012" cy="4014012"/>
+          <a:off x="2123913" y="388988"/>
+          <a:ext cx="4438972" cy="4438972"/>
         </a:xfrm>
         <a:custGeom>
           <a:avLst/>
@@ -2442,9 +2516,9 @@
           <a:pathLst>
             <a:path>
               <a:moveTo>
-                <a:pt x="944966" y="304024"/>
+                <a:pt x="1044054" y="336807"/>
               </a:moveTo>
-              <a:arcTo wR="2007006" hR="2007006" stAng="14283053" swAng="517152"/>
+              <a:arcTo wR="2219486" hR="2219486" stAng="14281309" swAng="520668"/>
             </a:path>
           </a:pathLst>
         </a:custGeom>
@@ -3720,6 +3794,440 @@
     </dgm:style>
   </dgm:styleLbl>
 </dgm:styleDef>
+</file>
+
+<file path=ppt/notesMasters/notesMaster1.xml><?xml version="1.0" encoding="utf-8"?>
+<p:notesMaster xmlns:a="http://schemas.openxmlformats.org/drawingml/2006/main" xmlns:r="http://schemas.openxmlformats.org/officeDocument/2006/relationships" xmlns:p="http://schemas.openxmlformats.org/presentationml/2006/main">
+  <p:cSld>
+    <p:bg>
+      <p:bgRef idx="1001">
+        <a:schemeClr val="bg1"/>
+      </p:bgRef>
+    </p:bg>
+    <p:spTree>
+      <p:nvGrpSpPr>
+        <p:cNvPr id="1" name=""/>
+        <p:cNvGrpSpPr/>
+        <p:nvPr/>
+      </p:nvGrpSpPr>
+      <p:grpSpPr>
+        <a:xfrm>
+          <a:off x="0" y="0"/>
+          <a:ext cx="0" cy="0"/>
+          <a:chOff x="0" y="0"/>
+          <a:chExt cx="0" cy="0"/>
+        </a:xfrm>
+      </p:grpSpPr>
+      <p:sp>
+        <p:nvSpPr>
+          <p:cNvPr id="2" name="頁首版面配置區 1"/>
+          <p:cNvSpPr>
+            <a:spLocks noGrp="1"/>
+          </p:cNvSpPr>
+          <p:nvPr>
+            <p:ph type="hdr" sz="quarter"/>
+          </p:nvPr>
+        </p:nvSpPr>
+        <p:spPr>
+          <a:xfrm>
+            <a:off x="0" y="0"/>
+            <a:ext cx="2971800" cy="458788"/>
+          </a:xfrm>
+          <a:prstGeom prst="rect">
+            <a:avLst/>
+          </a:prstGeom>
+        </p:spPr>
+        <p:txBody>
+          <a:bodyPr vert="horz" lIns="91440" tIns="45720" rIns="91440" bIns="45720" rtlCol="0"/>
+          <a:lstStyle>
+            <a:lvl1pPr algn="l">
+              <a:defRPr sz="1200"/>
+            </a:lvl1pPr>
+          </a:lstStyle>
+          <a:p>
+            <a:endParaRPr lang="zh-TW" altLang="en-US"/>
+          </a:p>
+        </p:txBody>
+      </p:sp>
+      <p:sp>
+        <p:nvSpPr>
+          <p:cNvPr id="3" name="日期版面配置區 2"/>
+          <p:cNvSpPr>
+            <a:spLocks noGrp="1"/>
+          </p:cNvSpPr>
+          <p:nvPr>
+            <p:ph type="dt" idx="1"/>
+          </p:nvPr>
+        </p:nvSpPr>
+        <p:spPr>
+          <a:xfrm>
+            <a:off x="3884613" y="0"/>
+            <a:ext cx="2971800" cy="458788"/>
+          </a:xfrm>
+          <a:prstGeom prst="rect">
+            <a:avLst/>
+          </a:prstGeom>
+        </p:spPr>
+        <p:txBody>
+          <a:bodyPr vert="horz" lIns="91440" tIns="45720" rIns="91440" bIns="45720" rtlCol="0"/>
+          <a:lstStyle>
+            <a:lvl1pPr algn="r">
+              <a:defRPr sz="1200"/>
+            </a:lvl1pPr>
+          </a:lstStyle>
+          <a:p>
+            <a:fld id="{E6CE126C-A906-4226-9FC7-24226AC79A0D}" type="datetimeFigureOut">
+              <a:rPr lang="zh-TW" altLang="en-US" smtClean="0"/>
+              <a:t>2019/7/5</a:t>
+            </a:fld>
+            <a:endParaRPr lang="zh-TW" altLang="en-US"/>
+          </a:p>
+        </p:txBody>
+      </p:sp>
+      <p:sp>
+        <p:nvSpPr>
+          <p:cNvPr id="4" name="投影片圖像版面配置區 3"/>
+          <p:cNvSpPr>
+            <a:spLocks noGrp="1" noRot="1" noChangeAspect="1"/>
+          </p:cNvSpPr>
+          <p:nvPr>
+            <p:ph type="sldImg" idx="2"/>
+          </p:nvPr>
+        </p:nvSpPr>
+        <p:spPr>
+          <a:xfrm>
+            <a:off x="1371600" y="1143000"/>
+            <a:ext cx="4114800" cy="3086100"/>
+          </a:xfrm>
+          <a:prstGeom prst="rect">
+            <a:avLst/>
+          </a:prstGeom>
+          <a:noFill/>
+          <a:ln w="12700">
+            <a:solidFill>
+              <a:prstClr val="black"/>
+            </a:solidFill>
+          </a:ln>
+        </p:spPr>
+        <p:txBody>
+          <a:bodyPr vert="horz" lIns="91440" tIns="45720" rIns="91440" bIns="45720" rtlCol="0" anchor="ctr"/>
+          <a:lstStyle/>
+          <a:p>
+            <a:endParaRPr lang="zh-TW" altLang="en-US"/>
+          </a:p>
+        </p:txBody>
+      </p:sp>
+      <p:sp>
+        <p:nvSpPr>
+          <p:cNvPr id="5" name="備忘稿版面配置區 4"/>
+          <p:cNvSpPr>
+            <a:spLocks noGrp="1"/>
+          </p:cNvSpPr>
+          <p:nvPr>
+            <p:ph type="body" sz="quarter" idx="3"/>
+          </p:nvPr>
+        </p:nvSpPr>
+        <p:spPr>
+          <a:xfrm>
+            <a:off x="685800" y="4400550"/>
+            <a:ext cx="5486400" cy="3600450"/>
+          </a:xfrm>
+          <a:prstGeom prst="rect">
+            <a:avLst/>
+          </a:prstGeom>
+        </p:spPr>
+        <p:txBody>
+          <a:bodyPr vert="horz" lIns="91440" tIns="45720" rIns="91440" bIns="45720" rtlCol="0"/>
+          <a:lstStyle/>
+          <a:p>
+            <a:pPr lvl="0"/>
+            <a:r>
+              <a:rPr lang="zh-TW" altLang="en-US" smtClean="0"/>
+              <a:t>編輯母片文字樣式</a:t>
+            </a:r>
+          </a:p>
+          <a:p>
+            <a:pPr lvl="1"/>
+            <a:r>
+              <a:rPr lang="zh-TW" altLang="en-US" smtClean="0"/>
+              <a:t>第二層</a:t>
+            </a:r>
+          </a:p>
+          <a:p>
+            <a:pPr lvl="2"/>
+            <a:r>
+              <a:rPr lang="zh-TW" altLang="en-US" smtClean="0"/>
+              <a:t>第三層</a:t>
+            </a:r>
+          </a:p>
+          <a:p>
+            <a:pPr lvl="3"/>
+            <a:r>
+              <a:rPr lang="zh-TW" altLang="en-US" smtClean="0"/>
+              <a:t>第四層</a:t>
+            </a:r>
+          </a:p>
+          <a:p>
+            <a:pPr lvl="4"/>
+            <a:r>
+              <a:rPr lang="zh-TW" altLang="en-US" smtClean="0"/>
+              <a:t>第五層</a:t>
+            </a:r>
+            <a:endParaRPr lang="zh-TW" altLang="en-US"/>
+          </a:p>
+        </p:txBody>
+      </p:sp>
+      <p:sp>
+        <p:nvSpPr>
+          <p:cNvPr id="6" name="頁尾版面配置區 5"/>
+          <p:cNvSpPr>
+            <a:spLocks noGrp="1"/>
+          </p:cNvSpPr>
+          <p:nvPr>
+            <p:ph type="ftr" sz="quarter" idx="4"/>
+          </p:nvPr>
+        </p:nvSpPr>
+        <p:spPr>
+          <a:xfrm>
+            <a:off x="0" y="8685213"/>
+            <a:ext cx="2971800" cy="458787"/>
+          </a:xfrm>
+          <a:prstGeom prst="rect">
+            <a:avLst/>
+          </a:prstGeom>
+        </p:spPr>
+        <p:txBody>
+          <a:bodyPr vert="horz" lIns="91440" tIns="45720" rIns="91440" bIns="45720" rtlCol="0" anchor="b"/>
+          <a:lstStyle>
+            <a:lvl1pPr algn="l">
+              <a:defRPr sz="1200"/>
+            </a:lvl1pPr>
+          </a:lstStyle>
+          <a:p>
+            <a:endParaRPr lang="zh-TW" altLang="en-US"/>
+          </a:p>
+        </p:txBody>
+      </p:sp>
+      <p:sp>
+        <p:nvSpPr>
+          <p:cNvPr id="7" name="投影片編號版面配置區 6"/>
+          <p:cNvSpPr>
+            <a:spLocks noGrp="1"/>
+          </p:cNvSpPr>
+          <p:nvPr>
+            <p:ph type="sldNum" sz="quarter" idx="5"/>
+          </p:nvPr>
+        </p:nvSpPr>
+        <p:spPr>
+          <a:xfrm>
+            <a:off x="3884613" y="8685213"/>
+            <a:ext cx="2971800" cy="458787"/>
+          </a:xfrm>
+          <a:prstGeom prst="rect">
+            <a:avLst/>
+          </a:prstGeom>
+        </p:spPr>
+        <p:txBody>
+          <a:bodyPr vert="horz" lIns="91440" tIns="45720" rIns="91440" bIns="45720" rtlCol="0" anchor="b"/>
+          <a:lstStyle>
+            <a:lvl1pPr algn="r">
+              <a:defRPr sz="1200"/>
+            </a:lvl1pPr>
+          </a:lstStyle>
+          <a:p>
+            <a:fld id="{BB6C86B8-6DC4-4E50-8599-8DF0133C1435}" type="slidenum">
+              <a:rPr lang="zh-TW" altLang="en-US" smtClean="0"/>
+              <a:t>‹#›</a:t>
+            </a:fld>
+            <a:endParaRPr lang="zh-TW" altLang="en-US"/>
+          </a:p>
+        </p:txBody>
+      </p:sp>
+    </p:spTree>
+    <p:extLst>
+      <p:ext uri="{BB962C8B-B14F-4D97-AF65-F5344CB8AC3E}">
+        <p14:creationId xmlns:p14="http://schemas.microsoft.com/office/powerpoint/2010/main" val="1066713963"/>
+      </p:ext>
+    </p:extLst>
+  </p:cSld>
+  <p:clrMap bg1="lt1" tx1="dk1" bg2="lt2" tx2="dk2" accent1="accent1" accent2="accent2" accent3="accent3" accent4="accent4" accent5="accent5" accent6="accent6" hlink="hlink" folHlink="folHlink"/>
+  <p:notesStyle>
+    <a:lvl1pPr marL="0" algn="l" defTabSz="914400" rtl="0" eaLnBrk="1" latinLnBrk="0" hangingPunct="1">
+      <a:defRPr sz="1200" kern="1200">
+        <a:solidFill>
+          <a:schemeClr val="tx1"/>
+        </a:solidFill>
+        <a:latin typeface="+mn-lt"/>
+        <a:ea typeface="+mn-ea"/>
+        <a:cs typeface="+mn-cs"/>
+      </a:defRPr>
+    </a:lvl1pPr>
+    <a:lvl2pPr marL="457200" algn="l" defTabSz="914400" rtl="0" eaLnBrk="1" latinLnBrk="0" hangingPunct="1">
+      <a:defRPr sz="1200" kern="1200">
+        <a:solidFill>
+          <a:schemeClr val="tx1"/>
+        </a:solidFill>
+        <a:latin typeface="+mn-lt"/>
+        <a:ea typeface="+mn-ea"/>
+        <a:cs typeface="+mn-cs"/>
+      </a:defRPr>
+    </a:lvl2pPr>
+    <a:lvl3pPr marL="914400" algn="l" defTabSz="914400" rtl="0" eaLnBrk="1" latinLnBrk="0" hangingPunct="1">
+      <a:defRPr sz="1200" kern="1200">
+        <a:solidFill>
+          <a:schemeClr val="tx1"/>
+        </a:solidFill>
+        <a:latin typeface="+mn-lt"/>
+        <a:ea typeface="+mn-ea"/>
+        <a:cs typeface="+mn-cs"/>
+      </a:defRPr>
+    </a:lvl3pPr>
+    <a:lvl4pPr marL="1371600" algn="l" defTabSz="914400" rtl="0" eaLnBrk="1" latinLnBrk="0" hangingPunct="1">
+      <a:defRPr sz="1200" kern="1200">
+        <a:solidFill>
+          <a:schemeClr val="tx1"/>
+        </a:solidFill>
+        <a:latin typeface="+mn-lt"/>
+        <a:ea typeface="+mn-ea"/>
+        <a:cs typeface="+mn-cs"/>
+      </a:defRPr>
+    </a:lvl4pPr>
+    <a:lvl5pPr marL="1828800" algn="l" defTabSz="914400" rtl="0" eaLnBrk="1" latinLnBrk="0" hangingPunct="1">
+      <a:defRPr sz="1200" kern="1200">
+        <a:solidFill>
+          <a:schemeClr val="tx1"/>
+        </a:solidFill>
+        <a:latin typeface="+mn-lt"/>
+        <a:ea typeface="+mn-ea"/>
+        <a:cs typeface="+mn-cs"/>
+      </a:defRPr>
+    </a:lvl5pPr>
+    <a:lvl6pPr marL="2286000" algn="l" defTabSz="914400" rtl="0" eaLnBrk="1" latinLnBrk="0" hangingPunct="1">
+      <a:defRPr sz="1200" kern="1200">
+        <a:solidFill>
+          <a:schemeClr val="tx1"/>
+        </a:solidFill>
+        <a:latin typeface="+mn-lt"/>
+        <a:ea typeface="+mn-ea"/>
+        <a:cs typeface="+mn-cs"/>
+      </a:defRPr>
+    </a:lvl6pPr>
+    <a:lvl7pPr marL="2743200" algn="l" defTabSz="914400" rtl="0" eaLnBrk="1" latinLnBrk="0" hangingPunct="1">
+      <a:defRPr sz="1200" kern="1200">
+        <a:solidFill>
+          <a:schemeClr val="tx1"/>
+        </a:solidFill>
+        <a:latin typeface="+mn-lt"/>
+        <a:ea typeface="+mn-ea"/>
+        <a:cs typeface="+mn-cs"/>
+      </a:defRPr>
+    </a:lvl7pPr>
+    <a:lvl8pPr marL="3200400" algn="l" defTabSz="914400" rtl="0" eaLnBrk="1" latinLnBrk="0" hangingPunct="1">
+      <a:defRPr sz="1200" kern="1200">
+        <a:solidFill>
+          <a:schemeClr val="tx1"/>
+        </a:solidFill>
+        <a:latin typeface="+mn-lt"/>
+        <a:ea typeface="+mn-ea"/>
+        <a:cs typeface="+mn-cs"/>
+      </a:defRPr>
+    </a:lvl8pPr>
+    <a:lvl9pPr marL="3657600" algn="l" defTabSz="914400" rtl="0" eaLnBrk="1" latinLnBrk="0" hangingPunct="1">
+      <a:defRPr sz="1200" kern="1200">
+        <a:solidFill>
+          <a:schemeClr val="tx1"/>
+        </a:solidFill>
+        <a:latin typeface="+mn-lt"/>
+        <a:ea typeface="+mn-ea"/>
+        <a:cs typeface="+mn-cs"/>
+      </a:defRPr>
+    </a:lvl9pPr>
+  </p:notesStyle>
+</p:notesMaster>
+</file>
+
+<file path=ppt/notesSlides/notesSlide1.xml><?xml version="1.0" encoding="utf-8"?>
+<p:notes xmlns:a="http://schemas.openxmlformats.org/drawingml/2006/main" xmlns:r="http://schemas.openxmlformats.org/officeDocument/2006/relationships" xmlns:p="http://schemas.openxmlformats.org/presentationml/2006/main">
+  <p:cSld>
+    <p:spTree>
+      <p:nvGrpSpPr>
+        <p:cNvPr id="1" name=""/>
+        <p:cNvGrpSpPr/>
+        <p:nvPr/>
+      </p:nvGrpSpPr>
+      <p:grpSpPr>
+        <a:xfrm>
+          <a:off x="0" y="0"/>
+          <a:ext cx="0" cy="0"/>
+          <a:chOff x="0" y="0"/>
+          <a:chExt cx="0" cy="0"/>
+        </a:xfrm>
+      </p:grpSpPr>
+      <p:sp>
+        <p:nvSpPr>
+          <p:cNvPr id="2" name="投影片圖像版面配置區 1"/>
+          <p:cNvSpPr>
+            <a:spLocks noGrp="1" noRot="1" noChangeAspect="1"/>
+          </p:cNvSpPr>
+          <p:nvPr>
+            <p:ph type="sldImg"/>
+          </p:nvPr>
+        </p:nvSpPr>
+        <p:spPr/>
+      </p:sp>
+      <p:sp>
+        <p:nvSpPr>
+          <p:cNvPr id="3" name="備忘稿版面配置區 2"/>
+          <p:cNvSpPr>
+            <a:spLocks noGrp="1"/>
+          </p:cNvSpPr>
+          <p:nvPr>
+            <p:ph type="body" idx="1"/>
+          </p:nvPr>
+        </p:nvSpPr>
+        <p:spPr/>
+        <p:txBody>
+          <a:bodyPr/>
+          <a:lstStyle/>
+          <a:p>
+            <a:endParaRPr lang="zh-TW" altLang="en-US"/>
+          </a:p>
+        </p:txBody>
+      </p:sp>
+      <p:sp>
+        <p:nvSpPr>
+          <p:cNvPr id="4" name="投影片編號版面配置區 3"/>
+          <p:cNvSpPr>
+            <a:spLocks noGrp="1"/>
+          </p:cNvSpPr>
+          <p:nvPr>
+            <p:ph type="sldNum" sz="quarter" idx="10"/>
+          </p:nvPr>
+        </p:nvSpPr>
+        <p:spPr/>
+        <p:txBody>
+          <a:bodyPr/>
+          <a:lstStyle/>
+          <a:p>
+            <a:fld id="{BB6C86B8-6DC4-4E50-8599-8DF0133C1435}" type="slidenum">
+              <a:rPr lang="zh-TW" altLang="en-US" smtClean="0"/>
+              <a:t>11</a:t>
+            </a:fld>
+            <a:endParaRPr lang="zh-TW" altLang="en-US"/>
+          </a:p>
+        </p:txBody>
+      </p:sp>
+    </p:spTree>
+    <p:extLst>
+      <p:ext uri="{BB962C8B-B14F-4D97-AF65-F5344CB8AC3E}">
+        <p14:creationId xmlns:p14="http://schemas.microsoft.com/office/powerpoint/2010/main" val="85117747"/>
+      </p:ext>
+    </p:extLst>
+  </p:cSld>
+  <p:clrMapOvr>
+    <a:masterClrMapping/>
+  </p:clrMapOvr>
+</p:notes>
 </file>
 
 <file path=ppt/slideLayouts/slideLayout1.xml><?xml version="1.0" encoding="utf-8"?>
@@ -6804,11 +7312,16 @@
         </p:nvSpPr>
         <p:spPr/>
         <p:txBody>
-          <a:bodyPr/>
+          <a:bodyPr vert="horz" lIns="91440" tIns="45720" rIns="91440" bIns="45720" rtlCol="0" anchor="ctr">
+            <a:normAutofit/>
+          </a:bodyPr>
           <a:lstStyle/>
           <a:p>
             <a:r>
-              <a:rPr lang="zh-TW" altLang="en-US" dirty="0"/>
+              <a:rPr lang="zh-TW" altLang="en-US" dirty="0">
+                <a:latin typeface="Adobe 繁黑體 Std B" panose="020B0700000000000000" pitchFamily="34" charset="-120"/>
+                <a:ea typeface="Adobe 繁黑體 Std B" panose="020B0700000000000000" pitchFamily="34" charset="-120"/>
+              </a:rPr>
               <a:t>結果</a:t>
             </a:r>
           </a:p>
@@ -6826,29 +7339,36 @@
         </p:nvSpPr>
         <p:spPr/>
         <p:txBody>
-          <a:bodyPr/>
+          <a:bodyPr vert="horz" lIns="91440" tIns="45720" rIns="91440" bIns="45720" rtlCol="0">
+            <a:normAutofit/>
+          </a:bodyPr>
           <a:lstStyle/>
           <a:p>
             <a:r>
-              <a:rPr lang="en-US" altLang="zh-TW" dirty="0" smtClean="0">
+              <a:rPr lang="en-US" altLang="zh-TW" dirty="0">
+                <a:latin typeface="Adobe 黑体 Std R" panose="020B0400000000000000" pitchFamily="34" charset="-128"/>
+                <a:ea typeface="Adobe 黑体 Std R" panose="020B0400000000000000" pitchFamily="34" charset="-128"/>
                 <a:hlinkClick r:id="rId2"/>
               </a:rPr>
               <a:t>https://www.kaggle.com/a82484728/final-project-rain</a:t>
             </a:r>
-            <a:endParaRPr lang="en-US" altLang="zh-TW" dirty="0" smtClean="0"/>
-          </a:p>
-          <a:p>
-            <a:r>
-              <a:rPr lang="en-US" altLang="zh-TW" dirty="0" smtClean="0">
-                <a:effectLst/>
+            <a:endParaRPr lang="en-US" altLang="zh-TW" dirty="0">
+              <a:latin typeface="Adobe 黑体 Std R" panose="020B0400000000000000" pitchFamily="34" charset="-128"/>
+              <a:ea typeface="Adobe 黑体 Std R" panose="020B0400000000000000" pitchFamily="34" charset="-128"/>
+            </a:endParaRPr>
+          </a:p>
+          <a:p>
+            <a:r>
+              <a:rPr lang="en-US" altLang="zh-TW">
+                <a:latin typeface="Adobe 黑体 Std R" panose="020B0400000000000000" pitchFamily="34" charset="-128"/>
+                <a:ea typeface="Adobe 黑体 Std R" panose="020B0400000000000000" pitchFamily="34" charset="-128"/>
               </a:rPr>
-              <a:t>accuracy_score:</a:t>
-            </a:r>
-            <a:r>
-              <a:rPr lang="en-US" altLang="zh-TW" dirty="0" smtClean="0"/>
-              <a:t>0.849</a:t>
-            </a:r>
-            <a:endParaRPr lang="zh-TW" altLang="en-US" dirty="0"/>
+              <a:t>accuracy_score:0.836</a:t>
+            </a:r>
+            <a:endParaRPr lang="zh-TW" altLang="en-US" dirty="0">
+              <a:latin typeface="Adobe 黑体 Std R" panose="020B0400000000000000" pitchFamily="34" charset="-128"/>
+              <a:ea typeface="Adobe 黑体 Std R" panose="020B0400000000000000" pitchFamily="34" charset="-128"/>
+            </a:endParaRPr>
           </a:p>
         </p:txBody>
       </p:sp>
@@ -6978,13 +7498,20 @@
     </p:spTree>
     <p:extLst>
       <p:ext uri="{BB962C8B-B14F-4D97-AF65-F5344CB8AC3E}">
-        <p14:creationId xmlns:p14="http://schemas.microsoft.com/office/powerpoint/2010/main" val="2183109586"/>
+        <p14:creationId xmlns:p14="http://schemas.microsoft.com/office/powerpoint/2010/main" val="859978437"/>
       </p:ext>
     </p:extLst>
   </p:cSld>
   <p:clrMapOvr>
     <a:masterClrMapping/>
   </p:clrMapOvr>
+  <p:timing>
+    <p:tnLst>
+      <p:par>
+        <p:cTn id="1" dur="indefinite" restart="never" nodeType="tmRoot"/>
+      </p:par>
+    </p:tnLst>
+  </p:timing>
 </p:sld>
 </file>
 
@@ -7020,11 +7547,7 @@
           <a:bodyPr/>
           <a:lstStyle/>
           <a:p>
-            <a:r>
-              <a:rPr lang="zh-TW" altLang="en-US" dirty="0" smtClean="0"/>
-              <a:t>改變深度</a:t>
-            </a:r>
-            <a:endParaRPr lang="zh-TW" altLang="en-US" dirty="0"/>
+            <a:endParaRPr lang="zh-TW" altLang="en-US"/>
           </a:p>
         </p:txBody>
       </p:sp>
@@ -7043,19 +7566,195 @@
           <a:bodyPr/>
           <a:lstStyle/>
           <a:p>
-            <a:r>
-              <a:rPr lang="en-US" altLang="zh-TW" dirty="0" smtClean="0"/>
+            <a:endParaRPr lang="zh-TW" altLang="en-US"/>
+          </a:p>
+        </p:txBody>
+      </p:sp>
+      <p:pic>
+        <p:nvPicPr>
+          <p:cNvPr id="4" name="圖片 3"/>
+          <p:cNvPicPr>
+            <a:picLocks noChangeAspect="1"/>
+          </p:cNvPicPr>
+          <p:nvPr/>
+        </p:nvPicPr>
+        <p:blipFill rotWithShape="1">
+          <a:blip r:embed="rId3"/>
+          <a:srcRect l="3145" t="24800" r="23619" b="24800"/>
+          <a:stretch/>
+        </p:blipFill>
+        <p:spPr>
+          <a:xfrm>
+            <a:off x="-108520" y="1921694"/>
+            <a:ext cx="9433048" cy="3883570"/>
+          </a:xfrm>
+          <a:prstGeom prst="rect">
+            <a:avLst/>
+          </a:prstGeom>
+        </p:spPr>
+      </p:pic>
+      <p:sp>
+        <p:nvSpPr>
+          <p:cNvPr id="6" name="標題 1"/>
+          <p:cNvSpPr txBox="1">
+            <a:spLocks/>
+          </p:cNvSpPr>
+          <p:nvPr/>
+        </p:nvSpPr>
+        <p:spPr>
+          <a:xfrm>
+            <a:off x="609600" y="427038"/>
+            <a:ext cx="8229600" cy="1143000"/>
+          </a:xfrm>
+          <a:prstGeom prst="rect">
+            <a:avLst/>
+          </a:prstGeom>
+        </p:spPr>
+        <p:txBody>
+          <a:bodyPr vert="horz" lIns="91440" tIns="45720" rIns="91440" bIns="45720" rtlCol="0" anchor="ctr">
+            <a:normAutofit/>
+          </a:bodyPr>
+          <a:lstStyle>
+            <a:lvl1pPr algn="ctr" defTabSz="914400" rtl="0" eaLnBrk="1" latinLnBrk="0" hangingPunct="1">
+              <a:spcBef>
+                <a:spcPct val="0"/>
+              </a:spcBef>
+              <a:buNone/>
+              <a:defRPr sz="4400" kern="1200">
+                <a:solidFill>
+                  <a:schemeClr val="tx1"/>
+                </a:solidFill>
+                <a:latin typeface="+mj-lt"/>
+                <a:ea typeface="+mj-ea"/>
+                <a:cs typeface="+mj-cs"/>
+              </a:defRPr>
+            </a:lvl1pPr>
+          </a:lstStyle>
+          <a:p>
+            <a:r>
+              <a:rPr lang="zh-TW" altLang="en-US" smtClean="0">
+                <a:latin typeface="Adobe 繁黑體 Std B" panose="020B0700000000000000" pitchFamily="34" charset="-120"/>
+                <a:ea typeface="Adobe 繁黑體 Std B" panose="020B0700000000000000" pitchFamily="34" charset="-120"/>
+              </a:rPr>
+              <a:t>結果</a:t>
+            </a:r>
+            <a:endParaRPr lang="zh-TW" altLang="en-US" dirty="0">
+              <a:latin typeface="Adobe 繁黑體 Std B" panose="020B0700000000000000" pitchFamily="34" charset="-120"/>
+              <a:ea typeface="Adobe 繁黑體 Std B" panose="020B0700000000000000" pitchFamily="34" charset="-120"/>
+            </a:endParaRPr>
+          </a:p>
+        </p:txBody>
+      </p:sp>
+    </p:spTree>
+    <p:extLst>
+      <p:ext uri="{BB962C8B-B14F-4D97-AF65-F5344CB8AC3E}">
+        <p14:creationId xmlns:p14="http://schemas.microsoft.com/office/powerpoint/2010/main" val="195156761"/>
+      </p:ext>
+    </p:extLst>
+  </p:cSld>
+  <p:clrMapOvr>
+    <a:masterClrMapping/>
+  </p:clrMapOvr>
+  <p:timing>
+    <p:tnLst>
+      <p:par>
+        <p:cTn id="1" dur="indefinite" restart="never" nodeType="tmRoot"/>
+      </p:par>
+    </p:tnLst>
+  </p:timing>
+</p:sld>
+</file>
+
+<file path=ppt/slides/slide12.xml><?xml version="1.0" encoding="utf-8"?>
+<p:sld xmlns:a="http://schemas.openxmlformats.org/drawingml/2006/main" xmlns:r="http://schemas.openxmlformats.org/officeDocument/2006/relationships" xmlns:p="http://schemas.openxmlformats.org/presentationml/2006/main">
+  <p:cSld>
+    <p:spTree>
+      <p:nvGrpSpPr>
+        <p:cNvPr id="1" name=""/>
+        <p:cNvGrpSpPr/>
+        <p:nvPr/>
+      </p:nvGrpSpPr>
+      <p:grpSpPr>
+        <a:xfrm>
+          <a:off x="0" y="0"/>
+          <a:ext cx="0" cy="0"/>
+          <a:chOff x="0" y="0"/>
+          <a:chExt cx="0" cy="0"/>
+        </a:xfrm>
+      </p:grpSpPr>
+      <p:sp>
+        <p:nvSpPr>
+          <p:cNvPr id="2" name="標題 1"/>
+          <p:cNvSpPr>
+            <a:spLocks noGrp="1"/>
+          </p:cNvSpPr>
+          <p:nvPr>
+            <p:ph type="title"/>
+          </p:nvPr>
+        </p:nvSpPr>
+        <p:spPr/>
+        <p:txBody>
+          <a:bodyPr vert="horz" lIns="91440" tIns="45720" rIns="91440" bIns="45720" rtlCol="0" anchor="ctr">
+            <a:normAutofit/>
+          </a:bodyPr>
+          <a:lstStyle/>
+          <a:p>
+            <a:r>
+              <a:rPr lang="zh-TW" altLang="en-US" dirty="0">
+                <a:latin typeface="Adobe 繁黑體 Std B" panose="020B0700000000000000" pitchFamily="34" charset="-120"/>
+                <a:ea typeface="Adobe 繁黑體 Std B" panose="020B0700000000000000" pitchFamily="34" charset="-120"/>
+              </a:rPr>
+              <a:t>改變深度</a:t>
+            </a:r>
+            <a:endParaRPr lang="zh-TW" altLang="en-US" dirty="0">
+              <a:latin typeface="Adobe 繁黑體 Std B" panose="020B0700000000000000" pitchFamily="34" charset="-120"/>
+              <a:ea typeface="Adobe 繁黑體 Std B" panose="020B0700000000000000" pitchFamily="34" charset="-120"/>
+            </a:endParaRPr>
+          </a:p>
+        </p:txBody>
+      </p:sp>
+      <p:sp>
+        <p:nvSpPr>
+          <p:cNvPr id="3" name="內容版面配置區 2"/>
+          <p:cNvSpPr>
+            <a:spLocks noGrp="1"/>
+          </p:cNvSpPr>
+          <p:nvPr>
+            <p:ph idx="1"/>
+          </p:nvPr>
+        </p:nvSpPr>
+        <p:spPr/>
+        <p:txBody>
+          <a:bodyPr vert="horz" lIns="91440" tIns="45720" rIns="91440" bIns="45720" rtlCol="0">
+            <a:normAutofit/>
+          </a:bodyPr>
+          <a:lstStyle/>
+          <a:p>
+            <a:r>
+              <a:rPr lang="en-US" altLang="zh-TW" dirty="0">
+                <a:latin typeface="Adobe 黑体 Std R" panose="020B0400000000000000" pitchFamily="34" charset="-128"/>
+                <a:ea typeface="Adobe 黑体 Std R" panose="020B0400000000000000" pitchFamily="34" charset="-128"/>
+              </a:rPr>
               <a:t>Depth=2</a:t>
             </a:r>
             <a:r>
-              <a:rPr lang="zh-TW" altLang="en-US" dirty="0" smtClean="0"/>
+              <a:rPr lang="zh-TW" altLang="en-US" dirty="0">
+                <a:latin typeface="Adobe 黑体 Std R" panose="020B0400000000000000" pitchFamily="34" charset="-128"/>
+                <a:ea typeface="Adobe 黑体 Std R" panose="020B0400000000000000" pitchFamily="34" charset="-128"/>
+              </a:rPr>
               <a:t>～</a:t>
             </a:r>
             <a:r>
-              <a:rPr lang="en-US" altLang="zh-TW" dirty="0" smtClean="0"/>
+              <a:rPr lang="en-US" altLang="zh-TW" dirty="0">
+                <a:latin typeface="Adobe 黑体 Std R" panose="020B0400000000000000" pitchFamily="34" charset="-128"/>
+                <a:ea typeface="Adobe 黑体 Std R" panose="020B0400000000000000" pitchFamily="34" charset="-128"/>
+              </a:rPr>
               <a:t>12</a:t>
             </a:r>
-            <a:endParaRPr lang="zh-TW" altLang="en-US" dirty="0"/>
+            <a:endParaRPr lang="zh-TW" altLang="en-US" dirty="0">
+              <a:latin typeface="Adobe 黑体 Std R" panose="020B0400000000000000" pitchFamily="34" charset="-128"/>
+              <a:ea typeface="Adobe 黑体 Std R" panose="020B0400000000000000" pitchFamily="34" charset="-128"/>
+            </a:endParaRPr>
           </a:p>
         </p:txBody>
       </p:sp>
@@ -7110,276 +7809,13 @@
   <p:clrMapOvr>
     <a:masterClrMapping/>
   </p:clrMapOvr>
-</p:sld>
-</file>
-
-<file path=ppt/slides/slide12.xml><?xml version="1.0" encoding="utf-8"?>
-<p:sld xmlns:a="http://schemas.openxmlformats.org/drawingml/2006/main" xmlns:r="http://schemas.openxmlformats.org/officeDocument/2006/relationships" xmlns:p="http://schemas.openxmlformats.org/presentationml/2006/main">
-  <p:cSld>
-    <p:spTree>
-      <p:nvGrpSpPr>
-        <p:cNvPr id="1" name=""/>
-        <p:cNvGrpSpPr/>
-        <p:nvPr/>
-      </p:nvGrpSpPr>
-      <p:grpSpPr>
-        <a:xfrm>
-          <a:off x="0" y="0"/>
-          <a:ext cx="0" cy="0"/>
-          <a:chOff x="0" y="0"/>
-          <a:chExt cx="0" cy="0"/>
-        </a:xfrm>
-      </p:grpSpPr>
-      <p:sp>
-        <p:nvSpPr>
-          <p:cNvPr id="2" name="標題 1"/>
-          <p:cNvSpPr>
-            <a:spLocks noGrp="1"/>
-          </p:cNvSpPr>
-          <p:nvPr>
-            <p:ph type="title"/>
-          </p:nvPr>
-        </p:nvSpPr>
-        <p:spPr/>
-        <p:txBody>
-          <a:bodyPr/>
-          <a:lstStyle/>
-          <a:p>
-            <a:r>
-              <a:rPr lang="zh-TW" altLang="en-US" dirty="0" smtClean="0"/>
-              <a:t>結果</a:t>
-            </a:r>
-            <a:endParaRPr lang="zh-TW" altLang="en-US" dirty="0"/>
-          </a:p>
-        </p:txBody>
-      </p:sp>
-      <p:sp>
-        <p:nvSpPr>
-          <p:cNvPr id="3" name="內容版面配置區 2"/>
-          <p:cNvSpPr>
-            <a:spLocks noGrp="1"/>
-          </p:cNvSpPr>
-          <p:nvPr>
-            <p:ph idx="1"/>
-          </p:nvPr>
-        </p:nvSpPr>
-        <p:spPr/>
-        <p:txBody>
-          <a:bodyPr/>
-          <a:lstStyle/>
-          <a:p>
-            <a:r>
-              <a:rPr lang="en-US" altLang="zh-TW" dirty="0" err="1" smtClean="0">
-                <a:effectLst/>
-              </a:rPr>
-              <a:t>accuracy_score</a:t>
-            </a:r>
-            <a:r>
-              <a:rPr lang="en-US" altLang="zh-TW" dirty="0" smtClean="0">
-                <a:effectLst/>
-              </a:rPr>
-              <a:t>:</a:t>
-            </a:r>
-            <a:endParaRPr lang="zh-TW" altLang="en-US" dirty="0"/>
-          </a:p>
-        </p:txBody>
-      </p:sp>
-      <p:pic>
-        <p:nvPicPr>
-          <p:cNvPr id="5122" name="Picture 2" descr="C:\Users\user\Desktop\擷取.JPG"/>
-          <p:cNvPicPr>
-            <a:picLocks noChangeAspect="1" noChangeArrowheads="1"/>
-          </p:cNvPicPr>
-          <p:nvPr/>
-        </p:nvPicPr>
-        <p:blipFill>
-          <a:blip r:embed="rId2">
-            <a:extLst>
-              <a:ext uri="{28A0092B-C50C-407E-A947-70E740481C1C}">
-                <a14:useLocalDpi xmlns:a14="http://schemas.microsoft.com/office/drawing/2010/main" val="0"/>
-              </a:ext>
-            </a:extLst>
-          </a:blip>
-          <a:srcRect/>
-          <a:stretch>
-            <a:fillRect/>
-          </a:stretch>
-        </p:blipFill>
-        <p:spPr bwMode="auto">
-          <a:xfrm>
-            <a:off x="4283968" y="1713584"/>
-            <a:ext cx="4136300" cy="3888432"/>
-          </a:xfrm>
-          <a:prstGeom prst="rect">
-            <a:avLst/>
-          </a:prstGeom>
-          <a:noFill/>
-          <a:extLst>
-            <a:ext uri="{909E8E84-426E-40DD-AFC4-6F175D3DCCD1}">
-              <a14:hiddenFill xmlns:a14="http://schemas.microsoft.com/office/drawing/2010/main">
-                <a:solidFill>
-                  <a:srgbClr val="FFFFFF"/>
-                </a:solidFill>
-              </a14:hiddenFill>
-            </a:ext>
-          </a:extLst>
-        </p:spPr>
-      </p:pic>
-      <p:sp>
-        <p:nvSpPr>
-          <p:cNvPr id="4" name="文字方塊 3"/>
-          <p:cNvSpPr txBox="1"/>
-          <p:nvPr/>
-        </p:nvSpPr>
-        <p:spPr>
-          <a:xfrm>
-            <a:off x="3779912" y="1934049"/>
-            <a:ext cx="504056" cy="3599703"/>
-          </a:xfrm>
-          <a:prstGeom prst="rect">
-            <a:avLst/>
-          </a:prstGeom>
-          <a:noFill/>
-        </p:spPr>
-        <p:txBody>
-          <a:bodyPr wrap="square" rtlCol="0">
-            <a:spAutoFit/>
-          </a:bodyPr>
-          <a:lstStyle/>
-          <a:p>
-            <a:pPr>
-              <a:lnSpc>
-                <a:spcPts val="2500"/>
-              </a:lnSpc>
-            </a:pPr>
-            <a:r>
-              <a:rPr lang="en-US" altLang="zh-TW" dirty="0" smtClean="0"/>
-              <a:t>2</a:t>
-            </a:r>
-          </a:p>
-          <a:p>
-            <a:pPr>
-              <a:lnSpc>
-                <a:spcPts val="2500"/>
-              </a:lnSpc>
-            </a:pPr>
-            <a:r>
-              <a:rPr lang="en-US" altLang="zh-TW" dirty="0" smtClean="0"/>
-              <a:t>3</a:t>
-            </a:r>
-          </a:p>
-          <a:p>
-            <a:pPr>
-              <a:lnSpc>
-                <a:spcPts val="2500"/>
-              </a:lnSpc>
-            </a:pPr>
-            <a:r>
-              <a:rPr lang="en-US" altLang="zh-TW" dirty="0" smtClean="0"/>
-              <a:t>4</a:t>
-            </a:r>
-          </a:p>
-          <a:p>
-            <a:pPr>
-              <a:lnSpc>
-                <a:spcPts val="2500"/>
-              </a:lnSpc>
-            </a:pPr>
-            <a:r>
-              <a:rPr lang="en-US" altLang="zh-TW" dirty="0" smtClean="0"/>
-              <a:t>5</a:t>
-            </a:r>
-          </a:p>
-          <a:p>
-            <a:pPr>
-              <a:lnSpc>
-                <a:spcPts val="2500"/>
-              </a:lnSpc>
-            </a:pPr>
-            <a:r>
-              <a:rPr lang="en-US" altLang="zh-TW" dirty="0" smtClean="0"/>
-              <a:t>6</a:t>
-            </a:r>
-          </a:p>
-          <a:p>
-            <a:pPr>
-              <a:lnSpc>
-                <a:spcPts val="2500"/>
-              </a:lnSpc>
-            </a:pPr>
-            <a:r>
-              <a:rPr lang="en-US" altLang="zh-TW" dirty="0" smtClean="0"/>
-              <a:t>7</a:t>
-            </a:r>
-          </a:p>
-          <a:p>
-            <a:pPr>
-              <a:lnSpc>
-                <a:spcPts val="2500"/>
-              </a:lnSpc>
-            </a:pPr>
-            <a:r>
-              <a:rPr lang="en-US" altLang="zh-TW" dirty="0" smtClean="0"/>
-              <a:t>8</a:t>
-            </a:r>
-          </a:p>
-          <a:p>
-            <a:pPr>
-              <a:lnSpc>
-                <a:spcPts val="2500"/>
-              </a:lnSpc>
-            </a:pPr>
-            <a:r>
-              <a:rPr lang="en-US" altLang="zh-TW" dirty="0" smtClean="0"/>
-              <a:t>9</a:t>
-            </a:r>
-          </a:p>
-          <a:p>
-            <a:pPr>
-              <a:lnSpc>
-                <a:spcPts val="2500"/>
-              </a:lnSpc>
-            </a:pPr>
-            <a:r>
-              <a:rPr lang="en-US" altLang="zh-TW" dirty="0" smtClean="0"/>
-              <a:t>10</a:t>
-            </a:r>
-          </a:p>
-          <a:p>
-            <a:pPr>
-              <a:lnSpc>
-                <a:spcPts val="2500"/>
-              </a:lnSpc>
-            </a:pPr>
-            <a:r>
-              <a:rPr lang="en-US" altLang="zh-TW" dirty="0" smtClean="0"/>
-              <a:t>11</a:t>
-            </a:r>
-          </a:p>
-          <a:p>
-            <a:pPr>
-              <a:lnSpc>
-                <a:spcPts val="2500"/>
-              </a:lnSpc>
-            </a:pPr>
-            <a:r>
-              <a:rPr lang="en-US" altLang="zh-TW" dirty="0" smtClean="0"/>
-              <a:t>12</a:t>
-            </a:r>
-            <a:endParaRPr lang="zh-TW" altLang="en-US" dirty="0"/>
-          </a:p>
-        </p:txBody>
-      </p:sp>
-    </p:spTree>
-    <p:extLst>
-      <p:ext uri="{BB962C8B-B14F-4D97-AF65-F5344CB8AC3E}">
-        <p14:creationId xmlns:p14="http://schemas.microsoft.com/office/powerpoint/2010/main" val="141192265"/>
-      </p:ext>
-    </p:extLst>
-  </p:cSld>
-  <p:clrMapOvr>
-    <a:masterClrMapping/>
-  </p:clrMapOvr>
+  <p:timing>
+    <p:tnLst>
+      <p:par>
+        <p:cTn id="1" dur="indefinite" restart="never" nodeType="tmRoot"/>
+      </p:par>
+    </p:tnLst>
+  </p:timing>
 </p:sld>
 </file>
 
@@ -7412,16 +7848,22 @@
         </p:nvSpPr>
         <p:spPr/>
         <p:txBody>
-          <a:bodyPr>
+          <a:bodyPr vert="horz" lIns="91440" tIns="45720" rIns="91440" bIns="45720" rtlCol="0" anchor="ctr">
             <a:normAutofit/>
           </a:bodyPr>
           <a:lstStyle/>
           <a:p>
             <a:r>
-              <a:rPr lang="zh-TW" altLang="en-US" dirty="0" smtClean="0"/>
+              <a:rPr lang="zh-TW" altLang="en-US" dirty="0">
+                <a:latin typeface="Adobe 繁黑體 Std B" panose="020B0700000000000000" pitchFamily="34" charset="-120"/>
+                <a:ea typeface="Adobe 繁黑體 Std B" panose="020B0700000000000000" pitchFamily="34" charset="-120"/>
+              </a:rPr>
               <a:t>結果</a:t>
             </a:r>
-            <a:endParaRPr lang="zh-TW" altLang="en-US" dirty="0"/>
+            <a:endParaRPr lang="zh-TW" altLang="en-US" dirty="0">
+              <a:latin typeface="Adobe 繁黑體 Std B" panose="020B0700000000000000" pitchFamily="34" charset="-120"/>
+              <a:ea typeface="Adobe 繁黑體 Std B" panose="020B0700000000000000" pitchFamily="34" charset="-120"/>
+            </a:endParaRPr>
           </a:p>
         </p:txBody>
       </p:sp>
@@ -7437,53 +7879,1755 @@
         </p:nvSpPr>
         <p:spPr/>
         <p:txBody>
-          <a:bodyPr/>
+          <a:bodyPr vert="horz" lIns="91440" tIns="45720" rIns="91440" bIns="45720" rtlCol="0">
+            <a:normAutofit/>
+          </a:bodyPr>
           <a:lstStyle/>
           <a:p>
             <a:r>
-              <a:rPr lang="en-US" altLang="zh-TW" dirty="0" smtClean="0"/>
-              <a:t> 4</a:t>
-            </a:r>
-            <a:r>
-              <a:rPr lang="zh-TW" altLang="en-US" dirty="0" smtClean="0"/>
-              <a:t>層的決策樹用來預測明天是否下雨，可以有約</a:t>
-            </a:r>
-            <a:r>
-              <a:rPr lang="en-US" altLang="zh-TW" dirty="0" smtClean="0"/>
-              <a:t>85%</a:t>
-            </a:r>
-            <a:r>
-              <a:rPr lang="zh-TW" altLang="en-US" dirty="0" smtClean="0"/>
-              <a:t>的正確率。</a:t>
-            </a:r>
-          </a:p>
-          <a:p>
-            <a:r>
-              <a:rPr lang="en-US" altLang="zh-TW" dirty="0" smtClean="0"/>
-              <a:t>7</a:t>
-            </a:r>
-            <a:r>
-              <a:rPr lang="zh-TW" altLang="en-US" dirty="0" smtClean="0"/>
-              <a:t>層的決策樹用來預測明天是否下雨，可以有約</a:t>
-            </a:r>
-            <a:r>
-              <a:rPr lang="en-US" altLang="zh-TW" dirty="0" smtClean="0"/>
-              <a:t>86%</a:t>
-            </a:r>
-            <a:r>
-              <a:rPr lang="zh-TW" altLang="en-US" dirty="0" smtClean="0"/>
-              <a:t>的正確率。</a:t>
-            </a:r>
-          </a:p>
-          <a:p>
-            <a:endParaRPr lang="zh-TW" altLang="en-US" dirty="0"/>
+              <a:rPr lang="en-US" altLang="zh-TW" dirty="0" err="1">
+                <a:latin typeface="Adobe 黑体 Std R" panose="020B0400000000000000" pitchFamily="34" charset="-128"/>
+                <a:ea typeface="Adobe 黑体 Std R" panose="020B0400000000000000" pitchFamily="34" charset="-128"/>
+              </a:rPr>
+              <a:t>accuracy_score</a:t>
+            </a:r>
+            <a:r>
+              <a:rPr lang="en-US" altLang="zh-TW" dirty="0">
+                <a:latin typeface="Adobe 黑体 Std R" panose="020B0400000000000000" pitchFamily="34" charset="-128"/>
+                <a:ea typeface="Adobe 黑体 Std R" panose="020B0400000000000000" pitchFamily="34" charset="-128"/>
+              </a:rPr>
+              <a:t>:</a:t>
+            </a:r>
+            <a:endParaRPr lang="zh-TW" altLang="en-US" dirty="0">
+              <a:latin typeface="Adobe 黑体 Std R" panose="020B0400000000000000" pitchFamily="34" charset="-128"/>
+              <a:ea typeface="Adobe 黑体 Std R" panose="020B0400000000000000" pitchFamily="34" charset="-128"/>
+            </a:endParaRPr>
           </a:p>
         </p:txBody>
       </p:sp>
+      <p:graphicFrame>
+        <p:nvGraphicFramePr>
+          <p:cNvPr id="7" name="表格 6"/>
+          <p:cNvGraphicFramePr>
+            <a:graphicFrameLocks noGrp="1"/>
+          </p:cNvGraphicFramePr>
+          <p:nvPr>
+            <p:extLst>
+              <p:ext uri="{D42A27DB-BD31-4B8C-83A1-F6EECF244321}">
+                <p14:modId xmlns:p14="http://schemas.microsoft.com/office/powerpoint/2010/main" val="1574080162"/>
+              </p:ext>
+            </p:extLst>
+          </p:nvPr>
+        </p:nvGraphicFramePr>
+        <p:xfrm>
+          <a:off x="2699792" y="2420888"/>
+          <a:ext cx="3438872" cy="4189416"/>
+        </p:xfrm>
+        <a:graphic>
+          <a:graphicData uri="http://schemas.openxmlformats.org/drawingml/2006/table">
+            <a:tbl>
+              <a:tblPr>
+                <a:tableStyleId>{5C22544A-7EE6-4342-B048-85BDC9FD1C3A}</a:tableStyleId>
+              </a:tblPr>
+              <a:tblGrid>
+                <a:gridCol w="1105941">
+                  <a:extLst>
+                    <a:ext uri="{9D8B030D-6E8A-4147-A177-3AD203B41FA5}">
+                      <a16:colId xmlns:a16="http://schemas.microsoft.com/office/drawing/2014/main" val="3177625712"/>
+                    </a:ext>
+                  </a:extLst>
+                </a:gridCol>
+                <a:gridCol w="2332931">
+                  <a:extLst>
+                    <a:ext uri="{9D8B030D-6E8A-4147-A177-3AD203B41FA5}">
+                      <a16:colId xmlns:a16="http://schemas.microsoft.com/office/drawing/2014/main" val="670001917"/>
+                    </a:ext>
+                  </a:extLst>
+                </a:gridCol>
+              </a:tblGrid>
+              <a:tr h="380856">
+                <a:tc>
+                  <a:txBody>
+                    <a:bodyPr/>
+                    <a:lstStyle/>
+                    <a:p>
+                      <a:pPr algn="ctr" fontAlgn="ctr"/>
+                      <a:r>
+                        <a:rPr lang="en-US" sz="2000" u="none" strike="noStrike">
+                          <a:effectLst/>
+                          <a:latin typeface="Adobe 黑体 Std R" panose="020B0400000000000000" pitchFamily="34" charset="-128"/>
+                          <a:ea typeface="Adobe 黑体 Std R" panose="020B0400000000000000" pitchFamily="34" charset="-128"/>
+                        </a:rPr>
+                        <a:t>Depth</a:t>
+                      </a:r>
+                      <a:endParaRPr lang="en-US" sz="2000" b="0" i="0" u="none" strike="noStrike">
+                        <a:solidFill>
+                          <a:srgbClr val="000000"/>
+                        </a:solidFill>
+                        <a:effectLst/>
+                        <a:latin typeface="Adobe 黑体 Std R" panose="020B0400000000000000" pitchFamily="34" charset="-128"/>
+                        <a:ea typeface="Adobe 黑体 Std R" panose="020B0400000000000000" pitchFamily="34" charset="-128"/>
+                      </a:endParaRPr>
+                    </a:p>
+                  </a:txBody>
+                  <a:tcPr marL="9525" marR="9525" marT="9525" marB="0" anchor="ctr">
+                    <a:lnL w="12700" cap="flat" cmpd="sng" algn="ctr">
+                      <a:solidFill>
+                        <a:schemeClr val="tx1"/>
+                      </a:solidFill>
+                      <a:prstDash val="solid"/>
+                      <a:round/>
+                      <a:headEnd type="none" w="med" len="med"/>
+                      <a:tailEnd type="none" w="med" len="med"/>
+                    </a:lnL>
+                    <a:lnR w="12700" cap="flat" cmpd="sng" algn="ctr">
+                      <a:solidFill>
+                        <a:schemeClr val="tx1"/>
+                      </a:solidFill>
+                      <a:prstDash val="solid"/>
+                      <a:round/>
+                      <a:headEnd type="none" w="med" len="med"/>
+                      <a:tailEnd type="none" w="med" len="med"/>
+                    </a:lnR>
+                    <a:lnT w="12700" cap="flat" cmpd="sng" algn="ctr">
+                      <a:solidFill>
+                        <a:schemeClr val="tx1"/>
+                      </a:solidFill>
+                      <a:prstDash val="solid"/>
+                      <a:round/>
+                      <a:headEnd type="none" w="med" len="med"/>
+                      <a:tailEnd type="none" w="med" len="med"/>
+                    </a:lnT>
+                    <a:lnB w="12700" cap="flat" cmpd="sng" algn="ctr">
+                      <a:solidFill>
+                        <a:schemeClr val="tx1"/>
+                      </a:solidFill>
+                      <a:prstDash val="solid"/>
+                      <a:round/>
+                      <a:headEnd type="none" w="med" len="med"/>
+                      <a:tailEnd type="none" w="med" len="med"/>
+                    </a:lnB>
+                    <a:lnTlToBr w="12700" cmpd="sng">
+                      <a:noFill/>
+                      <a:prstDash val="solid"/>
+                    </a:lnTlToBr>
+                    <a:lnBlToTr w="12700" cmpd="sng">
+                      <a:noFill/>
+                      <a:prstDash val="solid"/>
+                    </a:lnBlToTr>
+                  </a:tcPr>
+                </a:tc>
+                <a:tc>
+                  <a:txBody>
+                    <a:bodyPr/>
+                    <a:lstStyle/>
+                    <a:p>
+                      <a:pPr algn="ctr" fontAlgn="ctr"/>
+                      <a:r>
+                        <a:rPr lang="en-US" sz="2000" u="none" strike="noStrike">
+                          <a:effectLst/>
+                          <a:latin typeface="Adobe 黑体 Std R" panose="020B0400000000000000" pitchFamily="34" charset="-128"/>
+                          <a:ea typeface="Adobe 黑体 Std R" panose="020B0400000000000000" pitchFamily="34" charset="-128"/>
+                        </a:rPr>
+                        <a:t>accuracy</a:t>
+                      </a:r>
+                      <a:endParaRPr lang="en-US" sz="2000" b="0" i="0" u="none" strike="noStrike">
+                        <a:solidFill>
+                          <a:srgbClr val="000000"/>
+                        </a:solidFill>
+                        <a:effectLst/>
+                        <a:latin typeface="Adobe 黑体 Std R" panose="020B0400000000000000" pitchFamily="34" charset="-128"/>
+                        <a:ea typeface="Adobe 黑体 Std R" panose="020B0400000000000000" pitchFamily="34" charset="-128"/>
+                      </a:endParaRPr>
+                    </a:p>
+                  </a:txBody>
+                  <a:tcPr marL="9525" marR="9525" marT="9525" marB="0" anchor="ctr">
+                    <a:lnL w="12700" cap="flat" cmpd="sng" algn="ctr">
+                      <a:solidFill>
+                        <a:schemeClr val="tx1"/>
+                      </a:solidFill>
+                      <a:prstDash val="solid"/>
+                      <a:round/>
+                      <a:headEnd type="none" w="med" len="med"/>
+                      <a:tailEnd type="none" w="med" len="med"/>
+                    </a:lnL>
+                    <a:lnR w="12700" cap="flat" cmpd="sng" algn="ctr">
+                      <a:solidFill>
+                        <a:schemeClr val="tx1"/>
+                      </a:solidFill>
+                      <a:prstDash val="solid"/>
+                      <a:round/>
+                      <a:headEnd type="none" w="med" len="med"/>
+                      <a:tailEnd type="none" w="med" len="med"/>
+                    </a:lnR>
+                    <a:lnT w="12700" cap="flat" cmpd="sng" algn="ctr">
+                      <a:solidFill>
+                        <a:schemeClr val="tx1"/>
+                      </a:solidFill>
+                      <a:prstDash val="solid"/>
+                      <a:round/>
+                      <a:headEnd type="none" w="med" len="med"/>
+                      <a:tailEnd type="none" w="med" len="med"/>
+                    </a:lnT>
+                    <a:lnB w="12700" cap="flat" cmpd="sng" algn="ctr">
+                      <a:solidFill>
+                        <a:schemeClr val="tx1"/>
+                      </a:solidFill>
+                      <a:prstDash val="solid"/>
+                      <a:round/>
+                      <a:headEnd type="none" w="med" len="med"/>
+                      <a:tailEnd type="none" w="med" len="med"/>
+                    </a:lnB>
+                    <a:lnTlToBr w="12700" cmpd="sng">
+                      <a:noFill/>
+                      <a:prstDash val="solid"/>
+                    </a:lnTlToBr>
+                    <a:lnBlToTr w="12700" cmpd="sng">
+                      <a:noFill/>
+                      <a:prstDash val="solid"/>
+                    </a:lnBlToTr>
+                  </a:tcPr>
+                </a:tc>
+                <a:extLst>
+                  <a:ext uri="{0D108BD9-81ED-4DB2-BD59-A6C34878D82A}">
+                    <a16:rowId xmlns:a16="http://schemas.microsoft.com/office/drawing/2014/main" val="3876977242"/>
+                  </a:ext>
+                </a:extLst>
+              </a:tr>
+              <a:tr h="380856">
+                <a:tc>
+                  <a:txBody>
+                    <a:bodyPr/>
+                    <a:lstStyle/>
+                    <a:p>
+                      <a:pPr algn="ctr" fontAlgn="ctr"/>
+                      <a:r>
+                        <a:rPr lang="en-US" altLang="zh-TW" sz="2000" u="none" strike="noStrike">
+                          <a:effectLst/>
+                          <a:latin typeface="Adobe 黑体 Std R" panose="020B0400000000000000" pitchFamily="34" charset="-128"/>
+                          <a:ea typeface="Adobe 黑体 Std R" panose="020B0400000000000000" pitchFamily="34" charset="-128"/>
+                        </a:rPr>
+                        <a:t>2</a:t>
+                      </a:r>
+                      <a:endParaRPr lang="en-US" altLang="zh-TW" sz="2000" b="0" i="0" u="none" strike="noStrike">
+                        <a:solidFill>
+                          <a:srgbClr val="000000"/>
+                        </a:solidFill>
+                        <a:effectLst/>
+                        <a:latin typeface="Adobe 黑体 Std R" panose="020B0400000000000000" pitchFamily="34" charset="-128"/>
+                        <a:ea typeface="Adobe 黑体 Std R" panose="020B0400000000000000" pitchFamily="34" charset="-128"/>
+                      </a:endParaRPr>
+                    </a:p>
+                  </a:txBody>
+                  <a:tcPr marL="9525" marR="9525" marT="9525" marB="0" anchor="ctr">
+                    <a:lnL w="12700" cap="flat" cmpd="sng" algn="ctr">
+                      <a:solidFill>
+                        <a:schemeClr val="tx1"/>
+                      </a:solidFill>
+                      <a:prstDash val="solid"/>
+                      <a:round/>
+                      <a:headEnd type="none" w="med" len="med"/>
+                      <a:tailEnd type="none" w="med" len="med"/>
+                    </a:lnL>
+                    <a:lnR w="12700" cap="flat" cmpd="sng" algn="ctr">
+                      <a:solidFill>
+                        <a:schemeClr val="tx1"/>
+                      </a:solidFill>
+                      <a:prstDash val="solid"/>
+                      <a:round/>
+                      <a:headEnd type="none" w="med" len="med"/>
+                      <a:tailEnd type="none" w="med" len="med"/>
+                    </a:lnR>
+                    <a:lnT w="12700" cap="flat" cmpd="sng" algn="ctr">
+                      <a:solidFill>
+                        <a:schemeClr val="tx1"/>
+                      </a:solidFill>
+                      <a:prstDash val="solid"/>
+                      <a:round/>
+                      <a:headEnd type="none" w="med" len="med"/>
+                      <a:tailEnd type="none" w="med" len="med"/>
+                    </a:lnT>
+                    <a:lnB w="12700" cap="flat" cmpd="sng" algn="ctr">
+                      <a:solidFill>
+                        <a:schemeClr val="tx1"/>
+                      </a:solidFill>
+                      <a:prstDash val="solid"/>
+                      <a:round/>
+                      <a:headEnd type="none" w="med" len="med"/>
+                      <a:tailEnd type="none" w="med" len="med"/>
+                    </a:lnB>
+                    <a:lnTlToBr w="12700" cmpd="sng">
+                      <a:noFill/>
+                      <a:prstDash val="solid"/>
+                    </a:lnTlToBr>
+                    <a:lnBlToTr w="12700" cmpd="sng">
+                      <a:noFill/>
+                      <a:prstDash val="solid"/>
+                    </a:lnBlToTr>
+                  </a:tcPr>
+                </a:tc>
+                <a:tc>
+                  <a:txBody>
+                    <a:bodyPr/>
+                    <a:lstStyle/>
+                    <a:p>
+                      <a:pPr algn="ctr" fontAlgn="ctr"/>
+                      <a:r>
+                        <a:rPr lang="en-US" altLang="zh-TW" sz="2000" u="none" strike="noStrike">
+                          <a:effectLst/>
+                          <a:latin typeface="Adobe 黑体 Std R" panose="020B0400000000000000" pitchFamily="34" charset="-128"/>
+                          <a:ea typeface="Adobe 黑体 Std R" panose="020B0400000000000000" pitchFamily="34" charset="-128"/>
+                        </a:rPr>
+                        <a:t>0.841549296</a:t>
+                      </a:r>
+                      <a:endParaRPr lang="en-US" altLang="zh-TW" sz="2000" b="0" i="0" u="none" strike="noStrike">
+                        <a:solidFill>
+                          <a:srgbClr val="000000"/>
+                        </a:solidFill>
+                        <a:effectLst/>
+                        <a:latin typeface="Adobe 黑体 Std R" panose="020B0400000000000000" pitchFamily="34" charset="-128"/>
+                        <a:ea typeface="Adobe 黑体 Std R" panose="020B0400000000000000" pitchFamily="34" charset="-128"/>
+                      </a:endParaRPr>
+                    </a:p>
+                  </a:txBody>
+                  <a:tcPr marL="9525" marR="9525" marT="9525" marB="0" anchor="ctr">
+                    <a:lnL w="12700" cap="flat" cmpd="sng" algn="ctr">
+                      <a:solidFill>
+                        <a:schemeClr val="tx1"/>
+                      </a:solidFill>
+                      <a:prstDash val="solid"/>
+                      <a:round/>
+                      <a:headEnd type="none" w="med" len="med"/>
+                      <a:tailEnd type="none" w="med" len="med"/>
+                    </a:lnL>
+                    <a:lnR w="12700" cap="flat" cmpd="sng" algn="ctr">
+                      <a:solidFill>
+                        <a:schemeClr val="tx1"/>
+                      </a:solidFill>
+                      <a:prstDash val="solid"/>
+                      <a:round/>
+                      <a:headEnd type="none" w="med" len="med"/>
+                      <a:tailEnd type="none" w="med" len="med"/>
+                    </a:lnR>
+                    <a:lnT w="12700" cap="flat" cmpd="sng" algn="ctr">
+                      <a:solidFill>
+                        <a:schemeClr val="tx1"/>
+                      </a:solidFill>
+                      <a:prstDash val="solid"/>
+                      <a:round/>
+                      <a:headEnd type="none" w="med" len="med"/>
+                      <a:tailEnd type="none" w="med" len="med"/>
+                    </a:lnT>
+                    <a:lnB w="12700" cap="flat" cmpd="sng" algn="ctr">
+                      <a:solidFill>
+                        <a:schemeClr val="tx1"/>
+                      </a:solidFill>
+                      <a:prstDash val="solid"/>
+                      <a:round/>
+                      <a:headEnd type="none" w="med" len="med"/>
+                      <a:tailEnd type="none" w="med" len="med"/>
+                    </a:lnB>
+                    <a:lnTlToBr w="12700" cmpd="sng">
+                      <a:noFill/>
+                      <a:prstDash val="solid"/>
+                    </a:lnTlToBr>
+                    <a:lnBlToTr w="12700" cmpd="sng">
+                      <a:noFill/>
+                      <a:prstDash val="solid"/>
+                    </a:lnBlToTr>
+                  </a:tcPr>
+                </a:tc>
+                <a:extLst>
+                  <a:ext uri="{0D108BD9-81ED-4DB2-BD59-A6C34878D82A}">
+                    <a16:rowId xmlns:a16="http://schemas.microsoft.com/office/drawing/2014/main" val="1105086750"/>
+                  </a:ext>
+                </a:extLst>
+              </a:tr>
+              <a:tr h="380856">
+                <a:tc>
+                  <a:txBody>
+                    <a:bodyPr/>
+                    <a:lstStyle/>
+                    <a:p>
+                      <a:pPr algn="ctr" fontAlgn="ctr"/>
+                      <a:r>
+                        <a:rPr lang="en-US" altLang="zh-TW" sz="2000" u="none" strike="noStrike">
+                          <a:effectLst/>
+                          <a:latin typeface="Adobe 黑体 Std R" panose="020B0400000000000000" pitchFamily="34" charset="-128"/>
+                          <a:ea typeface="Adobe 黑体 Std R" panose="020B0400000000000000" pitchFamily="34" charset="-128"/>
+                        </a:rPr>
+                        <a:t>3</a:t>
+                      </a:r>
+                      <a:endParaRPr lang="en-US" altLang="zh-TW" sz="2000" b="0" i="0" u="none" strike="noStrike">
+                        <a:solidFill>
+                          <a:srgbClr val="000000"/>
+                        </a:solidFill>
+                        <a:effectLst/>
+                        <a:latin typeface="Adobe 黑体 Std R" panose="020B0400000000000000" pitchFamily="34" charset="-128"/>
+                        <a:ea typeface="Adobe 黑体 Std R" panose="020B0400000000000000" pitchFamily="34" charset="-128"/>
+                      </a:endParaRPr>
+                    </a:p>
+                  </a:txBody>
+                  <a:tcPr marL="9525" marR="9525" marT="9525" marB="0" anchor="ctr">
+                    <a:lnL w="12700" cap="flat" cmpd="sng" algn="ctr">
+                      <a:solidFill>
+                        <a:schemeClr val="tx1"/>
+                      </a:solidFill>
+                      <a:prstDash val="solid"/>
+                      <a:round/>
+                      <a:headEnd type="none" w="med" len="med"/>
+                      <a:tailEnd type="none" w="med" len="med"/>
+                    </a:lnL>
+                    <a:lnR w="12700" cap="flat" cmpd="sng" algn="ctr">
+                      <a:solidFill>
+                        <a:schemeClr val="tx1"/>
+                      </a:solidFill>
+                      <a:prstDash val="solid"/>
+                      <a:round/>
+                      <a:headEnd type="none" w="med" len="med"/>
+                      <a:tailEnd type="none" w="med" len="med"/>
+                    </a:lnR>
+                    <a:lnT w="12700" cap="flat" cmpd="sng" algn="ctr">
+                      <a:solidFill>
+                        <a:schemeClr val="tx1"/>
+                      </a:solidFill>
+                      <a:prstDash val="solid"/>
+                      <a:round/>
+                      <a:headEnd type="none" w="med" len="med"/>
+                      <a:tailEnd type="none" w="med" len="med"/>
+                    </a:lnT>
+                    <a:lnB w="12700" cap="flat" cmpd="sng" algn="ctr">
+                      <a:solidFill>
+                        <a:schemeClr val="tx1"/>
+                      </a:solidFill>
+                      <a:prstDash val="solid"/>
+                      <a:round/>
+                      <a:headEnd type="none" w="med" len="med"/>
+                      <a:tailEnd type="none" w="med" len="med"/>
+                    </a:lnB>
+                    <a:lnTlToBr w="12700" cmpd="sng">
+                      <a:noFill/>
+                      <a:prstDash val="solid"/>
+                    </a:lnTlToBr>
+                    <a:lnBlToTr w="12700" cmpd="sng">
+                      <a:noFill/>
+                      <a:prstDash val="solid"/>
+                    </a:lnBlToTr>
+                  </a:tcPr>
+                </a:tc>
+                <a:tc>
+                  <a:txBody>
+                    <a:bodyPr/>
+                    <a:lstStyle/>
+                    <a:p>
+                      <a:pPr algn="ctr" fontAlgn="ctr"/>
+                      <a:r>
+                        <a:rPr lang="en-US" altLang="zh-TW" sz="2000" u="none" strike="noStrike">
+                          <a:effectLst/>
+                          <a:latin typeface="Adobe 黑体 Std R" panose="020B0400000000000000" pitchFamily="34" charset="-128"/>
+                          <a:ea typeface="Adobe 黑体 Std R" panose="020B0400000000000000" pitchFamily="34" charset="-128"/>
+                        </a:rPr>
+                        <a:t>0.835915493</a:t>
+                      </a:r>
+                      <a:endParaRPr lang="en-US" altLang="zh-TW" sz="2000" b="0" i="0" u="none" strike="noStrike">
+                        <a:solidFill>
+                          <a:srgbClr val="000000"/>
+                        </a:solidFill>
+                        <a:effectLst/>
+                        <a:latin typeface="Adobe 黑体 Std R" panose="020B0400000000000000" pitchFamily="34" charset="-128"/>
+                        <a:ea typeface="Adobe 黑体 Std R" panose="020B0400000000000000" pitchFamily="34" charset="-128"/>
+                      </a:endParaRPr>
+                    </a:p>
+                  </a:txBody>
+                  <a:tcPr marL="9525" marR="9525" marT="9525" marB="0" anchor="ctr">
+                    <a:lnL w="12700" cap="flat" cmpd="sng" algn="ctr">
+                      <a:solidFill>
+                        <a:schemeClr val="tx1"/>
+                      </a:solidFill>
+                      <a:prstDash val="solid"/>
+                      <a:round/>
+                      <a:headEnd type="none" w="med" len="med"/>
+                      <a:tailEnd type="none" w="med" len="med"/>
+                    </a:lnL>
+                    <a:lnR w="12700" cap="flat" cmpd="sng" algn="ctr">
+                      <a:solidFill>
+                        <a:schemeClr val="tx1"/>
+                      </a:solidFill>
+                      <a:prstDash val="solid"/>
+                      <a:round/>
+                      <a:headEnd type="none" w="med" len="med"/>
+                      <a:tailEnd type="none" w="med" len="med"/>
+                    </a:lnR>
+                    <a:lnT w="12700" cap="flat" cmpd="sng" algn="ctr">
+                      <a:solidFill>
+                        <a:schemeClr val="tx1"/>
+                      </a:solidFill>
+                      <a:prstDash val="solid"/>
+                      <a:round/>
+                      <a:headEnd type="none" w="med" len="med"/>
+                      <a:tailEnd type="none" w="med" len="med"/>
+                    </a:lnT>
+                    <a:lnB w="12700" cap="flat" cmpd="sng" algn="ctr">
+                      <a:solidFill>
+                        <a:schemeClr val="tx1"/>
+                      </a:solidFill>
+                      <a:prstDash val="solid"/>
+                      <a:round/>
+                      <a:headEnd type="none" w="med" len="med"/>
+                      <a:tailEnd type="none" w="med" len="med"/>
+                    </a:lnB>
+                    <a:lnTlToBr w="12700" cmpd="sng">
+                      <a:noFill/>
+                      <a:prstDash val="solid"/>
+                    </a:lnTlToBr>
+                    <a:lnBlToTr w="12700" cmpd="sng">
+                      <a:noFill/>
+                      <a:prstDash val="solid"/>
+                    </a:lnBlToTr>
+                  </a:tcPr>
+                </a:tc>
+                <a:extLst>
+                  <a:ext uri="{0D108BD9-81ED-4DB2-BD59-A6C34878D82A}">
+                    <a16:rowId xmlns:a16="http://schemas.microsoft.com/office/drawing/2014/main" val="2504829333"/>
+                  </a:ext>
+                </a:extLst>
+              </a:tr>
+              <a:tr h="380856">
+                <a:tc>
+                  <a:txBody>
+                    <a:bodyPr/>
+                    <a:lstStyle/>
+                    <a:p>
+                      <a:pPr algn="ctr" fontAlgn="ctr"/>
+                      <a:r>
+                        <a:rPr lang="en-US" altLang="zh-TW" sz="2000" u="none" strike="noStrike">
+                          <a:effectLst/>
+                          <a:latin typeface="Adobe 黑体 Std R" panose="020B0400000000000000" pitchFamily="34" charset="-128"/>
+                          <a:ea typeface="Adobe 黑体 Std R" panose="020B0400000000000000" pitchFamily="34" charset="-128"/>
+                        </a:rPr>
+                        <a:t>4</a:t>
+                      </a:r>
+                      <a:endParaRPr lang="en-US" altLang="zh-TW" sz="2000" b="0" i="0" u="none" strike="noStrike">
+                        <a:solidFill>
+                          <a:srgbClr val="000000"/>
+                        </a:solidFill>
+                        <a:effectLst/>
+                        <a:latin typeface="Adobe 黑体 Std R" panose="020B0400000000000000" pitchFamily="34" charset="-128"/>
+                        <a:ea typeface="Adobe 黑体 Std R" panose="020B0400000000000000" pitchFamily="34" charset="-128"/>
+                      </a:endParaRPr>
+                    </a:p>
+                  </a:txBody>
+                  <a:tcPr marL="9525" marR="9525" marT="9525" marB="0" anchor="ctr">
+                    <a:lnL w="12700" cap="flat" cmpd="sng" algn="ctr">
+                      <a:solidFill>
+                        <a:schemeClr val="tx1"/>
+                      </a:solidFill>
+                      <a:prstDash val="solid"/>
+                      <a:round/>
+                      <a:headEnd type="none" w="med" len="med"/>
+                      <a:tailEnd type="none" w="med" len="med"/>
+                    </a:lnL>
+                    <a:lnR w="12700" cap="flat" cmpd="sng" algn="ctr">
+                      <a:solidFill>
+                        <a:schemeClr val="tx1"/>
+                      </a:solidFill>
+                      <a:prstDash val="solid"/>
+                      <a:round/>
+                      <a:headEnd type="none" w="med" len="med"/>
+                      <a:tailEnd type="none" w="med" len="med"/>
+                    </a:lnR>
+                    <a:lnT w="12700" cap="flat" cmpd="sng" algn="ctr">
+                      <a:solidFill>
+                        <a:schemeClr val="tx1"/>
+                      </a:solidFill>
+                      <a:prstDash val="solid"/>
+                      <a:round/>
+                      <a:headEnd type="none" w="med" len="med"/>
+                      <a:tailEnd type="none" w="med" len="med"/>
+                    </a:lnT>
+                    <a:lnB w="12700" cap="flat" cmpd="sng" algn="ctr">
+                      <a:solidFill>
+                        <a:schemeClr val="tx1"/>
+                      </a:solidFill>
+                      <a:prstDash val="solid"/>
+                      <a:round/>
+                      <a:headEnd type="none" w="med" len="med"/>
+                      <a:tailEnd type="none" w="med" len="med"/>
+                    </a:lnB>
+                    <a:lnTlToBr w="12700" cmpd="sng">
+                      <a:noFill/>
+                      <a:prstDash val="solid"/>
+                    </a:lnTlToBr>
+                    <a:lnBlToTr w="12700" cmpd="sng">
+                      <a:noFill/>
+                      <a:prstDash val="solid"/>
+                    </a:lnBlToTr>
+                  </a:tcPr>
+                </a:tc>
+                <a:tc>
+                  <a:txBody>
+                    <a:bodyPr/>
+                    <a:lstStyle/>
+                    <a:p>
+                      <a:pPr algn="ctr" fontAlgn="ctr"/>
+                      <a:r>
+                        <a:rPr lang="en-US" altLang="zh-TW" sz="2000" u="none" strike="noStrike">
+                          <a:effectLst/>
+                          <a:latin typeface="Adobe 黑体 Std R" panose="020B0400000000000000" pitchFamily="34" charset="-128"/>
+                          <a:ea typeface="Adobe 黑体 Std R" panose="020B0400000000000000" pitchFamily="34" charset="-128"/>
+                        </a:rPr>
+                        <a:t>0.849295775</a:t>
+                      </a:r>
+                      <a:endParaRPr lang="en-US" altLang="zh-TW" sz="2000" b="0" i="0" u="none" strike="noStrike">
+                        <a:solidFill>
+                          <a:srgbClr val="000000"/>
+                        </a:solidFill>
+                        <a:effectLst/>
+                        <a:latin typeface="Adobe 黑体 Std R" panose="020B0400000000000000" pitchFamily="34" charset="-128"/>
+                        <a:ea typeface="Adobe 黑体 Std R" panose="020B0400000000000000" pitchFamily="34" charset="-128"/>
+                      </a:endParaRPr>
+                    </a:p>
+                  </a:txBody>
+                  <a:tcPr marL="9525" marR="9525" marT="9525" marB="0" anchor="ctr">
+                    <a:lnL w="12700" cap="flat" cmpd="sng" algn="ctr">
+                      <a:solidFill>
+                        <a:schemeClr val="tx1"/>
+                      </a:solidFill>
+                      <a:prstDash val="solid"/>
+                      <a:round/>
+                      <a:headEnd type="none" w="med" len="med"/>
+                      <a:tailEnd type="none" w="med" len="med"/>
+                    </a:lnL>
+                    <a:lnR w="12700" cap="flat" cmpd="sng" algn="ctr">
+                      <a:solidFill>
+                        <a:schemeClr val="tx1"/>
+                      </a:solidFill>
+                      <a:prstDash val="solid"/>
+                      <a:round/>
+                      <a:headEnd type="none" w="med" len="med"/>
+                      <a:tailEnd type="none" w="med" len="med"/>
+                    </a:lnR>
+                    <a:lnT w="12700" cap="flat" cmpd="sng" algn="ctr">
+                      <a:solidFill>
+                        <a:schemeClr val="tx1"/>
+                      </a:solidFill>
+                      <a:prstDash val="solid"/>
+                      <a:round/>
+                      <a:headEnd type="none" w="med" len="med"/>
+                      <a:tailEnd type="none" w="med" len="med"/>
+                    </a:lnT>
+                    <a:lnB w="12700" cap="flat" cmpd="sng" algn="ctr">
+                      <a:solidFill>
+                        <a:schemeClr val="tx1"/>
+                      </a:solidFill>
+                      <a:prstDash val="solid"/>
+                      <a:round/>
+                      <a:headEnd type="none" w="med" len="med"/>
+                      <a:tailEnd type="none" w="med" len="med"/>
+                    </a:lnB>
+                    <a:lnTlToBr w="12700" cmpd="sng">
+                      <a:noFill/>
+                      <a:prstDash val="solid"/>
+                    </a:lnTlToBr>
+                    <a:lnBlToTr w="12700" cmpd="sng">
+                      <a:noFill/>
+                      <a:prstDash val="solid"/>
+                    </a:lnBlToTr>
+                  </a:tcPr>
+                </a:tc>
+                <a:extLst>
+                  <a:ext uri="{0D108BD9-81ED-4DB2-BD59-A6C34878D82A}">
+                    <a16:rowId xmlns:a16="http://schemas.microsoft.com/office/drawing/2014/main" val="1313273893"/>
+                  </a:ext>
+                </a:extLst>
+              </a:tr>
+              <a:tr h="380856">
+                <a:tc>
+                  <a:txBody>
+                    <a:bodyPr/>
+                    <a:lstStyle/>
+                    <a:p>
+                      <a:pPr algn="ctr" fontAlgn="ctr"/>
+                      <a:r>
+                        <a:rPr lang="en-US" altLang="zh-TW" sz="2000" u="none" strike="noStrike">
+                          <a:effectLst/>
+                          <a:latin typeface="Adobe 黑体 Std R" panose="020B0400000000000000" pitchFamily="34" charset="-128"/>
+                          <a:ea typeface="Adobe 黑体 Std R" panose="020B0400000000000000" pitchFamily="34" charset="-128"/>
+                        </a:rPr>
+                        <a:t>5</a:t>
+                      </a:r>
+                      <a:endParaRPr lang="en-US" altLang="zh-TW" sz="2000" b="0" i="0" u="none" strike="noStrike">
+                        <a:solidFill>
+                          <a:srgbClr val="000000"/>
+                        </a:solidFill>
+                        <a:effectLst/>
+                        <a:latin typeface="Adobe 黑体 Std R" panose="020B0400000000000000" pitchFamily="34" charset="-128"/>
+                        <a:ea typeface="Adobe 黑体 Std R" panose="020B0400000000000000" pitchFamily="34" charset="-128"/>
+                      </a:endParaRPr>
+                    </a:p>
+                  </a:txBody>
+                  <a:tcPr marL="9525" marR="9525" marT="9525" marB="0" anchor="ctr">
+                    <a:lnL w="12700" cap="flat" cmpd="sng" algn="ctr">
+                      <a:solidFill>
+                        <a:schemeClr val="tx1"/>
+                      </a:solidFill>
+                      <a:prstDash val="solid"/>
+                      <a:round/>
+                      <a:headEnd type="none" w="med" len="med"/>
+                      <a:tailEnd type="none" w="med" len="med"/>
+                    </a:lnL>
+                    <a:lnR w="12700" cap="flat" cmpd="sng" algn="ctr">
+                      <a:solidFill>
+                        <a:schemeClr val="tx1"/>
+                      </a:solidFill>
+                      <a:prstDash val="solid"/>
+                      <a:round/>
+                      <a:headEnd type="none" w="med" len="med"/>
+                      <a:tailEnd type="none" w="med" len="med"/>
+                    </a:lnR>
+                    <a:lnT w="12700" cap="flat" cmpd="sng" algn="ctr">
+                      <a:solidFill>
+                        <a:schemeClr val="tx1"/>
+                      </a:solidFill>
+                      <a:prstDash val="solid"/>
+                      <a:round/>
+                      <a:headEnd type="none" w="med" len="med"/>
+                      <a:tailEnd type="none" w="med" len="med"/>
+                    </a:lnT>
+                    <a:lnB w="12700" cap="flat" cmpd="sng" algn="ctr">
+                      <a:solidFill>
+                        <a:schemeClr val="tx1"/>
+                      </a:solidFill>
+                      <a:prstDash val="solid"/>
+                      <a:round/>
+                      <a:headEnd type="none" w="med" len="med"/>
+                      <a:tailEnd type="none" w="med" len="med"/>
+                    </a:lnB>
+                    <a:lnTlToBr w="12700" cmpd="sng">
+                      <a:noFill/>
+                      <a:prstDash val="solid"/>
+                    </a:lnTlToBr>
+                    <a:lnBlToTr w="12700" cmpd="sng">
+                      <a:noFill/>
+                      <a:prstDash val="solid"/>
+                    </a:lnBlToTr>
+                  </a:tcPr>
+                </a:tc>
+                <a:tc>
+                  <a:txBody>
+                    <a:bodyPr/>
+                    <a:lstStyle/>
+                    <a:p>
+                      <a:pPr algn="ctr" fontAlgn="ctr"/>
+                      <a:r>
+                        <a:rPr lang="en-US" altLang="zh-TW" sz="2000" u="none" strike="noStrike">
+                          <a:effectLst/>
+                          <a:latin typeface="Adobe 黑体 Std R" panose="020B0400000000000000" pitchFamily="34" charset="-128"/>
+                          <a:ea typeface="Adobe 黑体 Std R" panose="020B0400000000000000" pitchFamily="34" charset="-128"/>
+                        </a:rPr>
+                        <a:t>0.85</a:t>
+                      </a:r>
+                      <a:endParaRPr lang="en-US" altLang="zh-TW" sz="2000" b="0" i="0" u="none" strike="noStrike">
+                        <a:solidFill>
+                          <a:srgbClr val="000000"/>
+                        </a:solidFill>
+                        <a:effectLst/>
+                        <a:latin typeface="Adobe 黑体 Std R" panose="020B0400000000000000" pitchFamily="34" charset="-128"/>
+                        <a:ea typeface="Adobe 黑体 Std R" panose="020B0400000000000000" pitchFamily="34" charset="-128"/>
+                      </a:endParaRPr>
+                    </a:p>
+                  </a:txBody>
+                  <a:tcPr marL="9525" marR="9525" marT="9525" marB="0" anchor="ctr">
+                    <a:lnL w="12700" cap="flat" cmpd="sng" algn="ctr">
+                      <a:solidFill>
+                        <a:schemeClr val="tx1"/>
+                      </a:solidFill>
+                      <a:prstDash val="solid"/>
+                      <a:round/>
+                      <a:headEnd type="none" w="med" len="med"/>
+                      <a:tailEnd type="none" w="med" len="med"/>
+                    </a:lnL>
+                    <a:lnR w="12700" cap="flat" cmpd="sng" algn="ctr">
+                      <a:solidFill>
+                        <a:schemeClr val="tx1"/>
+                      </a:solidFill>
+                      <a:prstDash val="solid"/>
+                      <a:round/>
+                      <a:headEnd type="none" w="med" len="med"/>
+                      <a:tailEnd type="none" w="med" len="med"/>
+                    </a:lnR>
+                    <a:lnT w="12700" cap="flat" cmpd="sng" algn="ctr">
+                      <a:solidFill>
+                        <a:schemeClr val="tx1"/>
+                      </a:solidFill>
+                      <a:prstDash val="solid"/>
+                      <a:round/>
+                      <a:headEnd type="none" w="med" len="med"/>
+                      <a:tailEnd type="none" w="med" len="med"/>
+                    </a:lnT>
+                    <a:lnB w="12700" cap="flat" cmpd="sng" algn="ctr">
+                      <a:solidFill>
+                        <a:schemeClr val="tx1"/>
+                      </a:solidFill>
+                      <a:prstDash val="solid"/>
+                      <a:round/>
+                      <a:headEnd type="none" w="med" len="med"/>
+                      <a:tailEnd type="none" w="med" len="med"/>
+                    </a:lnB>
+                    <a:lnTlToBr w="12700" cmpd="sng">
+                      <a:noFill/>
+                      <a:prstDash val="solid"/>
+                    </a:lnTlToBr>
+                    <a:lnBlToTr w="12700" cmpd="sng">
+                      <a:noFill/>
+                      <a:prstDash val="solid"/>
+                    </a:lnBlToTr>
+                  </a:tcPr>
+                </a:tc>
+                <a:extLst>
+                  <a:ext uri="{0D108BD9-81ED-4DB2-BD59-A6C34878D82A}">
+                    <a16:rowId xmlns:a16="http://schemas.microsoft.com/office/drawing/2014/main" val="633080422"/>
+                  </a:ext>
+                </a:extLst>
+              </a:tr>
+              <a:tr h="380856">
+                <a:tc>
+                  <a:txBody>
+                    <a:bodyPr/>
+                    <a:lstStyle/>
+                    <a:p>
+                      <a:pPr algn="ctr" fontAlgn="ctr"/>
+                      <a:r>
+                        <a:rPr lang="en-US" altLang="zh-TW" sz="2000" u="none" strike="noStrike">
+                          <a:effectLst/>
+                          <a:latin typeface="Adobe 黑体 Std R" panose="020B0400000000000000" pitchFamily="34" charset="-128"/>
+                          <a:ea typeface="Adobe 黑体 Std R" panose="020B0400000000000000" pitchFamily="34" charset="-128"/>
+                        </a:rPr>
+                        <a:t>6</a:t>
+                      </a:r>
+                      <a:endParaRPr lang="en-US" altLang="zh-TW" sz="2000" b="0" i="0" u="none" strike="noStrike">
+                        <a:solidFill>
+                          <a:srgbClr val="000000"/>
+                        </a:solidFill>
+                        <a:effectLst/>
+                        <a:latin typeface="Adobe 黑体 Std R" panose="020B0400000000000000" pitchFamily="34" charset="-128"/>
+                        <a:ea typeface="Adobe 黑体 Std R" panose="020B0400000000000000" pitchFamily="34" charset="-128"/>
+                      </a:endParaRPr>
+                    </a:p>
+                  </a:txBody>
+                  <a:tcPr marL="9525" marR="9525" marT="9525" marB="0" anchor="ctr">
+                    <a:lnL w="12700" cap="flat" cmpd="sng" algn="ctr">
+                      <a:solidFill>
+                        <a:schemeClr val="tx1"/>
+                      </a:solidFill>
+                      <a:prstDash val="solid"/>
+                      <a:round/>
+                      <a:headEnd type="none" w="med" len="med"/>
+                      <a:tailEnd type="none" w="med" len="med"/>
+                    </a:lnL>
+                    <a:lnR w="12700" cap="flat" cmpd="sng" algn="ctr">
+                      <a:solidFill>
+                        <a:schemeClr val="tx1"/>
+                      </a:solidFill>
+                      <a:prstDash val="solid"/>
+                      <a:round/>
+                      <a:headEnd type="none" w="med" len="med"/>
+                      <a:tailEnd type="none" w="med" len="med"/>
+                    </a:lnR>
+                    <a:lnT w="12700" cap="flat" cmpd="sng" algn="ctr">
+                      <a:solidFill>
+                        <a:schemeClr val="tx1"/>
+                      </a:solidFill>
+                      <a:prstDash val="solid"/>
+                      <a:round/>
+                      <a:headEnd type="none" w="med" len="med"/>
+                      <a:tailEnd type="none" w="med" len="med"/>
+                    </a:lnT>
+                    <a:lnB w="12700" cap="flat" cmpd="sng" algn="ctr">
+                      <a:solidFill>
+                        <a:schemeClr val="tx1"/>
+                      </a:solidFill>
+                      <a:prstDash val="solid"/>
+                      <a:round/>
+                      <a:headEnd type="none" w="med" len="med"/>
+                      <a:tailEnd type="none" w="med" len="med"/>
+                    </a:lnB>
+                    <a:lnTlToBr w="12700" cmpd="sng">
+                      <a:noFill/>
+                      <a:prstDash val="solid"/>
+                    </a:lnTlToBr>
+                    <a:lnBlToTr w="12700" cmpd="sng">
+                      <a:noFill/>
+                      <a:prstDash val="solid"/>
+                    </a:lnBlToTr>
+                  </a:tcPr>
+                </a:tc>
+                <a:tc>
+                  <a:txBody>
+                    <a:bodyPr/>
+                    <a:lstStyle/>
+                    <a:p>
+                      <a:pPr algn="ctr" fontAlgn="ctr"/>
+                      <a:r>
+                        <a:rPr lang="en-US" altLang="zh-TW" sz="2000" u="none" strike="noStrike">
+                          <a:effectLst/>
+                          <a:latin typeface="Adobe 黑体 Std R" panose="020B0400000000000000" pitchFamily="34" charset="-128"/>
+                          <a:ea typeface="Adobe 黑体 Std R" panose="020B0400000000000000" pitchFamily="34" charset="-128"/>
+                        </a:rPr>
+                        <a:t>0.852816901</a:t>
+                      </a:r>
+                      <a:endParaRPr lang="en-US" altLang="zh-TW" sz="2000" b="0" i="0" u="none" strike="noStrike">
+                        <a:solidFill>
+                          <a:srgbClr val="000000"/>
+                        </a:solidFill>
+                        <a:effectLst/>
+                        <a:latin typeface="Adobe 黑体 Std R" panose="020B0400000000000000" pitchFamily="34" charset="-128"/>
+                        <a:ea typeface="Adobe 黑体 Std R" panose="020B0400000000000000" pitchFamily="34" charset="-128"/>
+                      </a:endParaRPr>
+                    </a:p>
+                  </a:txBody>
+                  <a:tcPr marL="9525" marR="9525" marT="9525" marB="0" anchor="ctr">
+                    <a:lnL w="12700" cap="flat" cmpd="sng" algn="ctr">
+                      <a:solidFill>
+                        <a:schemeClr val="tx1"/>
+                      </a:solidFill>
+                      <a:prstDash val="solid"/>
+                      <a:round/>
+                      <a:headEnd type="none" w="med" len="med"/>
+                      <a:tailEnd type="none" w="med" len="med"/>
+                    </a:lnL>
+                    <a:lnR w="12700" cap="flat" cmpd="sng" algn="ctr">
+                      <a:solidFill>
+                        <a:schemeClr val="tx1"/>
+                      </a:solidFill>
+                      <a:prstDash val="solid"/>
+                      <a:round/>
+                      <a:headEnd type="none" w="med" len="med"/>
+                      <a:tailEnd type="none" w="med" len="med"/>
+                    </a:lnR>
+                    <a:lnT w="12700" cap="flat" cmpd="sng" algn="ctr">
+                      <a:solidFill>
+                        <a:schemeClr val="tx1"/>
+                      </a:solidFill>
+                      <a:prstDash val="solid"/>
+                      <a:round/>
+                      <a:headEnd type="none" w="med" len="med"/>
+                      <a:tailEnd type="none" w="med" len="med"/>
+                    </a:lnT>
+                    <a:lnB w="12700" cap="flat" cmpd="sng" algn="ctr">
+                      <a:solidFill>
+                        <a:schemeClr val="tx1"/>
+                      </a:solidFill>
+                      <a:prstDash val="solid"/>
+                      <a:round/>
+                      <a:headEnd type="none" w="med" len="med"/>
+                      <a:tailEnd type="none" w="med" len="med"/>
+                    </a:lnB>
+                    <a:lnTlToBr w="12700" cmpd="sng">
+                      <a:noFill/>
+                      <a:prstDash val="solid"/>
+                    </a:lnTlToBr>
+                    <a:lnBlToTr w="12700" cmpd="sng">
+                      <a:noFill/>
+                      <a:prstDash val="solid"/>
+                    </a:lnBlToTr>
+                  </a:tcPr>
+                </a:tc>
+                <a:extLst>
+                  <a:ext uri="{0D108BD9-81ED-4DB2-BD59-A6C34878D82A}">
+                    <a16:rowId xmlns:a16="http://schemas.microsoft.com/office/drawing/2014/main" val="2768771801"/>
+                  </a:ext>
+                </a:extLst>
+              </a:tr>
+              <a:tr h="380856">
+                <a:tc>
+                  <a:txBody>
+                    <a:bodyPr/>
+                    <a:lstStyle/>
+                    <a:p>
+                      <a:pPr algn="ctr" fontAlgn="ctr"/>
+                      <a:r>
+                        <a:rPr lang="en-US" altLang="zh-TW" sz="2000" u="none" strike="noStrike">
+                          <a:effectLst/>
+                          <a:latin typeface="Adobe 黑体 Std R" panose="020B0400000000000000" pitchFamily="34" charset="-128"/>
+                          <a:ea typeface="Adobe 黑体 Std R" panose="020B0400000000000000" pitchFamily="34" charset="-128"/>
+                        </a:rPr>
+                        <a:t>7</a:t>
+                      </a:r>
+                      <a:endParaRPr lang="en-US" altLang="zh-TW" sz="2000" b="0" i="0" u="none" strike="noStrike">
+                        <a:solidFill>
+                          <a:srgbClr val="000000"/>
+                        </a:solidFill>
+                        <a:effectLst/>
+                        <a:latin typeface="Adobe 黑体 Std R" panose="020B0400000000000000" pitchFamily="34" charset="-128"/>
+                        <a:ea typeface="Adobe 黑体 Std R" panose="020B0400000000000000" pitchFamily="34" charset="-128"/>
+                      </a:endParaRPr>
+                    </a:p>
+                  </a:txBody>
+                  <a:tcPr marL="9525" marR="9525" marT="9525" marB="0" anchor="ctr">
+                    <a:lnL w="12700" cap="flat" cmpd="sng" algn="ctr">
+                      <a:solidFill>
+                        <a:schemeClr val="tx1"/>
+                      </a:solidFill>
+                      <a:prstDash val="solid"/>
+                      <a:round/>
+                      <a:headEnd type="none" w="med" len="med"/>
+                      <a:tailEnd type="none" w="med" len="med"/>
+                    </a:lnL>
+                    <a:lnR w="12700" cap="flat" cmpd="sng" algn="ctr">
+                      <a:solidFill>
+                        <a:schemeClr val="tx1"/>
+                      </a:solidFill>
+                      <a:prstDash val="solid"/>
+                      <a:round/>
+                      <a:headEnd type="none" w="med" len="med"/>
+                      <a:tailEnd type="none" w="med" len="med"/>
+                    </a:lnR>
+                    <a:lnT w="12700" cap="flat" cmpd="sng" algn="ctr">
+                      <a:solidFill>
+                        <a:schemeClr val="tx1"/>
+                      </a:solidFill>
+                      <a:prstDash val="solid"/>
+                      <a:round/>
+                      <a:headEnd type="none" w="med" len="med"/>
+                      <a:tailEnd type="none" w="med" len="med"/>
+                    </a:lnT>
+                    <a:lnB w="12700" cap="flat" cmpd="sng" algn="ctr">
+                      <a:solidFill>
+                        <a:schemeClr val="tx1"/>
+                      </a:solidFill>
+                      <a:prstDash val="solid"/>
+                      <a:round/>
+                      <a:headEnd type="none" w="med" len="med"/>
+                      <a:tailEnd type="none" w="med" len="med"/>
+                    </a:lnB>
+                    <a:lnTlToBr w="12700" cmpd="sng">
+                      <a:noFill/>
+                      <a:prstDash val="solid"/>
+                    </a:lnTlToBr>
+                    <a:lnBlToTr w="12700" cmpd="sng">
+                      <a:noFill/>
+                      <a:prstDash val="solid"/>
+                    </a:lnBlToTr>
+                  </a:tcPr>
+                </a:tc>
+                <a:tc>
+                  <a:txBody>
+                    <a:bodyPr/>
+                    <a:lstStyle/>
+                    <a:p>
+                      <a:pPr algn="ctr" fontAlgn="ctr"/>
+                      <a:r>
+                        <a:rPr lang="en-US" altLang="zh-TW" sz="2000" u="none" strike="noStrike">
+                          <a:effectLst/>
+                          <a:latin typeface="Adobe 黑体 Std R" panose="020B0400000000000000" pitchFamily="34" charset="-128"/>
+                          <a:ea typeface="Adobe 黑体 Std R" panose="020B0400000000000000" pitchFamily="34" charset="-128"/>
+                        </a:rPr>
+                        <a:t>0.864788732</a:t>
+                      </a:r>
+                      <a:endParaRPr lang="en-US" altLang="zh-TW" sz="2000" b="0" i="0" u="none" strike="noStrike">
+                        <a:solidFill>
+                          <a:srgbClr val="000000"/>
+                        </a:solidFill>
+                        <a:effectLst/>
+                        <a:latin typeface="Adobe 黑体 Std R" panose="020B0400000000000000" pitchFamily="34" charset="-128"/>
+                        <a:ea typeface="Adobe 黑体 Std R" panose="020B0400000000000000" pitchFamily="34" charset="-128"/>
+                      </a:endParaRPr>
+                    </a:p>
+                  </a:txBody>
+                  <a:tcPr marL="9525" marR="9525" marT="9525" marB="0" anchor="ctr">
+                    <a:lnL w="12700" cap="flat" cmpd="sng" algn="ctr">
+                      <a:solidFill>
+                        <a:schemeClr val="tx1"/>
+                      </a:solidFill>
+                      <a:prstDash val="solid"/>
+                      <a:round/>
+                      <a:headEnd type="none" w="med" len="med"/>
+                      <a:tailEnd type="none" w="med" len="med"/>
+                    </a:lnL>
+                    <a:lnR w="12700" cap="flat" cmpd="sng" algn="ctr">
+                      <a:solidFill>
+                        <a:schemeClr val="tx1"/>
+                      </a:solidFill>
+                      <a:prstDash val="solid"/>
+                      <a:round/>
+                      <a:headEnd type="none" w="med" len="med"/>
+                      <a:tailEnd type="none" w="med" len="med"/>
+                    </a:lnR>
+                    <a:lnT w="12700" cap="flat" cmpd="sng" algn="ctr">
+                      <a:solidFill>
+                        <a:schemeClr val="tx1"/>
+                      </a:solidFill>
+                      <a:prstDash val="solid"/>
+                      <a:round/>
+                      <a:headEnd type="none" w="med" len="med"/>
+                      <a:tailEnd type="none" w="med" len="med"/>
+                    </a:lnT>
+                    <a:lnB w="12700" cap="flat" cmpd="sng" algn="ctr">
+                      <a:solidFill>
+                        <a:schemeClr val="tx1"/>
+                      </a:solidFill>
+                      <a:prstDash val="solid"/>
+                      <a:round/>
+                      <a:headEnd type="none" w="med" len="med"/>
+                      <a:tailEnd type="none" w="med" len="med"/>
+                    </a:lnB>
+                    <a:lnTlToBr w="12700" cmpd="sng">
+                      <a:noFill/>
+                      <a:prstDash val="solid"/>
+                    </a:lnTlToBr>
+                    <a:lnBlToTr w="12700" cmpd="sng">
+                      <a:noFill/>
+                      <a:prstDash val="solid"/>
+                    </a:lnBlToTr>
+                  </a:tcPr>
+                </a:tc>
+                <a:extLst>
+                  <a:ext uri="{0D108BD9-81ED-4DB2-BD59-A6C34878D82A}">
+                    <a16:rowId xmlns:a16="http://schemas.microsoft.com/office/drawing/2014/main" val="3526635107"/>
+                  </a:ext>
+                </a:extLst>
+              </a:tr>
+              <a:tr h="380856">
+                <a:tc>
+                  <a:txBody>
+                    <a:bodyPr/>
+                    <a:lstStyle/>
+                    <a:p>
+                      <a:pPr algn="ctr" fontAlgn="ctr"/>
+                      <a:r>
+                        <a:rPr lang="en-US" altLang="zh-TW" sz="2000" u="none" strike="noStrike">
+                          <a:effectLst/>
+                          <a:latin typeface="Adobe 黑体 Std R" panose="020B0400000000000000" pitchFamily="34" charset="-128"/>
+                          <a:ea typeface="Adobe 黑体 Std R" panose="020B0400000000000000" pitchFamily="34" charset="-128"/>
+                        </a:rPr>
+                        <a:t>8</a:t>
+                      </a:r>
+                      <a:endParaRPr lang="en-US" altLang="zh-TW" sz="2000" b="0" i="0" u="none" strike="noStrike">
+                        <a:solidFill>
+                          <a:srgbClr val="000000"/>
+                        </a:solidFill>
+                        <a:effectLst/>
+                        <a:latin typeface="Adobe 黑体 Std R" panose="020B0400000000000000" pitchFamily="34" charset="-128"/>
+                        <a:ea typeface="Adobe 黑体 Std R" panose="020B0400000000000000" pitchFamily="34" charset="-128"/>
+                      </a:endParaRPr>
+                    </a:p>
+                  </a:txBody>
+                  <a:tcPr marL="9525" marR="9525" marT="9525" marB="0" anchor="ctr">
+                    <a:lnL w="12700" cap="flat" cmpd="sng" algn="ctr">
+                      <a:solidFill>
+                        <a:schemeClr val="tx1"/>
+                      </a:solidFill>
+                      <a:prstDash val="solid"/>
+                      <a:round/>
+                      <a:headEnd type="none" w="med" len="med"/>
+                      <a:tailEnd type="none" w="med" len="med"/>
+                    </a:lnL>
+                    <a:lnR w="12700" cap="flat" cmpd="sng" algn="ctr">
+                      <a:solidFill>
+                        <a:schemeClr val="tx1"/>
+                      </a:solidFill>
+                      <a:prstDash val="solid"/>
+                      <a:round/>
+                      <a:headEnd type="none" w="med" len="med"/>
+                      <a:tailEnd type="none" w="med" len="med"/>
+                    </a:lnR>
+                    <a:lnT w="12700" cap="flat" cmpd="sng" algn="ctr">
+                      <a:solidFill>
+                        <a:schemeClr val="tx1"/>
+                      </a:solidFill>
+                      <a:prstDash val="solid"/>
+                      <a:round/>
+                      <a:headEnd type="none" w="med" len="med"/>
+                      <a:tailEnd type="none" w="med" len="med"/>
+                    </a:lnT>
+                    <a:lnB w="12700" cap="flat" cmpd="sng" algn="ctr">
+                      <a:solidFill>
+                        <a:schemeClr val="tx1"/>
+                      </a:solidFill>
+                      <a:prstDash val="solid"/>
+                      <a:round/>
+                      <a:headEnd type="none" w="med" len="med"/>
+                      <a:tailEnd type="none" w="med" len="med"/>
+                    </a:lnB>
+                    <a:lnTlToBr w="12700" cmpd="sng">
+                      <a:noFill/>
+                      <a:prstDash val="solid"/>
+                    </a:lnTlToBr>
+                    <a:lnBlToTr w="12700" cmpd="sng">
+                      <a:noFill/>
+                      <a:prstDash val="solid"/>
+                    </a:lnBlToTr>
+                  </a:tcPr>
+                </a:tc>
+                <a:tc>
+                  <a:txBody>
+                    <a:bodyPr/>
+                    <a:lstStyle/>
+                    <a:p>
+                      <a:pPr algn="ctr" fontAlgn="ctr"/>
+                      <a:r>
+                        <a:rPr lang="en-US" altLang="zh-TW" sz="2000" u="none" strike="noStrike">
+                          <a:effectLst/>
+                          <a:latin typeface="Adobe 黑体 Std R" panose="020B0400000000000000" pitchFamily="34" charset="-128"/>
+                          <a:ea typeface="Adobe 黑体 Std R" panose="020B0400000000000000" pitchFamily="34" charset="-128"/>
+                        </a:rPr>
+                        <a:t>0.857746479</a:t>
+                      </a:r>
+                      <a:endParaRPr lang="en-US" altLang="zh-TW" sz="2000" b="0" i="0" u="none" strike="noStrike">
+                        <a:solidFill>
+                          <a:srgbClr val="000000"/>
+                        </a:solidFill>
+                        <a:effectLst/>
+                        <a:latin typeface="Adobe 黑体 Std R" panose="020B0400000000000000" pitchFamily="34" charset="-128"/>
+                        <a:ea typeface="Adobe 黑体 Std R" panose="020B0400000000000000" pitchFamily="34" charset="-128"/>
+                      </a:endParaRPr>
+                    </a:p>
+                  </a:txBody>
+                  <a:tcPr marL="9525" marR="9525" marT="9525" marB="0" anchor="ctr">
+                    <a:lnL w="12700" cap="flat" cmpd="sng" algn="ctr">
+                      <a:solidFill>
+                        <a:schemeClr val="tx1"/>
+                      </a:solidFill>
+                      <a:prstDash val="solid"/>
+                      <a:round/>
+                      <a:headEnd type="none" w="med" len="med"/>
+                      <a:tailEnd type="none" w="med" len="med"/>
+                    </a:lnL>
+                    <a:lnR w="12700" cap="flat" cmpd="sng" algn="ctr">
+                      <a:solidFill>
+                        <a:schemeClr val="tx1"/>
+                      </a:solidFill>
+                      <a:prstDash val="solid"/>
+                      <a:round/>
+                      <a:headEnd type="none" w="med" len="med"/>
+                      <a:tailEnd type="none" w="med" len="med"/>
+                    </a:lnR>
+                    <a:lnT w="12700" cap="flat" cmpd="sng" algn="ctr">
+                      <a:solidFill>
+                        <a:schemeClr val="tx1"/>
+                      </a:solidFill>
+                      <a:prstDash val="solid"/>
+                      <a:round/>
+                      <a:headEnd type="none" w="med" len="med"/>
+                      <a:tailEnd type="none" w="med" len="med"/>
+                    </a:lnT>
+                    <a:lnB w="12700" cap="flat" cmpd="sng" algn="ctr">
+                      <a:solidFill>
+                        <a:schemeClr val="tx1"/>
+                      </a:solidFill>
+                      <a:prstDash val="solid"/>
+                      <a:round/>
+                      <a:headEnd type="none" w="med" len="med"/>
+                      <a:tailEnd type="none" w="med" len="med"/>
+                    </a:lnB>
+                    <a:lnTlToBr w="12700" cmpd="sng">
+                      <a:noFill/>
+                      <a:prstDash val="solid"/>
+                    </a:lnTlToBr>
+                    <a:lnBlToTr w="12700" cmpd="sng">
+                      <a:noFill/>
+                      <a:prstDash val="solid"/>
+                    </a:lnBlToTr>
+                  </a:tcPr>
+                </a:tc>
+                <a:extLst>
+                  <a:ext uri="{0D108BD9-81ED-4DB2-BD59-A6C34878D82A}">
+                    <a16:rowId xmlns:a16="http://schemas.microsoft.com/office/drawing/2014/main" val="1973158308"/>
+                  </a:ext>
+                </a:extLst>
+              </a:tr>
+              <a:tr h="380856">
+                <a:tc>
+                  <a:txBody>
+                    <a:bodyPr/>
+                    <a:lstStyle/>
+                    <a:p>
+                      <a:pPr algn="ctr" fontAlgn="ctr"/>
+                      <a:r>
+                        <a:rPr lang="en-US" altLang="zh-TW" sz="2000" u="none" strike="noStrike">
+                          <a:effectLst/>
+                          <a:latin typeface="Adobe 黑体 Std R" panose="020B0400000000000000" pitchFamily="34" charset="-128"/>
+                          <a:ea typeface="Adobe 黑体 Std R" panose="020B0400000000000000" pitchFamily="34" charset="-128"/>
+                        </a:rPr>
+                        <a:t>9</a:t>
+                      </a:r>
+                      <a:endParaRPr lang="en-US" altLang="zh-TW" sz="2000" b="0" i="0" u="none" strike="noStrike">
+                        <a:solidFill>
+                          <a:srgbClr val="000000"/>
+                        </a:solidFill>
+                        <a:effectLst/>
+                        <a:latin typeface="Adobe 黑体 Std R" panose="020B0400000000000000" pitchFamily="34" charset="-128"/>
+                        <a:ea typeface="Adobe 黑体 Std R" panose="020B0400000000000000" pitchFamily="34" charset="-128"/>
+                      </a:endParaRPr>
+                    </a:p>
+                  </a:txBody>
+                  <a:tcPr marL="9525" marR="9525" marT="9525" marB="0" anchor="ctr">
+                    <a:lnL w="12700" cap="flat" cmpd="sng" algn="ctr">
+                      <a:solidFill>
+                        <a:schemeClr val="tx1"/>
+                      </a:solidFill>
+                      <a:prstDash val="solid"/>
+                      <a:round/>
+                      <a:headEnd type="none" w="med" len="med"/>
+                      <a:tailEnd type="none" w="med" len="med"/>
+                    </a:lnL>
+                    <a:lnR w="12700" cap="flat" cmpd="sng" algn="ctr">
+                      <a:solidFill>
+                        <a:schemeClr val="tx1"/>
+                      </a:solidFill>
+                      <a:prstDash val="solid"/>
+                      <a:round/>
+                      <a:headEnd type="none" w="med" len="med"/>
+                      <a:tailEnd type="none" w="med" len="med"/>
+                    </a:lnR>
+                    <a:lnT w="12700" cap="flat" cmpd="sng" algn="ctr">
+                      <a:solidFill>
+                        <a:schemeClr val="tx1"/>
+                      </a:solidFill>
+                      <a:prstDash val="solid"/>
+                      <a:round/>
+                      <a:headEnd type="none" w="med" len="med"/>
+                      <a:tailEnd type="none" w="med" len="med"/>
+                    </a:lnT>
+                    <a:lnB w="12700" cap="flat" cmpd="sng" algn="ctr">
+                      <a:solidFill>
+                        <a:schemeClr val="tx1"/>
+                      </a:solidFill>
+                      <a:prstDash val="solid"/>
+                      <a:round/>
+                      <a:headEnd type="none" w="med" len="med"/>
+                      <a:tailEnd type="none" w="med" len="med"/>
+                    </a:lnB>
+                    <a:lnTlToBr w="12700" cmpd="sng">
+                      <a:noFill/>
+                      <a:prstDash val="solid"/>
+                    </a:lnTlToBr>
+                    <a:lnBlToTr w="12700" cmpd="sng">
+                      <a:noFill/>
+                      <a:prstDash val="solid"/>
+                    </a:lnBlToTr>
+                  </a:tcPr>
+                </a:tc>
+                <a:tc>
+                  <a:txBody>
+                    <a:bodyPr/>
+                    <a:lstStyle/>
+                    <a:p>
+                      <a:pPr algn="ctr" fontAlgn="ctr"/>
+                      <a:r>
+                        <a:rPr lang="en-US" altLang="zh-TW" sz="2000" u="none" strike="noStrike">
+                          <a:effectLst/>
+                          <a:latin typeface="Adobe 黑体 Std R" panose="020B0400000000000000" pitchFamily="34" charset="-128"/>
+                          <a:ea typeface="Adobe 黑体 Std R" panose="020B0400000000000000" pitchFamily="34" charset="-128"/>
+                        </a:rPr>
+                        <a:t>0.85915493</a:t>
+                      </a:r>
+                      <a:endParaRPr lang="en-US" altLang="zh-TW" sz="2000" b="0" i="0" u="none" strike="noStrike">
+                        <a:solidFill>
+                          <a:srgbClr val="000000"/>
+                        </a:solidFill>
+                        <a:effectLst/>
+                        <a:latin typeface="Adobe 黑体 Std R" panose="020B0400000000000000" pitchFamily="34" charset="-128"/>
+                        <a:ea typeface="Adobe 黑体 Std R" panose="020B0400000000000000" pitchFamily="34" charset="-128"/>
+                      </a:endParaRPr>
+                    </a:p>
+                  </a:txBody>
+                  <a:tcPr marL="9525" marR="9525" marT="9525" marB="0" anchor="ctr">
+                    <a:lnL w="12700" cap="flat" cmpd="sng" algn="ctr">
+                      <a:solidFill>
+                        <a:schemeClr val="tx1"/>
+                      </a:solidFill>
+                      <a:prstDash val="solid"/>
+                      <a:round/>
+                      <a:headEnd type="none" w="med" len="med"/>
+                      <a:tailEnd type="none" w="med" len="med"/>
+                    </a:lnL>
+                    <a:lnR w="12700" cap="flat" cmpd="sng" algn="ctr">
+                      <a:solidFill>
+                        <a:schemeClr val="tx1"/>
+                      </a:solidFill>
+                      <a:prstDash val="solid"/>
+                      <a:round/>
+                      <a:headEnd type="none" w="med" len="med"/>
+                      <a:tailEnd type="none" w="med" len="med"/>
+                    </a:lnR>
+                    <a:lnT w="12700" cap="flat" cmpd="sng" algn="ctr">
+                      <a:solidFill>
+                        <a:schemeClr val="tx1"/>
+                      </a:solidFill>
+                      <a:prstDash val="solid"/>
+                      <a:round/>
+                      <a:headEnd type="none" w="med" len="med"/>
+                      <a:tailEnd type="none" w="med" len="med"/>
+                    </a:lnT>
+                    <a:lnB w="12700" cap="flat" cmpd="sng" algn="ctr">
+                      <a:solidFill>
+                        <a:schemeClr val="tx1"/>
+                      </a:solidFill>
+                      <a:prstDash val="solid"/>
+                      <a:round/>
+                      <a:headEnd type="none" w="med" len="med"/>
+                      <a:tailEnd type="none" w="med" len="med"/>
+                    </a:lnB>
+                    <a:lnTlToBr w="12700" cmpd="sng">
+                      <a:noFill/>
+                      <a:prstDash val="solid"/>
+                    </a:lnTlToBr>
+                    <a:lnBlToTr w="12700" cmpd="sng">
+                      <a:noFill/>
+                      <a:prstDash val="solid"/>
+                    </a:lnBlToTr>
+                  </a:tcPr>
+                </a:tc>
+                <a:extLst>
+                  <a:ext uri="{0D108BD9-81ED-4DB2-BD59-A6C34878D82A}">
+                    <a16:rowId xmlns:a16="http://schemas.microsoft.com/office/drawing/2014/main" val="846731100"/>
+                  </a:ext>
+                </a:extLst>
+              </a:tr>
+              <a:tr h="380856">
+                <a:tc>
+                  <a:txBody>
+                    <a:bodyPr/>
+                    <a:lstStyle/>
+                    <a:p>
+                      <a:pPr algn="ctr" fontAlgn="ctr"/>
+                      <a:r>
+                        <a:rPr lang="en-US" altLang="zh-TW" sz="2000" u="none" strike="noStrike">
+                          <a:effectLst/>
+                          <a:latin typeface="Adobe 黑体 Std R" panose="020B0400000000000000" pitchFamily="34" charset="-128"/>
+                          <a:ea typeface="Adobe 黑体 Std R" panose="020B0400000000000000" pitchFamily="34" charset="-128"/>
+                        </a:rPr>
+                        <a:t>10</a:t>
+                      </a:r>
+                      <a:endParaRPr lang="en-US" altLang="zh-TW" sz="2000" b="0" i="0" u="none" strike="noStrike">
+                        <a:solidFill>
+                          <a:srgbClr val="000000"/>
+                        </a:solidFill>
+                        <a:effectLst/>
+                        <a:latin typeface="Adobe 黑体 Std R" panose="020B0400000000000000" pitchFamily="34" charset="-128"/>
+                        <a:ea typeface="Adobe 黑体 Std R" panose="020B0400000000000000" pitchFamily="34" charset="-128"/>
+                      </a:endParaRPr>
+                    </a:p>
+                  </a:txBody>
+                  <a:tcPr marL="9525" marR="9525" marT="9525" marB="0" anchor="ctr">
+                    <a:lnL w="12700" cap="flat" cmpd="sng" algn="ctr">
+                      <a:solidFill>
+                        <a:schemeClr val="tx1"/>
+                      </a:solidFill>
+                      <a:prstDash val="solid"/>
+                      <a:round/>
+                      <a:headEnd type="none" w="med" len="med"/>
+                      <a:tailEnd type="none" w="med" len="med"/>
+                    </a:lnL>
+                    <a:lnR w="12700" cap="flat" cmpd="sng" algn="ctr">
+                      <a:solidFill>
+                        <a:schemeClr val="tx1"/>
+                      </a:solidFill>
+                      <a:prstDash val="solid"/>
+                      <a:round/>
+                      <a:headEnd type="none" w="med" len="med"/>
+                      <a:tailEnd type="none" w="med" len="med"/>
+                    </a:lnR>
+                    <a:lnT w="12700" cap="flat" cmpd="sng" algn="ctr">
+                      <a:solidFill>
+                        <a:schemeClr val="tx1"/>
+                      </a:solidFill>
+                      <a:prstDash val="solid"/>
+                      <a:round/>
+                      <a:headEnd type="none" w="med" len="med"/>
+                      <a:tailEnd type="none" w="med" len="med"/>
+                    </a:lnT>
+                    <a:lnB w="12700" cap="flat" cmpd="sng" algn="ctr">
+                      <a:solidFill>
+                        <a:schemeClr val="tx1"/>
+                      </a:solidFill>
+                      <a:prstDash val="solid"/>
+                      <a:round/>
+                      <a:headEnd type="none" w="med" len="med"/>
+                      <a:tailEnd type="none" w="med" len="med"/>
+                    </a:lnB>
+                    <a:lnTlToBr w="12700" cmpd="sng">
+                      <a:noFill/>
+                      <a:prstDash val="solid"/>
+                    </a:lnTlToBr>
+                    <a:lnBlToTr w="12700" cmpd="sng">
+                      <a:noFill/>
+                      <a:prstDash val="solid"/>
+                    </a:lnBlToTr>
+                  </a:tcPr>
+                </a:tc>
+                <a:tc>
+                  <a:txBody>
+                    <a:bodyPr/>
+                    <a:lstStyle/>
+                    <a:p>
+                      <a:pPr algn="ctr" fontAlgn="ctr"/>
+                      <a:r>
+                        <a:rPr lang="en-US" altLang="zh-TW" sz="2000" u="none" strike="noStrike">
+                          <a:effectLst/>
+                          <a:latin typeface="Adobe 黑体 Std R" panose="020B0400000000000000" pitchFamily="34" charset="-128"/>
+                          <a:ea typeface="Adobe 黑体 Std R" panose="020B0400000000000000" pitchFamily="34" charset="-128"/>
+                        </a:rPr>
+                        <a:t>0.85</a:t>
+                      </a:r>
+                      <a:endParaRPr lang="en-US" altLang="zh-TW" sz="2000" b="0" i="0" u="none" strike="noStrike">
+                        <a:solidFill>
+                          <a:srgbClr val="000000"/>
+                        </a:solidFill>
+                        <a:effectLst/>
+                        <a:latin typeface="Adobe 黑体 Std R" panose="020B0400000000000000" pitchFamily="34" charset="-128"/>
+                        <a:ea typeface="Adobe 黑体 Std R" panose="020B0400000000000000" pitchFamily="34" charset="-128"/>
+                      </a:endParaRPr>
+                    </a:p>
+                  </a:txBody>
+                  <a:tcPr marL="9525" marR="9525" marT="9525" marB="0" anchor="ctr">
+                    <a:lnL w="12700" cap="flat" cmpd="sng" algn="ctr">
+                      <a:solidFill>
+                        <a:schemeClr val="tx1"/>
+                      </a:solidFill>
+                      <a:prstDash val="solid"/>
+                      <a:round/>
+                      <a:headEnd type="none" w="med" len="med"/>
+                      <a:tailEnd type="none" w="med" len="med"/>
+                    </a:lnL>
+                    <a:lnR w="12700" cap="flat" cmpd="sng" algn="ctr">
+                      <a:solidFill>
+                        <a:schemeClr val="tx1"/>
+                      </a:solidFill>
+                      <a:prstDash val="solid"/>
+                      <a:round/>
+                      <a:headEnd type="none" w="med" len="med"/>
+                      <a:tailEnd type="none" w="med" len="med"/>
+                    </a:lnR>
+                    <a:lnT w="12700" cap="flat" cmpd="sng" algn="ctr">
+                      <a:solidFill>
+                        <a:schemeClr val="tx1"/>
+                      </a:solidFill>
+                      <a:prstDash val="solid"/>
+                      <a:round/>
+                      <a:headEnd type="none" w="med" len="med"/>
+                      <a:tailEnd type="none" w="med" len="med"/>
+                    </a:lnT>
+                    <a:lnB w="12700" cap="flat" cmpd="sng" algn="ctr">
+                      <a:solidFill>
+                        <a:schemeClr val="tx1"/>
+                      </a:solidFill>
+                      <a:prstDash val="solid"/>
+                      <a:round/>
+                      <a:headEnd type="none" w="med" len="med"/>
+                      <a:tailEnd type="none" w="med" len="med"/>
+                    </a:lnB>
+                    <a:lnTlToBr w="12700" cmpd="sng">
+                      <a:noFill/>
+                      <a:prstDash val="solid"/>
+                    </a:lnTlToBr>
+                    <a:lnBlToTr w="12700" cmpd="sng">
+                      <a:noFill/>
+                      <a:prstDash val="solid"/>
+                    </a:lnBlToTr>
+                  </a:tcPr>
+                </a:tc>
+                <a:extLst>
+                  <a:ext uri="{0D108BD9-81ED-4DB2-BD59-A6C34878D82A}">
+                    <a16:rowId xmlns:a16="http://schemas.microsoft.com/office/drawing/2014/main" val="1671795508"/>
+                  </a:ext>
+                </a:extLst>
+              </a:tr>
+              <a:tr h="380856">
+                <a:tc>
+                  <a:txBody>
+                    <a:bodyPr/>
+                    <a:lstStyle/>
+                    <a:p>
+                      <a:pPr algn="ctr" fontAlgn="ctr"/>
+                      <a:r>
+                        <a:rPr lang="en-US" altLang="zh-TW" sz="2000" u="none" strike="noStrike">
+                          <a:effectLst/>
+                          <a:latin typeface="Adobe 黑体 Std R" panose="020B0400000000000000" pitchFamily="34" charset="-128"/>
+                          <a:ea typeface="Adobe 黑体 Std R" panose="020B0400000000000000" pitchFamily="34" charset="-128"/>
+                        </a:rPr>
+                        <a:t>11</a:t>
+                      </a:r>
+                      <a:endParaRPr lang="en-US" altLang="zh-TW" sz="2000" b="0" i="0" u="none" strike="noStrike">
+                        <a:solidFill>
+                          <a:srgbClr val="000000"/>
+                        </a:solidFill>
+                        <a:effectLst/>
+                        <a:latin typeface="Adobe 黑体 Std R" panose="020B0400000000000000" pitchFamily="34" charset="-128"/>
+                        <a:ea typeface="Adobe 黑体 Std R" panose="020B0400000000000000" pitchFamily="34" charset="-128"/>
+                      </a:endParaRPr>
+                    </a:p>
+                  </a:txBody>
+                  <a:tcPr marL="9525" marR="9525" marT="9525" marB="0" anchor="ctr">
+                    <a:lnL w="12700" cap="flat" cmpd="sng" algn="ctr">
+                      <a:solidFill>
+                        <a:schemeClr val="tx1"/>
+                      </a:solidFill>
+                      <a:prstDash val="solid"/>
+                      <a:round/>
+                      <a:headEnd type="none" w="med" len="med"/>
+                      <a:tailEnd type="none" w="med" len="med"/>
+                    </a:lnL>
+                    <a:lnR w="12700" cap="flat" cmpd="sng" algn="ctr">
+                      <a:solidFill>
+                        <a:schemeClr val="tx1"/>
+                      </a:solidFill>
+                      <a:prstDash val="solid"/>
+                      <a:round/>
+                      <a:headEnd type="none" w="med" len="med"/>
+                      <a:tailEnd type="none" w="med" len="med"/>
+                    </a:lnR>
+                    <a:lnT w="12700" cap="flat" cmpd="sng" algn="ctr">
+                      <a:solidFill>
+                        <a:schemeClr val="tx1"/>
+                      </a:solidFill>
+                      <a:prstDash val="solid"/>
+                      <a:round/>
+                      <a:headEnd type="none" w="med" len="med"/>
+                      <a:tailEnd type="none" w="med" len="med"/>
+                    </a:lnT>
+                    <a:lnB w="12700" cap="flat" cmpd="sng" algn="ctr">
+                      <a:solidFill>
+                        <a:schemeClr val="tx1"/>
+                      </a:solidFill>
+                      <a:prstDash val="solid"/>
+                      <a:round/>
+                      <a:headEnd type="none" w="med" len="med"/>
+                      <a:tailEnd type="none" w="med" len="med"/>
+                    </a:lnB>
+                    <a:lnTlToBr w="12700" cmpd="sng">
+                      <a:noFill/>
+                      <a:prstDash val="solid"/>
+                    </a:lnTlToBr>
+                    <a:lnBlToTr w="12700" cmpd="sng">
+                      <a:noFill/>
+                      <a:prstDash val="solid"/>
+                    </a:lnBlToTr>
+                  </a:tcPr>
+                </a:tc>
+                <a:tc>
+                  <a:txBody>
+                    <a:bodyPr/>
+                    <a:lstStyle/>
+                    <a:p>
+                      <a:pPr algn="ctr" fontAlgn="ctr"/>
+                      <a:r>
+                        <a:rPr lang="en-US" altLang="zh-TW" sz="2000" u="none" strike="noStrike">
+                          <a:effectLst/>
+                          <a:latin typeface="Adobe 黑体 Std R" panose="020B0400000000000000" pitchFamily="34" charset="-128"/>
+                          <a:ea typeface="Adobe 黑体 Std R" panose="020B0400000000000000" pitchFamily="34" charset="-128"/>
+                        </a:rPr>
+                        <a:t>0.848591549</a:t>
+                      </a:r>
+                      <a:endParaRPr lang="en-US" altLang="zh-TW" sz="2000" b="0" i="0" u="none" strike="noStrike">
+                        <a:solidFill>
+                          <a:srgbClr val="000000"/>
+                        </a:solidFill>
+                        <a:effectLst/>
+                        <a:latin typeface="Adobe 黑体 Std R" panose="020B0400000000000000" pitchFamily="34" charset="-128"/>
+                        <a:ea typeface="Adobe 黑体 Std R" panose="020B0400000000000000" pitchFamily="34" charset="-128"/>
+                      </a:endParaRPr>
+                    </a:p>
+                  </a:txBody>
+                  <a:tcPr marL="9525" marR="9525" marT="9525" marB="0" anchor="ctr">
+                    <a:lnL w="12700" cap="flat" cmpd="sng" algn="ctr">
+                      <a:solidFill>
+                        <a:schemeClr val="tx1"/>
+                      </a:solidFill>
+                      <a:prstDash val="solid"/>
+                      <a:round/>
+                      <a:headEnd type="none" w="med" len="med"/>
+                      <a:tailEnd type="none" w="med" len="med"/>
+                    </a:lnL>
+                    <a:lnR w="12700" cap="flat" cmpd="sng" algn="ctr">
+                      <a:solidFill>
+                        <a:schemeClr val="tx1"/>
+                      </a:solidFill>
+                      <a:prstDash val="solid"/>
+                      <a:round/>
+                      <a:headEnd type="none" w="med" len="med"/>
+                      <a:tailEnd type="none" w="med" len="med"/>
+                    </a:lnR>
+                    <a:lnT w="12700" cap="flat" cmpd="sng" algn="ctr">
+                      <a:solidFill>
+                        <a:schemeClr val="tx1"/>
+                      </a:solidFill>
+                      <a:prstDash val="solid"/>
+                      <a:round/>
+                      <a:headEnd type="none" w="med" len="med"/>
+                      <a:tailEnd type="none" w="med" len="med"/>
+                    </a:lnT>
+                    <a:lnB w="12700" cap="flat" cmpd="sng" algn="ctr">
+                      <a:solidFill>
+                        <a:schemeClr val="tx1"/>
+                      </a:solidFill>
+                      <a:prstDash val="solid"/>
+                      <a:round/>
+                      <a:headEnd type="none" w="med" len="med"/>
+                      <a:tailEnd type="none" w="med" len="med"/>
+                    </a:lnB>
+                    <a:lnTlToBr w="12700" cmpd="sng">
+                      <a:noFill/>
+                      <a:prstDash val="solid"/>
+                    </a:lnTlToBr>
+                    <a:lnBlToTr w="12700" cmpd="sng">
+                      <a:noFill/>
+                      <a:prstDash val="solid"/>
+                    </a:lnBlToTr>
+                  </a:tcPr>
+                </a:tc>
+                <a:extLst>
+                  <a:ext uri="{0D108BD9-81ED-4DB2-BD59-A6C34878D82A}">
+                    <a16:rowId xmlns:a16="http://schemas.microsoft.com/office/drawing/2014/main" val="3276815406"/>
+                  </a:ext>
+                </a:extLst>
+              </a:tr>
+            </a:tbl>
+          </a:graphicData>
+        </a:graphic>
+      </p:graphicFrame>
+      <p:cxnSp>
+        <p:nvCxnSpPr>
+          <p:cNvPr id="9" name="直線單箭頭接點 8"/>
+          <p:cNvCxnSpPr/>
+          <p:nvPr/>
+        </p:nvCxnSpPr>
+        <p:spPr>
+          <a:xfrm>
+            <a:off x="2123728" y="4869160"/>
+            <a:ext cx="432048" cy="0"/>
+          </a:xfrm>
+          <a:prstGeom prst="straightConnector1">
+            <a:avLst/>
+          </a:prstGeom>
+          <a:ln w="57150">
+            <a:solidFill>
+              <a:srgbClr val="FF0000"/>
+            </a:solidFill>
+            <a:tailEnd type="triangle"/>
+          </a:ln>
+        </p:spPr>
+        <p:style>
+          <a:lnRef idx="1">
+            <a:schemeClr val="accent1"/>
+          </a:lnRef>
+          <a:fillRef idx="0">
+            <a:schemeClr val="accent1"/>
+          </a:fillRef>
+          <a:effectRef idx="0">
+            <a:schemeClr val="accent1"/>
+          </a:effectRef>
+          <a:fontRef idx="minor">
+            <a:schemeClr val="tx1"/>
+          </a:fontRef>
+        </p:style>
+      </p:cxnSp>
     </p:spTree>
     <p:extLst>
       <p:ext uri="{BB962C8B-B14F-4D97-AF65-F5344CB8AC3E}">
-        <p14:creationId xmlns:p14="http://schemas.microsoft.com/office/powerpoint/2010/main" val="442037061"/>
+        <p14:creationId xmlns:p14="http://schemas.microsoft.com/office/powerpoint/2010/main" val="141192265"/>
       </p:ext>
     </p:extLst>
   </p:cSld>
@@ -7522,14 +9666,22 @@
         </p:nvSpPr>
         <p:spPr/>
         <p:txBody>
-          <a:bodyPr/>
+          <a:bodyPr vert="horz" lIns="91440" tIns="45720" rIns="91440" bIns="45720" rtlCol="0" anchor="ctr">
+            <a:normAutofit/>
+          </a:bodyPr>
           <a:lstStyle/>
           <a:p>
             <a:r>
-              <a:rPr lang="zh-TW" altLang="en-US" dirty="0" smtClean="0"/>
-              <a:t>後續工作</a:t>
-            </a:r>
-            <a:endParaRPr lang="zh-TW" altLang="en-US" dirty="0"/>
+              <a:rPr lang="zh-TW" altLang="en-US" dirty="0">
+                <a:latin typeface="Adobe 繁黑體 Std B" panose="020B0700000000000000" pitchFamily="34" charset="-120"/>
+                <a:ea typeface="Adobe 繁黑體 Std B" panose="020B0700000000000000" pitchFamily="34" charset="-120"/>
+              </a:rPr>
+              <a:t>結果</a:t>
+            </a:r>
+            <a:endParaRPr lang="zh-TW" altLang="en-US" dirty="0">
+              <a:latin typeface="Adobe 繁黑體 Std B" panose="020B0700000000000000" pitchFamily="34" charset="-120"/>
+              <a:ea typeface="Adobe 繁黑體 Std B" panose="020B0700000000000000" pitchFamily="34" charset="-120"/>
+            </a:endParaRPr>
           </a:p>
         </p:txBody>
       </p:sp>
@@ -7545,55 +9697,103 @@
         </p:nvSpPr>
         <p:spPr/>
         <p:txBody>
-          <a:bodyPr/>
+          <a:bodyPr vert="horz" lIns="91440" tIns="45720" rIns="91440" bIns="45720" rtlCol="0">
+            <a:normAutofit/>
+          </a:bodyPr>
           <a:lstStyle/>
           <a:p>
             <a:r>
-              <a:rPr lang="zh-TW" altLang="en-US" dirty="0" smtClean="0"/>
-              <a:t>使用</a:t>
-            </a:r>
-            <a:r>
-              <a:rPr lang="en-US" altLang="zh-TW" dirty="0"/>
-              <a:t>Random forest</a:t>
-            </a:r>
-          </a:p>
-          <a:p>
-            <a:r>
-              <a:rPr lang="zh-TW" altLang="en-US" dirty="0" smtClean="0"/>
-              <a:t>將</a:t>
-            </a:r>
-            <a:r>
-              <a:rPr lang="zh-TW" altLang="en-US" dirty="0"/>
-              <a:t>風向的資料、且將日期轉換成季節，重新加入訓練模型中，確認是否有更好的結果。</a:t>
-            </a:r>
-          </a:p>
-          <a:p>
-            <a:r>
-              <a:rPr lang="zh-TW" altLang="en-US" dirty="0" smtClean="0"/>
-              <a:t>可以</a:t>
-            </a:r>
-            <a:r>
-              <a:rPr lang="zh-TW" altLang="en-US" dirty="0"/>
-              <a:t>將</a:t>
-            </a:r>
-            <a:r>
-              <a:rPr lang="en-US" altLang="zh-TW" dirty="0"/>
-              <a:t>Location</a:t>
-            </a:r>
-            <a:r>
-              <a:rPr lang="zh-TW" altLang="en-US" dirty="0"/>
-              <a:t>重新加入訓練模型，預測各地點明天是否降雨。</a:t>
-            </a:r>
-          </a:p>
-          <a:p>
-            <a:endParaRPr lang="zh-TW" altLang="en-US" dirty="0"/>
+              <a:rPr lang="en-US" altLang="zh-TW">
+                <a:latin typeface="Adobe 黑体 Std R" panose="020B0400000000000000" pitchFamily="34" charset="-128"/>
+                <a:ea typeface="Adobe 黑体 Std R" panose="020B0400000000000000" pitchFamily="34" charset="-128"/>
+              </a:rPr>
+              <a:t> 3</a:t>
+            </a:r>
+            <a:r>
+              <a:rPr lang="zh-TW" altLang="en-US">
+                <a:latin typeface="Adobe 黑体 Std R" panose="020B0400000000000000" pitchFamily="34" charset="-128"/>
+                <a:ea typeface="Adobe 黑体 Std R" panose="020B0400000000000000" pitchFamily="34" charset="-128"/>
+              </a:rPr>
+              <a:t>層</a:t>
+            </a:r>
+            <a:r>
+              <a:rPr lang="zh-TW" altLang="en-US" dirty="0">
+                <a:latin typeface="Adobe 黑体 Std R" panose="020B0400000000000000" pitchFamily="34" charset="-128"/>
+                <a:ea typeface="Adobe 黑体 Std R" panose="020B0400000000000000" pitchFamily="34" charset="-128"/>
+              </a:rPr>
+              <a:t>的決策樹用來預測明天是否下雨，可以有</a:t>
+            </a:r>
+            <a:r>
+              <a:rPr lang="zh-TW" altLang="en-US">
+                <a:latin typeface="Adobe 黑体 Std R" panose="020B0400000000000000" pitchFamily="34" charset="-128"/>
+                <a:ea typeface="Adobe 黑体 Std R" panose="020B0400000000000000" pitchFamily="34" charset="-128"/>
+              </a:rPr>
+              <a:t>約</a:t>
+            </a:r>
+            <a:r>
+              <a:rPr lang="en-US" altLang="zh-TW">
+                <a:latin typeface="Adobe 黑体 Std R" panose="020B0400000000000000" pitchFamily="34" charset="-128"/>
+                <a:ea typeface="Adobe 黑体 Std R" panose="020B0400000000000000" pitchFamily="34" charset="-128"/>
+              </a:rPr>
+              <a:t>83.6%</a:t>
+            </a:r>
+            <a:r>
+              <a:rPr lang="zh-TW" altLang="en-US" dirty="0">
+                <a:latin typeface="Adobe 黑体 Std R" panose="020B0400000000000000" pitchFamily="34" charset="-128"/>
+                <a:ea typeface="Adobe 黑体 Std R" panose="020B0400000000000000" pitchFamily="34" charset="-128"/>
+              </a:rPr>
+              <a:t>的正確率。</a:t>
+            </a:r>
+          </a:p>
+          <a:p>
+            <a:r>
+              <a:rPr lang="en-US" altLang="zh-TW" dirty="0">
+                <a:latin typeface="Adobe 黑体 Std R" panose="020B0400000000000000" pitchFamily="34" charset="-128"/>
+                <a:ea typeface="Adobe 黑体 Std R" panose="020B0400000000000000" pitchFamily="34" charset="-128"/>
+              </a:rPr>
+              <a:t>7</a:t>
+            </a:r>
+            <a:r>
+              <a:rPr lang="zh-TW" altLang="en-US" dirty="0">
+                <a:latin typeface="Adobe 黑体 Std R" panose="020B0400000000000000" pitchFamily="34" charset="-128"/>
+                <a:ea typeface="Adobe 黑体 Std R" panose="020B0400000000000000" pitchFamily="34" charset="-128"/>
+              </a:rPr>
+              <a:t>層的決策樹用來預測明天是否下雨，可以有</a:t>
+            </a:r>
+            <a:r>
+              <a:rPr lang="zh-TW" altLang="en-US">
+                <a:latin typeface="Adobe 黑体 Std R" panose="020B0400000000000000" pitchFamily="34" charset="-128"/>
+                <a:ea typeface="Adobe 黑体 Std R" panose="020B0400000000000000" pitchFamily="34" charset="-128"/>
+              </a:rPr>
+              <a:t>約</a:t>
+            </a:r>
+            <a:r>
+              <a:rPr lang="en-US" altLang="zh-TW" smtClean="0">
+                <a:latin typeface="Adobe 黑体 Std R" panose="020B0400000000000000" pitchFamily="34" charset="-128"/>
+                <a:ea typeface="Adobe 黑体 Std R" panose="020B0400000000000000" pitchFamily="34" charset="-128"/>
+              </a:rPr>
+              <a:t>86.5%</a:t>
+            </a:r>
+            <a:r>
+              <a:rPr lang="zh-TW" altLang="en-US" dirty="0">
+                <a:latin typeface="Adobe 黑体 Std R" panose="020B0400000000000000" pitchFamily="34" charset="-128"/>
+                <a:ea typeface="Adobe 黑体 Std R" panose="020B0400000000000000" pitchFamily="34" charset="-128"/>
+              </a:rPr>
+              <a:t>的正確率。</a:t>
+            </a:r>
+          </a:p>
+          <a:p>
+            <a:endParaRPr lang="zh-TW" altLang="en-US" dirty="0">
+              <a:latin typeface="Adobe 黑体 Std R" panose="020B0400000000000000" pitchFamily="34" charset="-128"/>
+              <a:ea typeface="Adobe 黑体 Std R" panose="020B0400000000000000" pitchFamily="34" charset="-128"/>
+            </a:endParaRPr>
           </a:p>
         </p:txBody>
       </p:sp>
     </p:spTree>
     <p:extLst>
       <p:ext uri="{BB962C8B-B14F-4D97-AF65-F5344CB8AC3E}">
-        <p14:creationId xmlns:p14="http://schemas.microsoft.com/office/powerpoint/2010/main" val="3920698417"/>
+        <p14:creationId xmlns:p14="http://schemas.microsoft.com/office/powerpoint/2010/main" val="442037061"/>
       </p:ext>
     </p:extLst>
   </p:cSld>
@@ -7632,13 +9832,22 @@
         </p:nvSpPr>
         <p:spPr/>
         <p:txBody>
-          <a:bodyPr/>
+          <a:bodyPr vert="horz" lIns="91440" tIns="45720" rIns="91440" bIns="45720" rtlCol="0" anchor="ctr">
+            <a:normAutofit/>
+          </a:bodyPr>
           <a:lstStyle/>
           <a:p>
             <a:r>
-              <a:rPr lang="zh-TW" altLang="en-US" dirty="0"/>
-              <a:t>心得</a:t>
-            </a:r>
+              <a:rPr lang="zh-TW" altLang="en-US" dirty="0">
+                <a:latin typeface="Adobe 繁黑體 Std B" panose="020B0700000000000000" pitchFamily="34" charset="-120"/>
+                <a:ea typeface="Adobe 繁黑體 Std B" panose="020B0700000000000000" pitchFamily="34" charset="-120"/>
+              </a:rPr>
+              <a:t>後續工作</a:t>
+            </a:r>
+            <a:endParaRPr lang="zh-TW" altLang="en-US" dirty="0">
+              <a:latin typeface="Adobe 繁黑體 Std B" panose="020B0700000000000000" pitchFamily="34" charset="-120"/>
+              <a:ea typeface="Adobe 繁黑體 Std B" panose="020B0700000000000000" pitchFamily="34" charset="-120"/>
+            </a:endParaRPr>
           </a:p>
         </p:txBody>
       </p:sp>
@@ -7657,86 +9866,79 @@
           <a:bodyPr/>
           <a:lstStyle/>
           <a:p>
-            <a:endParaRPr lang="zh-TW" altLang="en-US" dirty="0"/>
+            <a:r>
+              <a:rPr lang="zh-TW" altLang="en-US" dirty="0" smtClean="0">
+                <a:latin typeface="Adobe 黑体 Std R" panose="020B0400000000000000" pitchFamily="34" charset="-128"/>
+                <a:ea typeface="Adobe 黑体 Std R" panose="020B0400000000000000" pitchFamily="34" charset="-128"/>
+              </a:rPr>
+              <a:t>使用</a:t>
+            </a:r>
+            <a:r>
+              <a:rPr lang="en-US" altLang="zh-TW" dirty="0">
+                <a:latin typeface="Adobe 黑体 Std R" panose="020B0400000000000000" pitchFamily="34" charset="-128"/>
+                <a:ea typeface="Adobe 黑体 Std R" panose="020B0400000000000000" pitchFamily="34" charset="-128"/>
+              </a:rPr>
+              <a:t>Random forest</a:t>
+            </a:r>
+          </a:p>
+          <a:p>
+            <a:r>
+              <a:rPr lang="zh-TW" altLang="en-US" dirty="0" smtClean="0">
+                <a:latin typeface="Adobe 黑体 Std R" panose="020B0400000000000000" pitchFamily="34" charset="-128"/>
+                <a:ea typeface="Adobe 黑体 Std R" panose="020B0400000000000000" pitchFamily="34" charset="-128"/>
+              </a:rPr>
+              <a:t>將</a:t>
+            </a:r>
+            <a:r>
+              <a:rPr lang="zh-TW" altLang="en-US" dirty="0">
+                <a:latin typeface="Adobe 黑体 Std R" panose="020B0400000000000000" pitchFamily="34" charset="-128"/>
+                <a:ea typeface="Adobe 黑体 Std R" panose="020B0400000000000000" pitchFamily="34" charset="-128"/>
+              </a:rPr>
+              <a:t>風向的資料、且將日期轉換成季節，重新加入訓練模型中，確認是否有更好的結果。</a:t>
+            </a:r>
+          </a:p>
+          <a:p>
+            <a:r>
+              <a:rPr lang="zh-TW" altLang="en-US" dirty="0" smtClean="0">
+                <a:latin typeface="Adobe 黑体 Std R" panose="020B0400000000000000" pitchFamily="34" charset="-128"/>
+                <a:ea typeface="Adobe 黑体 Std R" panose="020B0400000000000000" pitchFamily="34" charset="-128"/>
+              </a:rPr>
+              <a:t>可以</a:t>
+            </a:r>
+            <a:r>
+              <a:rPr lang="zh-TW" altLang="en-US" dirty="0">
+                <a:latin typeface="Adobe 黑体 Std R" panose="020B0400000000000000" pitchFamily="34" charset="-128"/>
+                <a:ea typeface="Adobe 黑体 Std R" panose="020B0400000000000000" pitchFamily="34" charset="-128"/>
+              </a:rPr>
+              <a:t>將</a:t>
+            </a:r>
+            <a:r>
+              <a:rPr lang="en-US" altLang="zh-TW" dirty="0">
+                <a:latin typeface="Adobe 黑体 Std R" panose="020B0400000000000000" pitchFamily="34" charset="-128"/>
+                <a:ea typeface="Adobe 黑体 Std R" panose="020B0400000000000000" pitchFamily="34" charset="-128"/>
+              </a:rPr>
+              <a:t>Location</a:t>
+            </a:r>
+            <a:r>
+              <a:rPr lang="zh-TW" altLang="en-US" dirty="0">
+                <a:latin typeface="Adobe 黑体 Std R" panose="020B0400000000000000" pitchFamily="34" charset="-128"/>
+                <a:ea typeface="Adobe 黑体 Std R" panose="020B0400000000000000" pitchFamily="34" charset="-128"/>
+              </a:rPr>
+              <a:t>重新加入訓練模型，預測各地點明天是否降雨。</a:t>
+            </a:r>
+          </a:p>
+          <a:p>
+            <a:endParaRPr lang="zh-TW" altLang="en-US" dirty="0">
+              <a:latin typeface="Adobe 黑体 Std R" panose="020B0400000000000000" pitchFamily="34" charset="-128"/>
+              <a:ea typeface="Adobe 黑体 Std R" panose="020B0400000000000000" pitchFamily="34" charset="-128"/>
+            </a:endParaRPr>
           </a:p>
         </p:txBody>
       </p:sp>
     </p:spTree>
     <p:extLst>
       <p:ext uri="{BB962C8B-B14F-4D97-AF65-F5344CB8AC3E}">
-        <p14:creationId xmlns:p14="http://schemas.microsoft.com/office/powerpoint/2010/main" val="3546518140"/>
-      </p:ext>
-    </p:extLst>
-  </p:cSld>
-  <p:clrMapOvr>
-    <a:masterClrMapping/>
-  </p:clrMapOvr>
-</p:sld>
-</file>
-
-<file path=ppt/slides/slide16.xml><?xml version="1.0" encoding="utf-8"?>
-<p:sld xmlns:a="http://schemas.openxmlformats.org/drawingml/2006/main" xmlns:r="http://schemas.openxmlformats.org/officeDocument/2006/relationships" xmlns:p="http://schemas.openxmlformats.org/presentationml/2006/main">
-  <p:cSld>
-    <p:spTree>
-      <p:nvGrpSpPr>
-        <p:cNvPr id="1" name=""/>
-        <p:cNvGrpSpPr/>
-        <p:nvPr/>
-      </p:nvGrpSpPr>
-      <p:grpSpPr>
-        <a:xfrm>
-          <a:off x="0" y="0"/>
-          <a:ext cx="0" cy="0"/>
-          <a:chOff x="0" y="0"/>
-          <a:chExt cx="0" cy="0"/>
-        </a:xfrm>
-      </p:grpSpPr>
-      <p:sp>
-        <p:nvSpPr>
-          <p:cNvPr id="2" name="標題 1"/>
-          <p:cNvSpPr>
-            <a:spLocks noGrp="1"/>
-          </p:cNvSpPr>
-          <p:nvPr>
-            <p:ph type="title"/>
-          </p:nvPr>
-        </p:nvSpPr>
-        <p:spPr/>
-        <p:txBody>
-          <a:bodyPr/>
-          <a:lstStyle/>
-          <a:p>
-            <a:endParaRPr lang="zh-TW" altLang="en-US"/>
-          </a:p>
-        </p:txBody>
-      </p:sp>
-      <p:sp>
-        <p:nvSpPr>
-          <p:cNvPr id="3" name="內容版面配置區 2"/>
-          <p:cNvSpPr>
-            <a:spLocks noGrp="1"/>
-          </p:cNvSpPr>
-          <p:nvPr>
-            <p:ph idx="1"/>
-          </p:nvPr>
-        </p:nvSpPr>
-        <p:spPr/>
-        <p:txBody>
-          <a:bodyPr/>
-          <a:lstStyle/>
-          <a:p>
-            <a:r>
-              <a:rPr lang="zh-TW" altLang="en-US" dirty="0" smtClean="0"/>
-              <a:t>謝謝大家</a:t>
-            </a:r>
-            <a:endParaRPr lang="zh-TW" altLang="en-US" dirty="0"/>
-          </a:p>
-        </p:txBody>
-      </p:sp>
-    </p:spTree>
-    <p:extLst>
-      <p:ext uri="{BB962C8B-B14F-4D97-AF65-F5344CB8AC3E}">
-        <p14:creationId xmlns:p14="http://schemas.microsoft.com/office/powerpoint/2010/main" val="3909659117"/>
+        <p14:creationId xmlns:p14="http://schemas.microsoft.com/office/powerpoint/2010/main" val="3920698417"/>
       </p:ext>
     </p:extLst>
   </p:cSld>
@@ -7779,7 +9981,10 @@
           <a:lstStyle/>
           <a:p>
             <a:r>
-              <a:rPr lang="en-US" altLang="zh-TW" dirty="0" smtClean="0"/>
+              <a:rPr lang="en-US" altLang="zh-TW" dirty="0" smtClean="0">
+                <a:latin typeface="Adobe 繁黑體 Std B" panose="020B0700000000000000" pitchFamily="34" charset="-120"/>
+                <a:ea typeface="Adobe 繁黑體 Std B" panose="020B0700000000000000" pitchFamily="34" charset="-120"/>
+              </a:rPr>
               <a:t>Dataset</a:t>
             </a:r>
             <a:r>
@@ -7802,36 +10007,58 @@
         </p:nvSpPr>
         <p:spPr/>
         <p:txBody>
-          <a:bodyPr/>
+          <a:bodyPr vert="horz" lIns="91440" tIns="45720" rIns="91440" bIns="45720" rtlCol="0">
+            <a:normAutofit/>
+          </a:bodyPr>
           <a:lstStyle/>
           <a:p>
             <a:r>
-              <a:rPr lang="en-US" altLang="zh-TW" dirty="0" smtClean="0"/>
+              <a:rPr lang="en-US" altLang="zh-TW" dirty="0">
+                <a:latin typeface="Adobe 黑体 Std R" panose="020B0400000000000000" pitchFamily="34" charset="-128"/>
+                <a:ea typeface="Adobe 黑体 Std R" panose="020B0400000000000000" pitchFamily="34" charset="-128"/>
+              </a:rPr>
               <a:t>2007</a:t>
             </a:r>
             <a:r>
-              <a:rPr lang="zh-TW" altLang="en-US" dirty="0" smtClean="0"/>
+              <a:rPr lang="zh-TW" altLang="en-US" dirty="0">
+                <a:latin typeface="Adobe 黑体 Std R" panose="020B0400000000000000" pitchFamily="34" charset="-128"/>
+                <a:ea typeface="Adobe 黑体 Std R" panose="020B0400000000000000" pitchFamily="34" charset="-128"/>
+              </a:rPr>
               <a:t>～</a:t>
             </a:r>
             <a:r>
-              <a:rPr lang="en-US" altLang="zh-TW" dirty="0" smtClean="0"/>
+              <a:rPr lang="en-US" altLang="zh-TW" dirty="0">
+                <a:latin typeface="Adobe 黑体 Std R" panose="020B0400000000000000" pitchFamily="34" charset="-128"/>
+                <a:ea typeface="Adobe 黑体 Std R" panose="020B0400000000000000" pitchFamily="34" charset="-128"/>
+              </a:rPr>
               <a:t>2017</a:t>
             </a:r>
           </a:p>
           <a:p>
-            <a:endParaRPr lang="en-US" altLang="zh-TW" dirty="0"/>
-          </a:p>
-          <a:p>
-            <a:r>
-              <a:rPr lang="en-US" altLang="zh-TW" dirty="0" smtClean="0">
+            <a:endParaRPr lang="en-US" altLang="zh-TW" dirty="0">
+              <a:latin typeface="Adobe 黑体 Std R" panose="020B0400000000000000" pitchFamily="34" charset="-128"/>
+              <a:ea typeface="Adobe 黑体 Std R" panose="020B0400000000000000" pitchFamily="34" charset="-128"/>
+            </a:endParaRPr>
+          </a:p>
+          <a:p>
+            <a:r>
+              <a:rPr lang="en-US" altLang="zh-TW" dirty="0">
+                <a:latin typeface="Adobe 黑体 Std R" panose="020B0400000000000000" pitchFamily="34" charset="-128"/>
+                <a:ea typeface="Adobe 黑体 Std R" panose="020B0400000000000000" pitchFamily="34" charset="-128"/>
                 <a:hlinkClick r:id="rId2"/>
               </a:rPr>
               <a:t>https://www.kaggle.com/jsphyg/weather-dataset-rattle-package</a:t>
             </a:r>
-            <a:endParaRPr lang="zh-TW" altLang="en-US" dirty="0" smtClean="0"/>
-          </a:p>
-          <a:p>
-            <a:endParaRPr lang="zh-TW" altLang="en-US" dirty="0"/>
+            <a:endParaRPr lang="zh-TW" altLang="en-US" dirty="0">
+              <a:latin typeface="Adobe 黑体 Std R" panose="020B0400000000000000" pitchFamily="34" charset="-128"/>
+              <a:ea typeface="Adobe 黑体 Std R" panose="020B0400000000000000" pitchFamily="34" charset="-128"/>
+            </a:endParaRPr>
+          </a:p>
+          <a:p>
+            <a:endParaRPr lang="zh-TW" altLang="en-US" dirty="0">
+              <a:latin typeface="Adobe 黑体 Std R" panose="020B0400000000000000" pitchFamily="34" charset="-128"/>
+              <a:ea typeface="Adobe 黑体 Std R" panose="020B0400000000000000" pitchFamily="34" charset="-128"/>
+            </a:endParaRPr>
           </a:p>
         </p:txBody>
       </p:sp>
@@ -7881,10 +10108,16 @@
           <a:lstStyle/>
           <a:p>
             <a:r>
-              <a:rPr lang="zh-TW" altLang="en-US" dirty="0" smtClean="0"/>
+              <a:rPr lang="zh-TW" altLang="en-US" dirty="0" smtClean="0">
+                <a:latin typeface="Adobe 繁黑體 Std B" panose="020B0700000000000000" pitchFamily="34" charset="-120"/>
+                <a:ea typeface="Adobe 繁黑體 Std B" panose="020B0700000000000000" pitchFamily="34" charset="-120"/>
+              </a:rPr>
               <a:t>資料內容</a:t>
             </a:r>
-            <a:endParaRPr lang="zh-TW" altLang="en-US" dirty="0"/>
+            <a:endParaRPr lang="zh-TW" altLang="en-US" dirty="0">
+              <a:latin typeface="Adobe 繁黑體 Std B" panose="020B0700000000000000" pitchFamily="34" charset="-120"/>
+              <a:ea typeface="Adobe 繁黑體 Std B" panose="020B0700000000000000" pitchFamily="34" charset="-120"/>
+            </a:endParaRPr>
           </a:p>
         </p:txBody>
       </p:sp>
@@ -7898,14 +10131,14 @@
             <p:ph idx="1"/>
             <p:extLst>
               <p:ext uri="{D42A27DB-BD31-4B8C-83A1-F6EECF244321}">
-                <p14:modId xmlns:p14="http://schemas.microsoft.com/office/powerpoint/2010/main" val="2431897562"/>
+                <p14:modId xmlns:p14="http://schemas.microsoft.com/office/powerpoint/2010/main" val="595419465"/>
               </p:ext>
             </p:extLst>
           </p:nvPr>
         </p:nvGraphicFramePr>
         <p:xfrm>
-          <a:off x="457200" y="1600200"/>
-          <a:ext cx="8229600" cy="4525963"/>
+          <a:off x="251520" y="1437949"/>
+          <a:ext cx="8686800" cy="4997152"/>
         </p:xfrm>
         <a:graphic>
           <a:graphicData uri="http://schemas.openxmlformats.org/drawingml/2006/diagram">
@@ -7921,8 +10154,8 @@
         </p:nvSpPr>
         <p:spPr>
           <a:xfrm>
-            <a:off x="3419872" y="3356992"/>
-            <a:ext cx="2304256" cy="1080120"/>
+            <a:off x="3455368" y="3338757"/>
+            <a:ext cx="2432270" cy="1192569"/>
           </a:xfrm>
           <a:prstGeom prst="ellipse">
             <a:avLst/>
@@ -8010,14 +10243,23 @@
           <a:lstStyle/>
           <a:p>
             <a:r>
-              <a:rPr lang="zh-TW" altLang="en-US" dirty="0"/>
+              <a:rPr lang="zh-TW" altLang="en-US" dirty="0">
+                <a:latin typeface="Adobe 繁黑體 Std B" panose="020B0700000000000000" pitchFamily="34" charset="-120"/>
+                <a:ea typeface="Adobe 繁黑體 Std B" panose="020B0700000000000000" pitchFamily="34" charset="-120"/>
+              </a:rPr>
               <a:t>資料</a:t>
             </a:r>
             <a:r>
-              <a:rPr lang="zh-TW" altLang="en-US" dirty="0" smtClean="0"/>
+              <a:rPr lang="zh-TW" altLang="en-US" dirty="0" smtClean="0">
+                <a:latin typeface="Adobe 繁黑體 Std B" panose="020B0700000000000000" pitchFamily="34" charset="-120"/>
+                <a:ea typeface="Adobe 繁黑體 Std B" panose="020B0700000000000000" pitchFamily="34" charset="-120"/>
+              </a:rPr>
               <a:t>前處理</a:t>
             </a:r>
-            <a:endParaRPr lang="zh-TW" altLang="en-US" dirty="0"/>
+            <a:endParaRPr lang="zh-TW" altLang="en-US" dirty="0">
+              <a:latin typeface="Adobe 繁黑體 Std B" panose="020B0700000000000000" pitchFamily="34" charset="-120"/>
+              <a:ea typeface="Adobe 繁黑體 Std B" panose="020B0700000000000000" pitchFamily="34" charset="-120"/>
+            </a:endParaRPr>
           </a:p>
         </p:txBody>
       </p:sp>
@@ -8033,70 +10275,123 @@
         </p:nvSpPr>
         <p:spPr/>
         <p:txBody>
-          <a:bodyPr/>
+          <a:bodyPr vert="horz" lIns="91440" tIns="45720" rIns="91440" bIns="45720" rtlCol="0">
+            <a:normAutofit/>
+          </a:bodyPr>
           <a:lstStyle/>
           <a:p>
             <a:r>
-              <a:rPr lang="zh-TW" altLang="en-US" dirty="0"/>
+              <a:rPr lang="zh-TW" altLang="en-US" dirty="0">
+                <a:latin typeface="Adobe 黑体 Std R" panose="020B0400000000000000" pitchFamily="34" charset="-128"/>
+                <a:ea typeface="Adobe 黑体 Std R" panose="020B0400000000000000" pitchFamily="34" charset="-128"/>
+              </a:rPr>
               <a:t>刪除有缺失的</a:t>
             </a:r>
             <a:r>
-              <a:rPr lang="zh-TW" altLang="en-US" dirty="0" smtClean="0"/>
+              <a:rPr lang="zh-TW" altLang="en-US" dirty="0">
+                <a:latin typeface="Adobe 黑体 Std R" panose="020B0400000000000000" pitchFamily="34" charset="-128"/>
+                <a:ea typeface="Adobe 黑体 Std R" panose="020B0400000000000000" pitchFamily="34" charset="-128"/>
+              </a:rPr>
               <a:t>資料</a:t>
             </a:r>
-            <a:endParaRPr lang="en-US" altLang="zh-TW" dirty="0" smtClean="0"/>
-          </a:p>
-          <a:p>
-            <a:endParaRPr lang="en-US" altLang="zh-TW" dirty="0" smtClean="0"/>
-          </a:p>
-          <a:p>
-            <a:r>
-              <a:rPr lang="zh-TW" altLang="en-US" dirty="0"/>
+            <a:endParaRPr lang="en-US" altLang="zh-TW" dirty="0">
+              <a:latin typeface="Adobe 黑体 Std R" panose="020B0400000000000000" pitchFamily="34" charset="-128"/>
+              <a:ea typeface="Adobe 黑体 Std R" panose="020B0400000000000000" pitchFamily="34" charset="-128"/>
+            </a:endParaRPr>
+          </a:p>
+          <a:p>
+            <a:endParaRPr lang="en-US" altLang="zh-TW" dirty="0">
+              <a:latin typeface="Adobe 黑体 Std R" panose="020B0400000000000000" pitchFamily="34" charset="-128"/>
+              <a:ea typeface="Adobe 黑体 Std R" panose="020B0400000000000000" pitchFamily="34" charset="-128"/>
+            </a:endParaRPr>
+          </a:p>
+          <a:p>
+            <a:r>
+              <a:rPr lang="zh-TW" altLang="en-US" dirty="0">
+                <a:latin typeface="Adobe 黑体 Std R" panose="020B0400000000000000" pitchFamily="34" charset="-128"/>
+                <a:ea typeface="Adobe 黑体 Std R" panose="020B0400000000000000" pitchFamily="34" charset="-128"/>
+              </a:rPr>
               <a:t>刪除不影響</a:t>
             </a:r>
             <a:r>
-              <a:rPr lang="zh-TW" altLang="en-US" dirty="0" smtClean="0"/>
+              <a:rPr lang="zh-TW" altLang="en-US" dirty="0">
+                <a:latin typeface="Adobe 黑体 Std R" panose="020B0400000000000000" pitchFamily="34" charset="-128"/>
+                <a:ea typeface="Adobe 黑体 Std R" panose="020B0400000000000000" pitchFamily="34" charset="-128"/>
+              </a:rPr>
               <a:t>的因素</a:t>
             </a:r>
-            <a:endParaRPr lang="en-US" altLang="zh-TW" dirty="0" smtClean="0"/>
-          </a:p>
-          <a:p>
-            <a:endParaRPr lang="en-US" altLang="zh-TW" dirty="0" smtClean="0"/>
-          </a:p>
-          <a:p>
-            <a:r>
-              <a:rPr lang="zh-TW" altLang="en-US" dirty="0"/>
+            <a:endParaRPr lang="en-US" altLang="zh-TW" dirty="0">
+              <a:latin typeface="Adobe 黑体 Std R" panose="020B0400000000000000" pitchFamily="34" charset="-128"/>
+              <a:ea typeface="Adobe 黑体 Std R" panose="020B0400000000000000" pitchFamily="34" charset="-128"/>
+            </a:endParaRPr>
+          </a:p>
+          <a:p>
+            <a:endParaRPr lang="en-US" altLang="zh-TW" dirty="0">
+              <a:latin typeface="Adobe 黑体 Std R" panose="020B0400000000000000" pitchFamily="34" charset="-128"/>
+              <a:ea typeface="Adobe 黑体 Std R" panose="020B0400000000000000" pitchFamily="34" charset="-128"/>
+            </a:endParaRPr>
+          </a:p>
+          <a:p>
+            <a:r>
+              <a:rPr lang="zh-TW" altLang="en-US" dirty="0">
+                <a:latin typeface="Adobe 黑体 Std R" panose="020B0400000000000000" pitchFamily="34" charset="-128"/>
+                <a:ea typeface="Adobe 黑体 Std R" panose="020B0400000000000000" pitchFamily="34" charset="-128"/>
+              </a:rPr>
               <a:t>刪除</a:t>
             </a:r>
             <a:r>
-              <a:rPr lang="zh-TW" altLang="en-US" dirty="0" smtClean="0"/>
+              <a:rPr lang="zh-TW" altLang="en-US" dirty="0">
+                <a:latin typeface="Adobe 黑体 Std R" panose="020B0400000000000000" pitchFamily="34" charset="-128"/>
+                <a:ea typeface="Adobe 黑体 Std R" panose="020B0400000000000000" pitchFamily="34" charset="-128"/>
+              </a:rPr>
               <a:t>風向</a:t>
             </a:r>
-            <a:endParaRPr lang="en-US" altLang="zh-TW" dirty="0" smtClean="0"/>
-          </a:p>
-          <a:p>
-            <a:endParaRPr lang="en-US" altLang="zh-TW" dirty="0" smtClean="0"/>
-          </a:p>
-          <a:p>
-            <a:r>
-              <a:rPr lang="zh-TW" altLang="en-US" dirty="0" smtClean="0"/>
+            <a:endParaRPr lang="en-US" altLang="zh-TW" dirty="0">
+              <a:latin typeface="Adobe 黑体 Std R" panose="020B0400000000000000" pitchFamily="34" charset="-128"/>
+              <a:ea typeface="Adobe 黑体 Std R" panose="020B0400000000000000" pitchFamily="34" charset="-128"/>
+            </a:endParaRPr>
+          </a:p>
+          <a:p>
+            <a:endParaRPr lang="en-US" altLang="zh-TW" dirty="0">
+              <a:latin typeface="Adobe 黑体 Std R" panose="020B0400000000000000" pitchFamily="34" charset="-128"/>
+              <a:ea typeface="Adobe 黑体 Std R" panose="020B0400000000000000" pitchFamily="34" charset="-128"/>
+            </a:endParaRPr>
+          </a:p>
+          <a:p>
+            <a:r>
+              <a:rPr lang="zh-TW" altLang="en-US" dirty="0">
+                <a:latin typeface="Adobe 黑体 Std R" panose="020B0400000000000000" pitchFamily="34" charset="-128"/>
+                <a:ea typeface="Adobe 黑体 Std R" panose="020B0400000000000000" pitchFamily="34" charset="-128"/>
+              </a:rPr>
               <a:t>將</a:t>
             </a:r>
             <a:r>
-              <a:rPr lang="en-US" altLang="zh-TW" dirty="0" smtClean="0"/>
+              <a:rPr lang="en-US" altLang="zh-TW" dirty="0">
+                <a:latin typeface="Adobe 黑体 Std R" panose="020B0400000000000000" pitchFamily="34" charset="-128"/>
+                <a:ea typeface="Adobe 黑体 Std R" panose="020B0400000000000000" pitchFamily="34" charset="-128"/>
+              </a:rPr>
               <a:t>Yes/No</a:t>
             </a:r>
             <a:r>
-              <a:rPr lang="zh-TW" altLang="en-US" dirty="0" smtClean="0"/>
+              <a:rPr lang="zh-TW" altLang="en-US" dirty="0">
+                <a:latin typeface="Adobe 黑体 Std R" panose="020B0400000000000000" pitchFamily="34" charset="-128"/>
+                <a:ea typeface="Adobe 黑体 Std R" panose="020B0400000000000000" pitchFamily="34" charset="-128"/>
+              </a:rPr>
               <a:t>轉換為</a:t>
             </a:r>
             <a:r>
-              <a:rPr lang="en-US" altLang="zh-TW" dirty="0" smtClean="0"/>
+              <a:rPr lang="en-US" altLang="zh-TW" dirty="0">
+                <a:latin typeface="Adobe 黑体 Std R" panose="020B0400000000000000" pitchFamily="34" charset="-128"/>
+                <a:ea typeface="Adobe 黑体 Std R" panose="020B0400000000000000" pitchFamily="34" charset="-128"/>
+              </a:rPr>
               <a:t>1/0</a:t>
             </a:r>
           </a:p>
           <a:p>
-            <a:endParaRPr lang="zh-TW" altLang="en-US" dirty="0"/>
+            <a:endParaRPr lang="zh-TW" altLang="en-US" dirty="0">
+              <a:latin typeface="Adobe 黑体 Std R" panose="020B0400000000000000" pitchFamily="34" charset="-128"/>
+              <a:ea typeface="Adobe 黑体 Std R" panose="020B0400000000000000" pitchFamily="34" charset="-128"/>
+            </a:endParaRPr>
           </a:p>
         </p:txBody>
       </p:sp>
@@ -8146,10 +10441,16 @@
           <a:lstStyle/>
           <a:p>
             <a:r>
-              <a:rPr lang="en-US" altLang="zh-TW" dirty="0" smtClean="0"/>
+              <a:rPr lang="en-US" altLang="zh-TW" dirty="0" smtClean="0">
+                <a:latin typeface="Adobe 繁黑體 Std B" panose="020B0700000000000000" pitchFamily="34" charset="-120"/>
+                <a:ea typeface="Adobe 繁黑體 Std B" panose="020B0700000000000000" pitchFamily="34" charset="-120"/>
+              </a:rPr>
               <a:t>Code</a:t>
             </a:r>
-            <a:endParaRPr lang="zh-TW" altLang="en-US" dirty="0"/>
+            <a:endParaRPr lang="zh-TW" altLang="en-US" dirty="0">
+              <a:latin typeface="Adobe 繁黑體 Std B" panose="020B0700000000000000" pitchFamily="34" charset="-120"/>
+              <a:ea typeface="Adobe 繁黑體 Std B" panose="020B0700000000000000" pitchFamily="34" charset="-120"/>
+            </a:endParaRPr>
           </a:p>
         </p:txBody>
       </p:sp>
@@ -8491,14 +10792,23 @@
           <a:lstStyle/>
           <a:p>
             <a:r>
-              <a:rPr lang="zh-TW" altLang="en-US" dirty="0"/>
+              <a:rPr lang="zh-TW" altLang="en-US" dirty="0">
+                <a:latin typeface="Adobe 繁黑體 Std B" panose="020B0700000000000000" pitchFamily="34" charset="-120"/>
+                <a:ea typeface="Adobe 繁黑體 Std B" panose="020B0700000000000000" pitchFamily="34" charset="-120"/>
+              </a:rPr>
               <a:t>資料</a:t>
             </a:r>
             <a:r>
-              <a:rPr lang="zh-TW" altLang="en-US" dirty="0" smtClean="0"/>
+              <a:rPr lang="zh-TW" altLang="en-US" dirty="0" smtClean="0">
+                <a:latin typeface="Adobe 繁黑體 Std B" panose="020B0700000000000000" pitchFamily="34" charset="-120"/>
+                <a:ea typeface="Adobe 繁黑體 Std B" panose="020B0700000000000000" pitchFamily="34" charset="-120"/>
+              </a:rPr>
               <a:t>分配</a:t>
             </a:r>
-            <a:endParaRPr lang="zh-TW" altLang="en-US" dirty="0"/>
+            <a:endParaRPr lang="zh-TW" altLang="en-US" dirty="0">
+              <a:latin typeface="Adobe 繁黑體 Std B" panose="020B0700000000000000" pitchFamily="34" charset="-120"/>
+              <a:ea typeface="Adobe 繁黑體 Std B" panose="020B0700000000000000" pitchFamily="34" charset="-120"/>
+            </a:endParaRPr>
           </a:p>
         </p:txBody>
       </p:sp>
@@ -8514,41 +10824,67 @@
         </p:nvSpPr>
         <p:spPr/>
         <p:txBody>
-          <a:bodyPr/>
+          <a:bodyPr vert="horz" lIns="91440" tIns="45720" rIns="91440" bIns="45720" rtlCol="0">
+            <a:normAutofit/>
+          </a:bodyPr>
           <a:lstStyle/>
           <a:p>
             <a:r>
-              <a:rPr lang="en-US" altLang="zh-TW" dirty="0" smtClean="0"/>
+              <a:rPr lang="en-US" altLang="zh-TW" dirty="0">
+                <a:latin typeface="Adobe 黑体 Std R" panose="020B0400000000000000" pitchFamily="34" charset="-128"/>
+                <a:ea typeface="Adobe 黑体 Std R" panose="020B0400000000000000" pitchFamily="34" charset="-128"/>
+              </a:rPr>
               <a:t>(56420, 18)</a:t>
             </a:r>
           </a:p>
           <a:p>
-            <a:endParaRPr lang="en-US" altLang="zh-TW" dirty="0" smtClean="0"/>
-          </a:p>
-          <a:p>
-            <a:r>
-              <a:rPr lang="en-US" altLang="zh-TW" dirty="0" smtClean="0"/>
+            <a:endParaRPr lang="en-US" altLang="zh-TW" dirty="0">
+              <a:latin typeface="Adobe 黑体 Std R" panose="020B0400000000000000" pitchFamily="34" charset="-128"/>
+              <a:ea typeface="Adobe 黑体 Std R" panose="020B0400000000000000" pitchFamily="34" charset="-128"/>
+            </a:endParaRPr>
+          </a:p>
+          <a:p>
+            <a:r>
+              <a:rPr lang="en-US" altLang="zh-TW" dirty="0">
+                <a:latin typeface="Adobe 黑体 Std R" panose="020B0400000000000000" pitchFamily="34" charset="-128"/>
+                <a:ea typeface="Adobe 黑体 Std R" panose="020B0400000000000000" pitchFamily="34" charset="-128"/>
+              </a:rPr>
               <a:t>Train:55000</a:t>
             </a:r>
           </a:p>
           <a:p>
-            <a:endParaRPr lang="en-US" altLang="zh-TW" dirty="0" smtClean="0"/>
-          </a:p>
-          <a:p>
-            <a:r>
-              <a:rPr lang="en-US" altLang="zh-TW" dirty="0" smtClean="0"/>
+            <a:endParaRPr lang="en-US" altLang="zh-TW" dirty="0">
+              <a:latin typeface="Adobe 黑体 Std R" panose="020B0400000000000000" pitchFamily="34" charset="-128"/>
+              <a:ea typeface="Adobe 黑体 Std R" panose="020B0400000000000000" pitchFamily="34" charset="-128"/>
+            </a:endParaRPr>
+          </a:p>
+          <a:p>
+            <a:r>
+              <a:rPr lang="en-US" altLang="zh-TW" dirty="0">
+                <a:latin typeface="Adobe 黑体 Std R" panose="020B0400000000000000" pitchFamily="34" charset="-128"/>
+                <a:ea typeface="Adobe 黑体 Std R" panose="020B0400000000000000" pitchFamily="34" charset="-128"/>
+              </a:rPr>
               <a:t>Test:1420</a:t>
             </a:r>
           </a:p>
           <a:p>
-            <a:endParaRPr lang="en-US" altLang="zh-TW" dirty="0" smtClean="0"/>
-          </a:p>
-          <a:p>
-            <a:r>
-              <a:rPr lang="en-US" altLang="zh-TW" dirty="0" err="1" smtClean="0"/>
+            <a:endParaRPr lang="en-US" altLang="zh-TW" dirty="0">
+              <a:latin typeface="Adobe 黑体 Std R" panose="020B0400000000000000" pitchFamily="34" charset="-128"/>
+              <a:ea typeface="Adobe 黑体 Std R" panose="020B0400000000000000" pitchFamily="34" charset="-128"/>
+            </a:endParaRPr>
+          </a:p>
+          <a:p>
+            <a:r>
+              <a:rPr lang="en-US" altLang="zh-TW" dirty="0" err="1">
+                <a:latin typeface="Adobe 黑体 Std R" panose="020B0400000000000000" pitchFamily="34" charset="-128"/>
+                <a:ea typeface="Adobe 黑体 Std R" panose="020B0400000000000000" pitchFamily="34" charset="-128"/>
+              </a:rPr>
               <a:t>Result:RainTomorrow</a:t>
             </a:r>
-            <a:endParaRPr lang="zh-TW" altLang="en-US" dirty="0"/>
+            <a:endParaRPr lang="zh-TW" altLang="en-US" dirty="0">
+              <a:latin typeface="Adobe 黑体 Std R" panose="020B0400000000000000" pitchFamily="34" charset="-128"/>
+              <a:ea typeface="Adobe 黑体 Std R" panose="020B0400000000000000" pitchFamily="34" charset="-128"/>
+            </a:endParaRPr>
           </a:p>
         </p:txBody>
       </p:sp>
@@ -8598,10 +10934,16 @@
           <a:lstStyle/>
           <a:p>
             <a:r>
-              <a:rPr lang="en-US" altLang="zh-TW" dirty="0" smtClean="0"/>
+              <a:rPr lang="en-US" altLang="zh-TW" dirty="0" smtClean="0">
+                <a:latin typeface="Adobe 繁黑體 Std B" panose="020B0700000000000000" pitchFamily="34" charset="-120"/>
+                <a:ea typeface="Adobe 繁黑體 Std B" panose="020B0700000000000000" pitchFamily="34" charset="-120"/>
+              </a:rPr>
               <a:t>Code</a:t>
             </a:r>
-            <a:endParaRPr lang="zh-TW" altLang="en-US" dirty="0"/>
+            <a:endParaRPr lang="zh-TW" altLang="en-US" dirty="0">
+              <a:latin typeface="Adobe 繁黑體 Std B" panose="020B0700000000000000" pitchFamily="34" charset="-120"/>
+              <a:ea typeface="Adobe 繁黑體 Std B" panose="020B0700000000000000" pitchFamily="34" charset="-120"/>
+            </a:endParaRPr>
           </a:p>
         </p:txBody>
       </p:sp>
@@ -8713,10 +11055,16 @@
           <a:lstStyle/>
           <a:p>
             <a:r>
-              <a:rPr lang="zh-TW" altLang="en-US" dirty="0" smtClean="0"/>
+              <a:rPr lang="zh-TW" altLang="en-US" dirty="0" smtClean="0">
+                <a:latin typeface="Adobe 繁黑體 Std B" panose="020B0700000000000000" pitchFamily="34" charset="-120"/>
+                <a:ea typeface="Adobe 繁黑體 Std B" panose="020B0700000000000000" pitchFamily="34" charset="-120"/>
+              </a:rPr>
               <a:t>模型</a:t>
             </a:r>
-            <a:endParaRPr lang="zh-TW" altLang="en-US" dirty="0"/>
+            <a:endParaRPr lang="zh-TW" altLang="en-US" dirty="0">
+              <a:latin typeface="Adobe 繁黑體 Std B" panose="020B0700000000000000" pitchFamily="34" charset="-120"/>
+              <a:ea typeface="Adobe 繁黑體 Std B" panose="020B0700000000000000" pitchFamily="34" charset="-120"/>
+            </a:endParaRPr>
           </a:p>
         </p:txBody>
       </p:sp>
@@ -8732,71 +11080,61 @@
         </p:nvSpPr>
         <p:spPr/>
         <p:txBody>
-          <a:bodyPr/>
+          <a:bodyPr vert="horz" lIns="91440" tIns="45720" rIns="91440" bIns="45720" rtlCol="0">
+            <a:normAutofit/>
+          </a:bodyPr>
           <a:lstStyle/>
           <a:p>
             <a:r>
-              <a:rPr lang="en-US" altLang="zh-TW" dirty="0" smtClean="0"/>
+              <a:rPr lang="en-US" altLang="zh-TW" dirty="0">
+                <a:latin typeface="Adobe 黑体 Std R" panose="020B0400000000000000" pitchFamily="34" charset="-128"/>
+                <a:ea typeface="Adobe 黑体 Std R" panose="020B0400000000000000" pitchFamily="34" charset="-128"/>
+              </a:rPr>
               <a:t>Decision Tree</a:t>
             </a:r>
           </a:p>
           <a:p>
-            <a:endParaRPr lang="en-US" altLang="zh-TW" dirty="0"/>
-          </a:p>
-          <a:p>
-            <a:r>
-              <a:rPr lang="en-US" altLang="zh-TW" dirty="0" err="1" smtClean="0">
-                <a:effectLst/>
+            <a:endParaRPr lang="en-US" altLang="zh-TW" dirty="0">
+              <a:latin typeface="Adobe 黑体 Std R" panose="020B0400000000000000" pitchFamily="34" charset="-128"/>
+              <a:ea typeface="Adobe 黑体 Std R" panose="020B0400000000000000" pitchFamily="34" charset="-128"/>
+            </a:endParaRPr>
+          </a:p>
+          <a:p>
+            <a:r>
+              <a:rPr lang="en-US" altLang="zh-TW" smtClean="0">
+                <a:latin typeface="Adobe 黑体 Std R" panose="020B0400000000000000" pitchFamily="34" charset="-128"/>
+                <a:ea typeface="Adobe 黑体 Std R" panose="020B0400000000000000" pitchFamily="34" charset="-128"/>
               </a:rPr>
-              <a:t>max_depth</a:t>
-            </a:r>
-            <a:r>
-              <a:rPr lang="en-US" altLang="zh-TW" dirty="0"/>
-              <a:t>=4</a:t>
-            </a:r>
-            <a:endParaRPr lang="zh-TW" altLang="en-US" dirty="0"/>
+              <a:t>max_depth=3</a:t>
+            </a:r>
+            <a:endParaRPr lang="zh-TW" altLang="en-US" dirty="0">
+              <a:latin typeface="Adobe 黑体 Std R" panose="020B0400000000000000" pitchFamily="34" charset="-128"/>
+              <a:ea typeface="Adobe 黑体 Std R" panose="020B0400000000000000" pitchFamily="34" charset="-128"/>
+            </a:endParaRPr>
           </a:p>
         </p:txBody>
       </p:sp>
       <p:pic>
         <p:nvPicPr>
-          <p:cNvPr id="4" name="Picture 2" descr="C:\Users\user\Desktop\擷取.JPG"/>
+          <p:cNvPr id="5" name="圖片 4"/>
           <p:cNvPicPr>
-            <a:picLocks noChangeAspect="1" noChangeArrowheads="1"/>
+            <a:picLocks noChangeAspect="1"/>
           </p:cNvPicPr>
           <p:nvPr/>
         </p:nvPicPr>
-        <p:blipFill>
-          <a:blip r:embed="rId2">
-            <a:extLst>
-              <a:ext uri="{28A0092B-C50C-407E-A947-70E740481C1C}">
-                <a14:useLocalDpi xmlns:a14="http://schemas.microsoft.com/office/drawing/2010/main" val="0"/>
-              </a:ext>
-            </a:extLst>
-          </a:blip>
-          <a:srcRect/>
-          <a:stretch>
-            <a:fillRect/>
-          </a:stretch>
+        <p:blipFill rotWithShape="1">
+          <a:blip r:embed="rId2"/>
+          <a:srcRect l="3538" t="44400" r="76381" b="37400"/>
+          <a:stretch/>
         </p:blipFill>
-        <p:spPr bwMode="auto">
+        <p:spPr>
           <a:xfrm>
-            <a:off x="2267743" y="3501008"/>
-            <a:ext cx="6376565" cy="2736304"/>
+            <a:off x="2339752" y="3429000"/>
+            <a:ext cx="6234006" cy="3178121"/>
           </a:xfrm>
           <a:prstGeom prst="rect">
             <a:avLst/>
           </a:prstGeom>
-          <a:noFill/>
-          <a:extLst>
-            <a:ext uri="{909E8E84-426E-40DD-AFC4-6F175D3DCCD1}">
-              <a14:hiddenFill xmlns:a14="http://schemas.microsoft.com/office/drawing/2010/main">
-                <a:solidFill>
-                  <a:srgbClr val="FFFFFF"/>
-                </a:solidFill>
-              </a14:hiddenFill>
-            </a:ext>
-          </a:extLst>
         </p:spPr>
       </p:pic>
     </p:spTree>
@@ -9095,4 +11433,265 @@
   <a:objectDefaults/>
   <a:extraClrSchemeLst/>
 </a:theme>
+</file>
+
+<file path=ppt/theme/theme2.xml><?xml version="1.0" encoding="utf-8"?>
+<a:theme xmlns:a="http://schemas.openxmlformats.org/drawingml/2006/main" name="Office 佈景主題">
+  <a:themeElements>
+    <a:clrScheme name="Office">
+      <a:dk1>
+        <a:sysClr val="windowText" lastClr="000000"/>
+      </a:dk1>
+      <a:lt1>
+        <a:sysClr val="window" lastClr="FFFFFF"/>
+      </a:lt1>
+      <a:dk2>
+        <a:srgbClr val="44546A"/>
+      </a:dk2>
+      <a:lt2>
+        <a:srgbClr val="E7E6E6"/>
+      </a:lt2>
+      <a:accent1>
+        <a:srgbClr val="5B9BD5"/>
+      </a:accent1>
+      <a:accent2>
+        <a:srgbClr val="ED7D31"/>
+      </a:accent2>
+      <a:accent3>
+        <a:srgbClr val="A5A5A5"/>
+      </a:accent3>
+      <a:accent4>
+        <a:srgbClr val="FFC000"/>
+      </a:accent4>
+      <a:accent5>
+        <a:srgbClr val="4472C4"/>
+      </a:accent5>
+      <a:accent6>
+        <a:srgbClr val="70AD47"/>
+      </a:accent6>
+      <a:hlink>
+        <a:srgbClr val="0563C1"/>
+      </a:hlink>
+      <a:folHlink>
+        <a:srgbClr val="954F72"/>
+      </a:folHlink>
+    </a:clrScheme>
+    <a:fontScheme name="Office">
+      <a:majorFont>
+        <a:latin typeface="Calibri Light" panose="020F0302020204030204"/>
+        <a:ea typeface=""/>
+        <a:cs typeface=""/>
+        <a:font script="Jpan" typeface="游ゴシック Light"/>
+        <a:font script="Hang" typeface="맑은 고딕"/>
+        <a:font script="Hans" typeface="等线 Light"/>
+        <a:font script="Hant" typeface="新細明體"/>
+        <a:font script="Arab" typeface="Times New Roman"/>
+        <a:font script="Hebr" typeface="Times New Roman"/>
+        <a:font script="Thai" typeface="Angsana New"/>
+        <a:font script="Ethi" typeface="Nyala"/>
+        <a:font script="Beng" typeface="Vrinda"/>
+        <a:font script="Gujr" typeface="Shruti"/>
+        <a:font script="Khmr" typeface="MoolBoran"/>
+        <a:font script="Knda" typeface="Tunga"/>
+        <a:font script="Guru" typeface="Raavi"/>
+        <a:font script="Cans" typeface="Euphemia"/>
+        <a:font script="Cher" typeface="Plantagenet Cherokee"/>
+        <a:font script="Yiii" typeface="Microsoft Yi Baiti"/>
+        <a:font script="Tibt" typeface="Microsoft Himalaya"/>
+        <a:font script="Thaa" typeface="MV Boli"/>
+        <a:font script="Deva" typeface="Mangal"/>
+        <a:font script="Telu" typeface="Gautami"/>
+        <a:font script="Taml" typeface="Latha"/>
+        <a:font script="Syrc" typeface="Estrangelo Edessa"/>
+        <a:font script="Orya" typeface="Kalinga"/>
+        <a:font script="Mlym" typeface="Kartika"/>
+        <a:font script="Laoo" typeface="DokChampa"/>
+        <a:font script="Sinh" typeface="Iskoola Pota"/>
+        <a:font script="Mong" typeface="Mongolian Baiti"/>
+        <a:font script="Viet" typeface="Times New Roman"/>
+        <a:font script="Uigh" typeface="Microsoft Uighur"/>
+        <a:font script="Geor" typeface="Sylfaen"/>
+      </a:majorFont>
+      <a:minorFont>
+        <a:latin typeface="Calibri" panose="020F0502020204030204"/>
+        <a:ea typeface=""/>
+        <a:cs typeface=""/>
+        <a:font script="Jpan" typeface="游ゴシック"/>
+        <a:font script="Hang" typeface="맑은 고딕"/>
+        <a:font script="Hans" typeface="等线"/>
+        <a:font script="Hant" typeface="新細明體"/>
+        <a:font script="Arab" typeface="Arial"/>
+        <a:font script="Hebr" typeface="Arial"/>
+        <a:font script="Thai" typeface="Cordia New"/>
+        <a:font script="Ethi" typeface="Nyala"/>
+        <a:font script="Beng" typeface="Vrinda"/>
+        <a:font script="Gujr" typeface="Shruti"/>
+        <a:font script="Khmr" typeface="DaunPenh"/>
+        <a:font script="Knda" typeface="Tunga"/>
+        <a:font script="Guru" typeface="Raavi"/>
+        <a:font script="Cans" typeface="Euphemia"/>
+        <a:font script="Cher" typeface="Plantagenet Cherokee"/>
+        <a:font script="Yiii" typeface="Microsoft Yi Baiti"/>
+        <a:font script="Tibt" typeface="Microsoft Himalaya"/>
+        <a:font script="Thaa" typeface="MV Boli"/>
+        <a:font script="Deva" typeface="Mangal"/>
+        <a:font script="Telu" typeface="Gautami"/>
+        <a:font script="Taml" typeface="Latha"/>
+        <a:font script="Syrc" typeface="Estrangelo Edessa"/>
+        <a:font script="Orya" typeface="Kalinga"/>
+        <a:font script="Mlym" typeface="Kartika"/>
+        <a:font script="Laoo" typeface="DokChampa"/>
+        <a:font script="Sinh" typeface="Iskoola Pota"/>
+        <a:font script="Mong" typeface="Mongolian Baiti"/>
+        <a:font script="Viet" typeface="Arial"/>
+        <a:font script="Uigh" typeface="Microsoft Uighur"/>
+        <a:font script="Geor" typeface="Sylfaen"/>
+      </a:minorFont>
+    </a:fontScheme>
+    <a:fmtScheme name="Office">
+      <a:fillStyleLst>
+        <a:solidFill>
+          <a:schemeClr val="phClr"/>
+        </a:solidFill>
+        <a:gradFill rotWithShape="1">
+          <a:gsLst>
+            <a:gs pos="0">
+              <a:schemeClr val="phClr">
+                <a:lumMod val="110000"/>
+                <a:satMod val="105000"/>
+                <a:tint val="67000"/>
+              </a:schemeClr>
+            </a:gs>
+            <a:gs pos="50000">
+              <a:schemeClr val="phClr">
+                <a:lumMod val="105000"/>
+                <a:satMod val="103000"/>
+                <a:tint val="73000"/>
+              </a:schemeClr>
+            </a:gs>
+            <a:gs pos="100000">
+              <a:schemeClr val="phClr">
+                <a:lumMod val="105000"/>
+                <a:satMod val="109000"/>
+                <a:tint val="81000"/>
+              </a:schemeClr>
+            </a:gs>
+          </a:gsLst>
+          <a:lin ang="5400000" scaled="0"/>
+        </a:gradFill>
+        <a:gradFill rotWithShape="1">
+          <a:gsLst>
+            <a:gs pos="0">
+              <a:schemeClr val="phClr">
+                <a:satMod val="103000"/>
+                <a:lumMod val="102000"/>
+                <a:tint val="94000"/>
+              </a:schemeClr>
+            </a:gs>
+            <a:gs pos="50000">
+              <a:schemeClr val="phClr">
+                <a:satMod val="110000"/>
+                <a:lumMod val="100000"/>
+                <a:shade val="100000"/>
+              </a:schemeClr>
+            </a:gs>
+            <a:gs pos="100000">
+              <a:schemeClr val="phClr">
+                <a:lumMod val="99000"/>
+                <a:satMod val="120000"/>
+                <a:shade val="78000"/>
+              </a:schemeClr>
+            </a:gs>
+          </a:gsLst>
+          <a:lin ang="5400000" scaled="0"/>
+        </a:gradFill>
+      </a:fillStyleLst>
+      <a:lnStyleLst>
+        <a:ln w="6350" cap="flat" cmpd="sng" algn="ctr">
+          <a:solidFill>
+            <a:schemeClr val="phClr"/>
+          </a:solidFill>
+          <a:prstDash val="solid"/>
+          <a:miter lim="800000"/>
+        </a:ln>
+        <a:ln w="12700" cap="flat" cmpd="sng" algn="ctr">
+          <a:solidFill>
+            <a:schemeClr val="phClr"/>
+          </a:solidFill>
+          <a:prstDash val="solid"/>
+          <a:miter lim="800000"/>
+        </a:ln>
+        <a:ln w="19050" cap="flat" cmpd="sng" algn="ctr">
+          <a:solidFill>
+            <a:schemeClr val="phClr"/>
+          </a:solidFill>
+          <a:prstDash val="solid"/>
+          <a:miter lim="800000"/>
+        </a:ln>
+      </a:lnStyleLst>
+      <a:effectStyleLst>
+        <a:effectStyle>
+          <a:effectLst/>
+        </a:effectStyle>
+        <a:effectStyle>
+          <a:effectLst/>
+        </a:effectStyle>
+        <a:effectStyle>
+          <a:effectLst>
+            <a:outerShdw blurRad="57150" dist="19050" dir="5400000" algn="ctr" rotWithShape="0">
+              <a:srgbClr val="000000">
+                <a:alpha val="63000"/>
+              </a:srgbClr>
+            </a:outerShdw>
+          </a:effectLst>
+        </a:effectStyle>
+      </a:effectStyleLst>
+      <a:bgFillStyleLst>
+        <a:solidFill>
+          <a:schemeClr val="phClr"/>
+        </a:solidFill>
+        <a:solidFill>
+          <a:schemeClr val="phClr">
+            <a:tint val="95000"/>
+            <a:satMod val="170000"/>
+          </a:schemeClr>
+        </a:solidFill>
+        <a:gradFill rotWithShape="1">
+          <a:gsLst>
+            <a:gs pos="0">
+              <a:schemeClr val="phClr">
+                <a:tint val="93000"/>
+                <a:satMod val="150000"/>
+                <a:shade val="98000"/>
+                <a:lumMod val="102000"/>
+              </a:schemeClr>
+            </a:gs>
+            <a:gs pos="50000">
+              <a:schemeClr val="phClr">
+                <a:tint val="98000"/>
+                <a:satMod val="130000"/>
+                <a:shade val="90000"/>
+                <a:lumMod val="103000"/>
+              </a:schemeClr>
+            </a:gs>
+            <a:gs pos="100000">
+              <a:schemeClr val="phClr">
+                <a:shade val="63000"/>
+                <a:satMod val="120000"/>
+              </a:schemeClr>
+            </a:gs>
+          </a:gsLst>
+          <a:lin ang="5400000" scaled="0"/>
+        </a:gradFill>
+      </a:bgFillStyleLst>
+    </a:fmtScheme>
+  </a:themeElements>
+  <a:objectDefaults/>
+  <a:extraClrSchemeLst/>
+  <a:extLst>
+    <a:ext uri="{05A4C25C-085E-4340-85A3-A5531E510DB2}">
+      <thm15:themeFamily xmlns:thm15="http://schemas.microsoft.com/office/thememl/2012/main" name="Office Theme" id="{62F939B6-93AF-4DB8-9C6B-D6C7DFDC589F}" vid="{4A3C46E8-61CC-4603-A589-7422A47A8E4A}"/>
+    </a:ext>
+  </a:extLst>
+</a:theme>
 </file>
--- a/Predict-rain-tomorrow-in-Australia.pptx
+++ b/Predict-rain-tomorrow-in-Australia.pptx
@@ -7280,6 +7280,13 @@
   <p:clrMapOvr>
     <a:masterClrMapping/>
   </p:clrMapOvr>
+  <p:timing>
+    <p:tnLst>
+      <p:par>
+        <p:cTn id="1" dur="indefinite" restart="never" nodeType="tmRoot"/>
+      </p:par>
+    </p:tnLst>
+  </p:timing>
 </p:sld>
 </file>
 
@@ -7345,27 +7352,78 @@
           <a:lstStyle/>
           <a:p>
             <a:r>
-              <a:rPr lang="en-US" altLang="zh-TW" dirty="0">
+              <a:rPr lang="en-US" altLang="zh-TW" sz="2400" dirty="0">
                 <a:latin typeface="Adobe 黑体 Std R" panose="020B0400000000000000" pitchFamily="34" charset="-128"/>
                 <a:ea typeface="Adobe 黑体 Std R" panose="020B0400000000000000" pitchFamily="34" charset="-128"/>
                 <a:hlinkClick r:id="rId2"/>
               </a:rPr>
               <a:t>https://www.kaggle.com/a82484728/final-project-rain</a:t>
             </a:r>
-            <a:endParaRPr lang="en-US" altLang="zh-TW" dirty="0">
+            <a:endParaRPr lang="en-US" altLang="zh-TW" sz="2400" dirty="0">
               <a:latin typeface="Adobe 黑体 Std R" panose="020B0400000000000000" pitchFamily="34" charset="-128"/>
               <a:ea typeface="Adobe 黑体 Std R" panose="020B0400000000000000" pitchFamily="34" charset="-128"/>
             </a:endParaRPr>
           </a:p>
           <a:p>
             <a:r>
-              <a:rPr lang="en-US" altLang="zh-TW">
+              <a:rPr lang="zh-TW" altLang="en-US" sz="2400">
                 <a:latin typeface="Adobe 黑体 Std R" panose="020B0400000000000000" pitchFamily="34" charset="-128"/>
                 <a:ea typeface="Adobe 黑体 Std R" panose="020B0400000000000000" pitchFamily="34" charset="-128"/>
               </a:rPr>
-              <a:t>accuracy_score:0.836</a:t>
-            </a:r>
-            <a:endParaRPr lang="zh-TW" altLang="en-US" dirty="0">
+              <a:t>訓練資料正確率</a:t>
+            </a:r>
+            <a:r>
+              <a:rPr lang="en-US" altLang="zh-TW" sz="2400">
+                <a:latin typeface="Adobe 黑体 Std R" panose="020B0400000000000000" pitchFamily="34" charset="-128"/>
+                <a:ea typeface="Adobe 黑体 Std R" panose="020B0400000000000000" pitchFamily="34" charset="-128"/>
+              </a:rPr>
+              <a:t>:</a:t>
+            </a:r>
+            <a:r>
+              <a:rPr lang="zh-TW" altLang="en-US" sz="2400">
+                <a:latin typeface="Adobe 黑体 Std R" panose="020B0400000000000000" pitchFamily="34" charset="-128"/>
+                <a:ea typeface="Adobe 黑体 Std R" panose="020B0400000000000000" pitchFamily="34" charset="-128"/>
+              </a:rPr>
+              <a:t> </a:t>
+            </a:r>
+            <a:r>
+              <a:rPr lang="en-US" altLang="zh-TW" sz="2400">
+                <a:latin typeface="Adobe 黑体 Std R" panose="020B0400000000000000" pitchFamily="34" charset="-128"/>
+                <a:ea typeface="Adobe 黑体 Std R" panose="020B0400000000000000" pitchFamily="34" charset="-128"/>
+              </a:rPr>
+              <a:t>0.837</a:t>
+            </a:r>
+          </a:p>
+          <a:p>
+            <a:r>
+              <a:rPr lang="zh-TW" altLang="en-US" sz="2400">
+                <a:latin typeface="Adobe 黑体 Std R" panose="020B0400000000000000" pitchFamily="34" charset="-128"/>
+                <a:ea typeface="Adobe 黑体 Std R" panose="020B0400000000000000" pitchFamily="34" charset="-128"/>
+              </a:rPr>
+              <a:t>測試資料正確率</a:t>
+            </a:r>
+            <a:r>
+              <a:rPr lang="en-US" altLang="zh-TW" sz="2400">
+                <a:latin typeface="Adobe 黑体 Std R" panose="020B0400000000000000" pitchFamily="34" charset="-128"/>
+                <a:ea typeface="Adobe 黑体 Std R" panose="020B0400000000000000" pitchFamily="34" charset="-128"/>
+              </a:rPr>
+              <a:t>:</a:t>
+            </a:r>
+            <a:r>
+              <a:rPr lang="zh-TW" altLang="en-US" sz="2400">
+                <a:latin typeface="Adobe 黑体 Std R" panose="020B0400000000000000" pitchFamily="34" charset="-128"/>
+                <a:ea typeface="Adobe 黑体 Std R" panose="020B0400000000000000" pitchFamily="34" charset="-128"/>
+              </a:rPr>
+              <a:t> </a:t>
+            </a:r>
+            <a:r>
+              <a:rPr lang="en-US" altLang="zh-TW" sz="2400">
+                <a:latin typeface="Adobe 黑体 Std R" panose="020B0400000000000000" pitchFamily="34" charset="-128"/>
+                <a:ea typeface="Adobe 黑体 Std R" panose="020B0400000000000000" pitchFamily="34" charset="-128"/>
+              </a:rPr>
+              <a:t>0.836</a:t>
+            </a:r>
+            <a:endParaRPr lang="zh-TW" altLang="en-US" sz="2400" dirty="0">
               <a:latin typeface="Adobe 黑体 Std R" panose="020B0400000000000000" pitchFamily="34" charset="-128"/>
               <a:ea typeface="Adobe 黑体 Std R" panose="020B0400000000000000" pitchFamily="34" charset="-128"/>
             </a:endParaRPr>
@@ -7395,7 +7453,7 @@
         </p:blipFill>
         <p:spPr bwMode="auto">
           <a:xfrm>
-            <a:off x="860682" y="3212976"/>
+            <a:off x="926238" y="3356992"/>
             <a:ext cx="4403536" cy="664140"/>
           </a:xfrm>
           <a:prstGeom prst="rect">
@@ -7436,7 +7494,7 @@
         </p:blipFill>
         <p:spPr bwMode="auto">
           <a:xfrm>
-            <a:off x="834036" y="3717032"/>
+            <a:off x="899592" y="3861048"/>
             <a:ext cx="5529679" cy="1328278"/>
           </a:xfrm>
           <a:prstGeom prst="rect">
@@ -7477,7 +7535,7 @@
         </p:blipFill>
         <p:spPr bwMode="auto">
           <a:xfrm>
-            <a:off x="825090" y="5045310"/>
+            <a:off x="926238" y="5142660"/>
             <a:ext cx="6468138" cy="1270527"/>
           </a:xfrm>
           <a:prstGeom prst="rect">
@@ -7706,10 +7764,6 @@
               </a:rPr>
               <a:t>改變深度</a:t>
             </a:r>
-            <a:endParaRPr lang="zh-TW" altLang="en-US" dirty="0">
-              <a:latin typeface="Adobe 繁黑體 Std B" panose="020B0700000000000000" pitchFamily="34" charset="-120"/>
-              <a:ea typeface="Adobe 繁黑體 Std B" panose="020B0700000000000000" pitchFamily="34" charset="-120"/>
-            </a:endParaRPr>
           </a:p>
         </p:txBody>
       </p:sp>
@@ -7731,27 +7785,27 @@
           <a:lstStyle/>
           <a:p>
             <a:r>
-              <a:rPr lang="en-US" altLang="zh-TW" dirty="0">
+              <a:rPr lang="en-US" altLang="zh-TW" sz="2400" dirty="0">
                 <a:latin typeface="Adobe 黑体 Std R" panose="020B0400000000000000" pitchFamily="34" charset="-128"/>
                 <a:ea typeface="Adobe 黑体 Std R" panose="020B0400000000000000" pitchFamily="34" charset="-128"/>
               </a:rPr>
               <a:t>Depth=2</a:t>
             </a:r>
             <a:r>
-              <a:rPr lang="zh-TW" altLang="en-US" dirty="0">
+              <a:rPr lang="zh-TW" altLang="en-US" sz="2400" dirty="0">
                 <a:latin typeface="Adobe 黑体 Std R" panose="020B0400000000000000" pitchFamily="34" charset="-128"/>
                 <a:ea typeface="Adobe 黑体 Std R" panose="020B0400000000000000" pitchFamily="34" charset="-128"/>
               </a:rPr>
               <a:t>～</a:t>
             </a:r>
             <a:r>
-              <a:rPr lang="en-US" altLang="zh-TW" dirty="0">
+              <a:rPr lang="en-US" altLang="zh-TW" sz="2400" dirty="0">
                 <a:latin typeface="Adobe 黑体 Std R" panose="020B0400000000000000" pitchFamily="34" charset="-128"/>
                 <a:ea typeface="Adobe 黑体 Std R" panose="020B0400000000000000" pitchFamily="34" charset="-128"/>
               </a:rPr>
               <a:t>12</a:t>
             </a:r>
-            <a:endParaRPr lang="zh-TW" altLang="en-US" dirty="0">
+            <a:endParaRPr lang="zh-TW" altLang="en-US" sz="2400" dirty="0">
               <a:latin typeface="Adobe 黑体 Std R" panose="020B0400000000000000" pitchFamily="34" charset="-128"/>
               <a:ea typeface="Adobe 黑体 Std R" panose="020B0400000000000000" pitchFamily="34" charset="-128"/>
             </a:endParaRPr>
@@ -7860,10 +7914,6 @@
               </a:rPr>
               <a:t>結果</a:t>
             </a:r>
-            <a:endParaRPr lang="zh-TW" altLang="en-US" dirty="0">
-              <a:latin typeface="Adobe 繁黑體 Std B" panose="020B0700000000000000" pitchFamily="34" charset="-120"/>
-              <a:ea typeface="Adobe 繁黑體 Std B" panose="020B0700000000000000" pitchFamily="34" charset="-120"/>
-            </a:endParaRPr>
           </a:p>
         </p:txBody>
       </p:sp>
@@ -7885,20 +7935,20 @@
           <a:lstStyle/>
           <a:p>
             <a:r>
-              <a:rPr lang="en-US" altLang="zh-TW" dirty="0" err="1">
+              <a:rPr lang="en-US" altLang="zh-TW" sz="2400" dirty="0" err="1">
                 <a:latin typeface="Adobe 黑体 Std R" panose="020B0400000000000000" pitchFamily="34" charset="-128"/>
                 <a:ea typeface="Adobe 黑体 Std R" panose="020B0400000000000000" pitchFamily="34" charset="-128"/>
               </a:rPr>
               <a:t>accuracy_score</a:t>
             </a:r>
             <a:r>
-              <a:rPr lang="en-US" altLang="zh-TW" dirty="0">
+              <a:rPr lang="en-US" altLang="zh-TW" sz="2400" dirty="0">
                 <a:latin typeface="Adobe 黑体 Std R" panose="020B0400000000000000" pitchFamily="34" charset="-128"/>
                 <a:ea typeface="Adobe 黑体 Std R" panose="020B0400000000000000" pitchFamily="34" charset="-128"/>
               </a:rPr>
               <a:t>:</a:t>
             </a:r>
-            <a:endParaRPr lang="zh-TW" altLang="en-US" dirty="0">
+            <a:endParaRPr lang="zh-TW" altLang="en-US" sz="2400" dirty="0">
               <a:latin typeface="Adobe 黑体 Std R" panose="020B0400000000000000" pitchFamily="34" charset="-128"/>
               <a:ea typeface="Adobe 黑体 Std R" panose="020B0400000000000000" pitchFamily="34" charset="-128"/>
             </a:endParaRPr>
@@ -9634,6 +9684,13 @@
   <p:clrMapOvr>
     <a:masterClrMapping/>
   </p:clrMapOvr>
+  <p:timing>
+    <p:tnLst>
+      <p:par>
+        <p:cTn id="1" dur="indefinite" restart="never" nodeType="tmRoot"/>
+      </p:par>
+    </p:tnLst>
+  </p:timing>
 </p:sld>
 </file>
 
@@ -9678,10 +9735,6 @@
               </a:rPr>
               <a:t>結果</a:t>
             </a:r>
-            <a:endParaRPr lang="zh-TW" altLang="en-US" dirty="0">
-              <a:latin typeface="Adobe 繁黑體 Std B" panose="020B0700000000000000" pitchFamily="34" charset="-120"/>
-              <a:ea typeface="Adobe 繁黑體 Std B" panose="020B0700000000000000" pitchFamily="34" charset="-120"/>
-            </a:endParaRPr>
           </a:p>
         </p:txBody>
       </p:sp>
@@ -9703,42 +9756,42 @@
           <a:lstStyle/>
           <a:p>
             <a:r>
-              <a:rPr lang="en-US" altLang="zh-TW">
+              <a:rPr lang="en-US" altLang="zh-TW" sz="2400">
                 <a:latin typeface="Adobe 黑体 Std R" panose="020B0400000000000000" pitchFamily="34" charset="-128"/>
                 <a:ea typeface="Adobe 黑体 Std R" panose="020B0400000000000000" pitchFamily="34" charset="-128"/>
               </a:rPr>
               <a:t> 3</a:t>
             </a:r>
             <a:r>
-              <a:rPr lang="zh-TW" altLang="en-US">
+              <a:rPr lang="zh-TW" altLang="en-US" sz="2400">
                 <a:latin typeface="Adobe 黑体 Std R" panose="020B0400000000000000" pitchFamily="34" charset="-128"/>
                 <a:ea typeface="Adobe 黑体 Std R" panose="020B0400000000000000" pitchFamily="34" charset="-128"/>
               </a:rPr>
               <a:t>層</a:t>
             </a:r>
             <a:r>
-              <a:rPr lang="zh-TW" altLang="en-US" dirty="0">
+              <a:rPr lang="zh-TW" altLang="en-US" sz="2400" dirty="0">
                 <a:latin typeface="Adobe 黑体 Std R" panose="020B0400000000000000" pitchFamily="34" charset="-128"/>
                 <a:ea typeface="Adobe 黑体 Std R" panose="020B0400000000000000" pitchFamily="34" charset="-128"/>
               </a:rPr>
               <a:t>的決策樹用來預測明天是否下雨，可以有</a:t>
             </a:r>
             <a:r>
-              <a:rPr lang="zh-TW" altLang="en-US">
+              <a:rPr lang="zh-TW" altLang="en-US" sz="2400">
                 <a:latin typeface="Adobe 黑体 Std R" panose="020B0400000000000000" pitchFamily="34" charset="-128"/>
                 <a:ea typeface="Adobe 黑体 Std R" panose="020B0400000000000000" pitchFamily="34" charset="-128"/>
               </a:rPr>
               <a:t>約</a:t>
             </a:r>
             <a:r>
-              <a:rPr lang="en-US" altLang="zh-TW">
+              <a:rPr lang="en-US" altLang="zh-TW" sz="2400">
                 <a:latin typeface="Adobe 黑体 Std R" panose="020B0400000000000000" pitchFamily="34" charset="-128"/>
                 <a:ea typeface="Adobe 黑体 Std R" panose="020B0400000000000000" pitchFamily="34" charset="-128"/>
               </a:rPr>
               <a:t>83.6%</a:t>
             </a:r>
             <a:r>
-              <a:rPr lang="zh-TW" altLang="en-US" dirty="0">
+              <a:rPr lang="zh-TW" altLang="en-US" sz="2400" dirty="0">
                 <a:latin typeface="Adobe 黑体 Std R" panose="020B0400000000000000" pitchFamily="34" charset="-128"/>
                 <a:ea typeface="Adobe 黑体 Std R" panose="020B0400000000000000" pitchFamily="34" charset="-128"/>
               </a:rPr>
@@ -9747,35 +9800,35 @@
           </a:p>
           <a:p>
             <a:r>
-              <a:rPr lang="en-US" altLang="zh-TW" dirty="0">
+              <a:rPr lang="en-US" altLang="zh-TW" sz="2400" dirty="0">
                 <a:latin typeface="Adobe 黑体 Std R" panose="020B0400000000000000" pitchFamily="34" charset="-128"/>
                 <a:ea typeface="Adobe 黑体 Std R" panose="020B0400000000000000" pitchFamily="34" charset="-128"/>
               </a:rPr>
               <a:t>7</a:t>
             </a:r>
             <a:r>
-              <a:rPr lang="zh-TW" altLang="en-US" dirty="0">
+              <a:rPr lang="zh-TW" altLang="en-US" sz="2400" dirty="0">
                 <a:latin typeface="Adobe 黑体 Std R" panose="020B0400000000000000" pitchFamily="34" charset="-128"/>
                 <a:ea typeface="Adobe 黑体 Std R" panose="020B0400000000000000" pitchFamily="34" charset="-128"/>
               </a:rPr>
               <a:t>層的決策樹用來預測明天是否下雨，可以有</a:t>
             </a:r>
             <a:r>
-              <a:rPr lang="zh-TW" altLang="en-US">
+              <a:rPr lang="zh-TW" altLang="en-US" sz="2400">
                 <a:latin typeface="Adobe 黑体 Std R" panose="020B0400000000000000" pitchFamily="34" charset="-128"/>
                 <a:ea typeface="Adobe 黑体 Std R" panose="020B0400000000000000" pitchFamily="34" charset="-128"/>
               </a:rPr>
               <a:t>約</a:t>
             </a:r>
             <a:r>
-              <a:rPr lang="en-US" altLang="zh-TW" smtClean="0">
+              <a:rPr lang="en-US" altLang="zh-TW" sz="2400">
                 <a:latin typeface="Adobe 黑体 Std R" panose="020B0400000000000000" pitchFamily="34" charset="-128"/>
                 <a:ea typeface="Adobe 黑体 Std R" panose="020B0400000000000000" pitchFamily="34" charset="-128"/>
               </a:rPr>
               <a:t>86.5%</a:t>
             </a:r>
             <a:r>
-              <a:rPr lang="zh-TW" altLang="en-US" dirty="0">
+              <a:rPr lang="zh-TW" altLang="en-US" sz="2400" dirty="0">
                 <a:latin typeface="Adobe 黑体 Std R" panose="020B0400000000000000" pitchFamily="34" charset="-128"/>
                 <a:ea typeface="Adobe 黑体 Std R" panose="020B0400000000000000" pitchFamily="34" charset="-128"/>
               </a:rPr>
@@ -9783,7 +9836,7 @@
             </a:r>
           </a:p>
           <a:p>
-            <a:endParaRPr lang="zh-TW" altLang="en-US" dirty="0">
+            <a:endParaRPr lang="zh-TW" altLang="en-US" sz="2400" dirty="0">
               <a:latin typeface="Adobe 黑体 Std R" panose="020B0400000000000000" pitchFamily="34" charset="-128"/>
               <a:ea typeface="Adobe 黑体 Std R" panose="020B0400000000000000" pitchFamily="34" charset="-128"/>
             </a:endParaRPr>
@@ -9800,6 +9853,13 @@
   <p:clrMapOvr>
     <a:masterClrMapping/>
   </p:clrMapOvr>
+  <p:timing>
+    <p:tnLst>
+      <p:par>
+        <p:cTn id="1" dur="indefinite" restart="never" nodeType="tmRoot"/>
+      </p:par>
+    </p:tnLst>
+  </p:timing>
 </p:sld>
 </file>
 
@@ -9844,10 +9904,6 @@
               </a:rPr>
               <a:t>後續工作</a:t>
             </a:r>
-            <a:endParaRPr lang="zh-TW" altLang="en-US" dirty="0">
-              <a:latin typeface="Adobe 繁黑體 Std B" panose="020B0700000000000000" pitchFamily="34" charset="-120"/>
-              <a:ea typeface="Adobe 繁黑體 Std B" panose="020B0700000000000000" pitchFamily="34" charset="-120"/>
-            </a:endParaRPr>
           </a:p>
         </p:txBody>
       </p:sp>
@@ -9863,18 +9919,20 @@
         </p:nvSpPr>
         <p:spPr/>
         <p:txBody>
-          <a:bodyPr/>
+          <a:bodyPr vert="horz" lIns="91440" tIns="45720" rIns="91440" bIns="45720" rtlCol="0">
+            <a:normAutofit/>
+          </a:bodyPr>
           <a:lstStyle/>
           <a:p>
             <a:r>
-              <a:rPr lang="zh-TW" altLang="en-US" dirty="0" smtClean="0">
+              <a:rPr lang="zh-TW" altLang="en-US" sz="2400" dirty="0">
                 <a:latin typeface="Adobe 黑体 Std R" panose="020B0400000000000000" pitchFamily="34" charset="-128"/>
                 <a:ea typeface="Adobe 黑体 Std R" panose="020B0400000000000000" pitchFamily="34" charset="-128"/>
               </a:rPr>
               <a:t>使用</a:t>
             </a:r>
             <a:r>
-              <a:rPr lang="en-US" altLang="zh-TW" dirty="0">
+              <a:rPr lang="en-US" altLang="zh-TW" sz="2400" dirty="0">
                 <a:latin typeface="Adobe 黑体 Std R" panose="020B0400000000000000" pitchFamily="34" charset="-128"/>
                 <a:ea typeface="Adobe 黑体 Std R" panose="020B0400000000000000" pitchFamily="34" charset="-128"/>
               </a:rPr>
@@ -9883,14 +9941,14 @@
           </a:p>
           <a:p>
             <a:r>
-              <a:rPr lang="zh-TW" altLang="en-US" dirty="0" smtClean="0">
+              <a:rPr lang="zh-TW" altLang="en-US" sz="2400" dirty="0">
                 <a:latin typeface="Adobe 黑体 Std R" panose="020B0400000000000000" pitchFamily="34" charset="-128"/>
                 <a:ea typeface="Adobe 黑体 Std R" panose="020B0400000000000000" pitchFamily="34" charset="-128"/>
               </a:rPr>
               <a:t>將</a:t>
             </a:r>
             <a:r>
-              <a:rPr lang="zh-TW" altLang="en-US" dirty="0">
+              <a:rPr lang="zh-TW" altLang="en-US" sz="2400" dirty="0">
                 <a:latin typeface="Adobe 黑体 Std R" panose="020B0400000000000000" pitchFamily="34" charset="-128"/>
                 <a:ea typeface="Adobe 黑体 Std R" panose="020B0400000000000000" pitchFamily="34" charset="-128"/>
               </a:rPr>
@@ -9899,28 +9957,28 @@
           </a:p>
           <a:p>
             <a:r>
-              <a:rPr lang="zh-TW" altLang="en-US" dirty="0" smtClean="0">
+              <a:rPr lang="zh-TW" altLang="en-US" sz="2400" dirty="0">
                 <a:latin typeface="Adobe 黑体 Std R" panose="020B0400000000000000" pitchFamily="34" charset="-128"/>
                 <a:ea typeface="Adobe 黑体 Std R" panose="020B0400000000000000" pitchFamily="34" charset="-128"/>
               </a:rPr>
               <a:t>可以</a:t>
             </a:r>
             <a:r>
-              <a:rPr lang="zh-TW" altLang="en-US" dirty="0">
+              <a:rPr lang="zh-TW" altLang="en-US" sz="2400" dirty="0">
                 <a:latin typeface="Adobe 黑体 Std R" panose="020B0400000000000000" pitchFamily="34" charset="-128"/>
                 <a:ea typeface="Adobe 黑体 Std R" panose="020B0400000000000000" pitchFamily="34" charset="-128"/>
               </a:rPr>
               <a:t>將</a:t>
             </a:r>
             <a:r>
-              <a:rPr lang="en-US" altLang="zh-TW" dirty="0">
+              <a:rPr lang="en-US" altLang="zh-TW" sz="2400" dirty="0">
                 <a:latin typeface="Adobe 黑体 Std R" panose="020B0400000000000000" pitchFamily="34" charset="-128"/>
                 <a:ea typeface="Adobe 黑体 Std R" panose="020B0400000000000000" pitchFamily="34" charset="-128"/>
               </a:rPr>
               <a:t>Location</a:t>
             </a:r>
             <a:r>
-              <a:rPr lang="zh-TW" altLang="en-US" dirty="0">
+              <a:rPr lang="zh-TW" altLang="en-US" sz="2400" dirty="0">
                 <a:latin typeface="Adobe 黑体 Std R" panose="020B0400000000000000" pitchFamily="34" charset="-128"/>
                 <a:ea typeface="Adobe 黑体 Std R" panose="020B0400000000000000" pitchFamily="34" charset="-128"/>
               </a:rPr>
@@ -9928,7 +9986,7 @@
             </a:r>
           </a:p>
           <a:p>
-            <a:endParaRPr lang="zh-TW" altLang="en-US" dirty="0">
+            <a:endParaRPr lang="zh-TW" altLang="en-US" sz="2400" dirty="0">
               <a:latin typeface="Adobe 黑体 Std R" panose="020B0400000000000000" pitchFamily="34" charset="-128"/>
               <a:ea typeface="Adobe 黑体 Std R" panose="020B0400000000000000" pitchFamily="34" charset="-128"/>
             </a:endParaRPr>
@@ -9945,6 +10003,13 @@
   <p:clrMapOvr>
     <a:masterClrMapping/>
   </p:clrMapOvr>
+  <p:timing>
+    <p:tnLst>
+      <p:par>
+        <p:cTn id="1" dur="indefinite" restart="never" nodeType="tmRoot"/>
+      </p:par>
+    </p:tnLst>
+  </p:timing>
 </p:sld>
 </file>
 
@@ -10013,21 +10078,21 @@
           <a:lstStyle/>
           <a:p>
             <a:r>
-              <a:rPr lang="en-US" altLang="zh-TW" dirty="0">
+              <a:rPr lang="en-US" altLang="zh-TW" sz="2400" dirty="0">
                 <a:latin typeface="Adobe 黑体 Std R" panose="020B0400000000000000" pitchFamily="34" charset="-128"/>
                 <a:ea typeface="Adobe 黑体 Std R" panose="020B0400000000000000" pitchFamily="34" charset="-128"/>
               </a:rPr>
               <a:t>2007</a:t>
             </a:r>
             <a:r>
-              <a:rPr lang="zh-TW" altLang="en-US" dirty="0">
+              <a:rPr lang="zh-TW" altLang="en-US" sz="2400" dirty="0">
                 <a:latin typeface="Adobe 黑体 Std R" panose="020B0400000000000000" pitchFamily="34" charset="-128"/>
                 <a:ea typeface="Adobe 黑体 Std R" panose="020B0400000000000000" pitchFamily="34" charset="-128"/>
               </a:rPr>
               <a:t>～</a:t>
             </a:r>
             <a:r>
-              <a:rPr lang="en-US" altLang="zh-TW" dirty="0">
+              <a:rPr lang="en-US" altLang="zh-TW" sz="2400" dirty="0">
                 <a:latin typeface="Adobe 黑体 Std R" panose="020B0400000000000000" pitchFamily="34" charset="-128"/>
                 <a:ea typeface="Adobe 黑体 Std R" panose="020B0400000000000000" pitchFamily="34" charset="-128"/>
               </a:rPr>
@@ -10035,27 +10100,27 @@
             </a:r>
           </a:p>
           <a:p>
-            <a:endParaRPr lang="en-US" altLang="zh-TW" dirty="0">
+            <a:endParaRPr lang="en-US" altLang="zh-TW" sz="2400" dirty="0">
               <a:latin typeface="Adobe 黑体 Std R" panose="020B0400000000000000" pitchFamily="34" charset="-128"/>
               <a:ea typeface="Adobe 黑体 Std R" panose="020B0400000000000000" pitchFamily="34" charset="-128"/>
             </a:endParaRPr>
           </a:p>
           <a:p>
             <a:r>
-              <a:rPr lang="en-US" altLang="zh-TW" dirty="0">
+              <a:rPr lang="en-US" altLang="zh-TW" sz="2400" dirty="0">
                 <a:latin typeface="Adobe 黑体 Std R" panose="020B0400000000000000" pitchFamily="34" charset="-128"/>
                 <a:ea typeface="Adobe 黑体 Std R" panose="020B0400000000000000" pitchFamily="34" charset="-128"/>
                 <a:hlinkClick r:id="rId2"/>
               </a:rPr>
               <a:t>https://www.kaggle.com/jsphyg/weather-dataset-rattle-package</a:t>
             </a:r>
-            <a:endParaRPr lang="zh-TW" altLang="en-US" dirty="0">
+            <a:endParaRPr lang="zh-TW" altLang="en-US" sz="2400" dirty="0">
               <a:latin typeface="Adobe 黑体 Std R" panose="020B0400000000000000" pitchFamily="34" charset="-128"/>
               <a:ea typeface="Adobe 黑体 Std R" panose="020B0400000000000000" pitchFamily="34" charset="-128"/>
             </a:endParaRPr>
           </a:p>
           <a:p>
-            <a:endParaRPr lang="zh-TW" altLang="en-US" dirty="0">
+            <a:endParaRPr lang="zh-TW" altLang="en-US" sz="2400" dirty="0">
               <a:latin typeface="Adobe 黑体 Std R" panose="020B0400000000000000" pitchFamily="34" charset="-128"/>
               <a:ea typeface="Adobe 黑体 Std R" panose="020B0400000000000000" pitchFamily="34" charset="-128"/>
             </a:endParaRPr>
@@ -10072,6 +10137,13 @@
   <p:clrMapOvr>
     <a:masterClrMapping/>
   </p:clrMapOvr>
+  <p:timing>
+    <p:tnLst>
+      <p:par>
+        <p:cTn id="1" dur="indefinite" restart="never" nodeType="tmRoot"/>
+      </p:par>
+    </p:tnLst>
+  </p:timing>
 </p:sld>
 </file>
 
@@ -10205,6 +10277,13 @@
   <p:clrMapOvr>
     <a:masterClrMapping/>
   </p:clrMapOvr>
+  <p:timing>
+    <p:tnLst>
+      <p:par>
+        <p:cTn id="1" dur="indefinite" restart="never" nodeType="tmRoot"/>
+      </p:par>
+    </p:tnLst>
+  </p:timing>
 </p:sld>
 </file>
 
@@ -10281,106 +10360,85 @@
           <a:lstStyle/>
           <a:p>
             <a:r>
-              <a:rPr lang="zh-TW" altLang="en-US" dirty="0">
+              <a:rPr lang="zh-TW" altLang="en-US" sz="2400" dirty="0">
                 <a:latin typeface="Adobe 黑体 Std R" panose="020B0400000000000000" pitchFamily="34" charset="-128"/>
                 <a:ea typeface="Adobe 黑体 Std R" panose="020B0400000000000000" pitchFamily="34" charset="-128"/>
               </a:rPr>
-              <a:t>刪除有缺失的</a:t>
-            </a:r>
-            <a:r>
-              <a:rPr lang="zh-TW" altLang="en-US" dirty="0">
+              <a:t>刪除有缺失的資料</a:t>
+            </a:r>
+            <a:endParaRPr lang="en-US" altLang="zh-TW" sz="2400" dirty="0">
+              <a:latin typeface="Adobe 黑体 Std R" panose="020B0400000000000000" pitchFamily="34" charset="-128"/>
+              <a:ea typeface="Adobe 黑体 Std R" panose="020B0400000000000000" pitchFamily="34" charset="-128"/>
+            </a:endParaRPr>
+          </a:p>
+          <a:p>
+            <a:endParaRPr lang="en-US" altLang="zh-TW" sz="2400" dirty="0">
+              <a:latin typeface="Adobe 黑体 Std R" panose="020B0400000000000000" pitchFamily="34" charset="-128"/>
+              <a:ea typeface="Adobe 黑体 Std R" panose="020B0400000000000000" pitchFamily="34" charset="-128"/>
+            </a:endParaRPr>
+          </a:p>
+          <a:p>
+            <a:r>
+              <a:rPr lang="zh-TW" altLang="en-US" sz="2400" dirty="0">
                 <a:latin typeface="Adobe 黑体 Std R" panose="020B0400000000000000" pitchFamily="34" charset="-128"/>
                 <a:ea typeface="Adobe 黑体 Std R" panose="020B0400000000000000" pitchFamily="34" charset="-128"/>
               </a:rPr>
-              <a:t>資料</a:t>
-            </a:r>
-            <a:endParaRPr lang="en-US" altLang="zh-TW" dirty="0">
+              <a:t>刪除不影響的因素</a:t>
+            </a:r>
+            <a:endParaRPr lang="en-US" altLang="zh-TW" sz="2400" dirty="0">
               <a:latin typeface="Adobe 黑体 Std R" panose="020B0400000000000000" pitchFamily="34" charset="-128"/>
               <a:ea typeface="Adobe 黑体 Std R" panose="020B0400000000000000" pitchFamily="34" charset="-128"/>
             </a:endParaRPr>
           </a:p>
           <a:p>
-            <a:endParaRPr lang="en-US" altLang="zh-TW" dirty="0">
+            <a:endParaRPr lang="en-US" altLang="zh-TW" sz="2400" dirty="0">
               <a:latin typeface="Adobe 黑体 Std R" panose="020B0400000000000000" pitchFamily="34" charset="-128"/>
               <a:ea typeface="Adobe 黑体 Std R" panose="020B0400000000000000" pitchFamily="34" charset="-128"/>
             </a:endParaRPr>
           </a:p>
           <a:p>
             <a:r>
-              <a:rPr lang="zh-TW" altLang="en-US" dirty="0">
+              <a:rPr lang="zh-TW" altLang="en-US" sz="2400" dirty="0">
                 <a:latin typeface="Adobe 黑体 Std R" panose="020B0400000000000000" pitchFamily="34" charset="-128"/>
                 <a:ea typeface="Adobe 黑体 Std R" panose="020B0400000000000000" pitchFamily="34" charset="-128"/>
               </a:rPr>
-              <a:t>刪除不影響</a:t>
-            </a:r>
-            <a:r>
-              <a:rPr lang="zh-TW" altLang="en-US" dirty="0">
-                <a:latin typeface="Adobe 黑体 Std R" panose="020B0400000000000000" pitchFamily="34" charset="-128"/>
-                <a:ea typeface="Adobe 黑体 Std R" panose="020B0400000000000000" pitchFamily="34" charset="-128"/>
-              </a:rPr>
-              <a:t>的因素</a:t>
-            </a:r>
-            <a:endParaRPr lang="en-US" altLang="zh-TW" dirty="0">
+              <a:t>刪除風向</a:t>
+            </a:r>
+            <a:endParaRPr lang="en-US" altLang="zh-TW" sz="2400" dirty="0">
               <a:latin typeface="Adobe 黑体 Std R" panose="020B0400000000000000" pitchFamily="34" charset="-128"/>
               <a:ea typeface="Adobe 黑体 Std R" panose="020B0400000000000000" pitchFamily="34" charset="-128"/>
             </a:endParaRPr>
           </a:p>
           <a:p>
-            <a:endParaRPr lang="en-US" altLang="zh-TW" dirty="0">
+            <a:endParaRPr lang="en-US" altLang="zh-TW" sz="2400" dirty="0">
               <a:latin typeface="Adobe 黑体 Std R" panose="020B0400000000000000" pitchFamily="34" charset="-128"/>
               <a:ea typeface="Adobe 黑体 Std R" panose="020B0400000000000000" pitchFamily="34" charset="-128"/>
             </a:endParaRPr>
           </a:p>
           <a:p>
             <a:r>
-              <a:rPr lang="zh-TW" altLang="en-US" dirty="0">
-                <a:latin typeface="Adobe 黑体 Std R" panose="020B0400000000000000" pitchFamily="34" charset="-128"/>
-                <a:ea typeface="Adobe 黑体 Std R" panose="020B0400000000000000" pitchFamily="34" charset="-128"/>
-              </a:rPr>
-              <a:t>刪除</a:t>
-            </a:r>
-            <a:r>
-              <a:rPr lang="zh-TW" altLang="en-US" dirty="0">
-                <a:latin typeface="Adobe 黑体 Std R" panose="020B0400000000000000" pitchFamily="34" charset="-128"/>
-                <a:ea typeface="Adobe 黑体 Std R" panose="020B0400000000000000" pitchFamily="34" charset="-128"/>
-              </a:rPr>
-              <a:t>風向</a:t>
-            </a:r>
-            <a:endParaRPr lang="en-US" altLang="zh-TW" dirty="0">
-              <a:latin typeface="Adobe 黑体 Std R" panose="020B0400000000000000" pitchFamily="34" charset="-128"/>
-              <a:ea typeface="Adobe 黑体 Std R" panose="020B0400000000000000" pitchFamily="34" charset="-128"/>
-            </a:endParaRPr>
-          </a:p>
-          <a:p>
-            <a:endParaRPr lang="en-US" altLang="zh-TW" dirty="0">
-              <a:latin typeface="Adobe 黑体 Std R" panose="020B0400000000000000" pitchFamily="34" charset="-128"/>
-              <a:ea typeface="Adobe 黑体 Std R" panose="020B0400000000000000" pitchFamily="34" charset="-128"/>
-            </a:endParaRPr>
-          </a:p>
-          <a:p>
-            <a:r>
-              <a:rPr lang="zh-TW" altLang="en-US" dirty="0">
+              <a:rPr lang="zh-TW" altLang="en-US" sz="2400" dirty="0">
                 <a:latin typeface="Adobe 黑体 Std R" panose="020B0400000000000000" pitchFamily="34" charset="-128"/>
                 <a:ea typeface="Adobe 黑体 Std R" panose="020B0400000000000000" pitchFamily="34" charset="-128"/>
               </a:rPr>
               <a:t>將</a:t>
             </a:r>
             <a:r>
-              <a:rPr lang="en-US" altLang="zh-TW" dirty="0">
+              <a:rPr lang="en-US" altLang="zh-TW" sz="2400" dirty="0">
                 <a:latin typeface="Adobe 黑体 Std R" panose="020B0400000000000000" pitchFamily="34" charset="-128"/>
                 <a:ea typeface="Adobe 黑体 Std R" panose="020B0400000000000000" pitchFamily="34" charset="-128"/>
               </a:rPr>
               <a:t>Yes/No</a:t>
             </a:r>
             <a:r>
-              <a:rPr lang="zh-TW" altLang="en-US" dirty="0">
+              <a:rPr lang="zh-TW" altLang="en-US" sz="2400" dirty="0">
                 <a:latin typeface="Adobe 黑体 Std R" panose="020B0400000000000000" pitchFamily="34" charset="-128"/>
                 <a:ea typeface="Adobe 黑体 Std R" panose="020B0400000000000000" pitchFamily="34" charset="-128"/>
               </a:rPr>
               <a:t>轉換為</a:t>
             </a:r>
             <a:r>
-              <a:rPr lang="en-US" altLang="zh-TW" dirty="0">
+              <a:rPr lang="en-US" altLang="zh-TW" sz="2400" dirty="0">
                 <a:latin typeface="Adobe 黑体 Std R" panose="020B0400000000000000" pitchFamily="34" charset="-128"/>
                 <a:ea typeface="Adobe 黑体 Std R" panose="020B0400000000000000" pitchFamily="34" charset="-128"/>
               </a:rPr>
@@ -10388,7 +10446,7 @@
             </a:r>
           </a:p>
           <a:p>
-            <a:endParaRPr lang="zh-TW" altLang="en-US" dirty="0">
+            <a:endParaRPr lang="zh-TW" altLang="en-US" sz="2400" dirty="0">
               <a:latin typeface="Adobe 黑体 Std R" panose="020B0400000000000000" pitchFamily="34" charset="-128"/>
               <a:ea typeface="Adobe 黑体 Std R" panose="020B0400000000000000" pitchFamily="34" charset="-128"/>
             </a:endParaRPr>
@@ -10405,6 +10463,13 @@
   <p:clrMapOvr>
     <a:masterClrMapping/>
   </p:clrMapOvr>
+  <p:timing>
+    <p:tnLst>
+      <p:par>
+        <p:cTn id="1" dur="indefinite" restart="never" nodeType="tmRoot"/>
+      </p:par>
+    </p:tnLst>
+  </p:timing>
 </p:sld>
 </file>
 
@@ -10589,6 +10654,13 @@
   <p:clrMapOvr>
     <a:masterClrMapping/>
   </p:clrMapOvr>
+  <p:timing>
+    <p:tnLst>
+      <p:par>
+        <p:cTn id="1" dur="indefinite" restart="never" nodeType="tmRoot"/>
+      </p:par>
+    </p:tnLst>
+  </p:timing>
 </p:sld>
 </file>
 
@@ -10756,6 +10828,13 @@
   <p:clrMapOvr>
     <a:masterClrMapping/>
   </p:clrMapOvr>
+  <p:timing>
+    <p:tnLst>
+      <p:par>
+        <p:cTn id="1" dur="indefinite" restart="never" nodeType="tmRoot"/>
+      </p:par>
+    </p:tnLst>
+  </p:timing>
 </p:sld>
 </file>
 
@@ -10830,7 +10909,7 @@
           <a:lstStyle/>
           <a:p>
             <a:r>
-              <a:rPr lang="en-US" altLang="zh-TW" dirty="0">
+              <a:rPr lang="en-US" altLang="zh-TW" sz="2400" dirty="0">
                 <a:latin typeface="Adobe 黑体 Std R" panose="020B0400000000000000" pitchFamily="34" charset="-128"/>
                 <a:ea typeface="Adobe 黑体 Std R" panose="020B0400000000000000" pitchFamily="34" charset="-128"/>
               </a:rPr>
@@ -10838,14 +10917,14 @@
             </a:r>
           </a:p>
           <a:p>
-            <a:endParaRPr lang="en-US" altLang="zh-TW" dirty="0">
+            <a:endParaRPr lang="en-US" altLang="zh-TW" sz="2400" dirty="0">
               <a:latin typeface="Adobe 黑体 Std R" panose="020B0400000000000000" pitchFamily="34" charset="-128"/>
               <a:ea typeface="Adobe 黑体 Std R" panose="020B0400000000000000" pitchFamily="34" charset="-128"/>
             </a:endParaRPr>
           </a:p>
           <a:p>
             <a:r>
-              <a:rPr lang="en-US" altLang="zh-TW" dirty="0">
+              <a:rPr lang="en-US" altLang="zh-TW" sz="2400" dirty="0">
                 <a:latin typeface="Adobe 黑体 Std R" panose="020B0400000000000000" pitchFamily="34" charset="-128"/>
                 <a:ea typeface="Adobe 黑体 Std R" panose="020B0400000000000000" pitchFamily="34" charset="-128"/>
               </a:rPr>
@@ -10853,14 +10932,14 @@
             </a:r>
           </a:p>
           <a:p>
-            <a:endParaRPr lang="en-US" altLang="zh-TW" dirty="0">
+            <a:endParaRPr lang="en-US" altLang="zh-TW" sz="2400" dirty="0">
               <a:latin typeface="Adobe 黑体 Std R" panose="020B0400000000000000" pitchFamily="34" charset="-128"/>
               <a:ea typeface="Adobe 黑体 Std R" panose="020B0400000000000000" pitchFamily="34" charset="-128"/>
             </a:endParaRPr>
           </a:p>
           <a:p>
             <a:r>
-              <a:rPr lang="en-US" altLang="zh-TW" dirty="0">
+              <a:rPr lang="en-US" altLang="zh-TW" sz="2400" dirty="0">
                 <a:latin typeface="Adobe 黑体 Std R" panose="020B0400000000000000" pitchFamily="34" charset="-128"/>
                 <a:ea typeface="Adobe 黑体 Std R" panose="020B0400000000000000" pitchFamily="34" charset="-128"/>
               </a:rPr>
@@ -10868,20 +10947,20 @@
             </a:r>
           </a:p>
           <a:p>
-            <a:endParaRPr lang="en-US" altLang="zh-TW" dirty="0">
+            <a:endParaRPr lang="en-US" altLang="zh-TW" sz="2400" dirty="0">
               <a:latin typeface="Adobe 黑体 Std R" panose="020B0400000000000000" pitchFamily="34" charset="-128"/>
               <a:ea typeface="Adobe 黑体 Std R" panose="020B0400000000000000" pitchFamily="34" charset="-128"/>
             </a:endParaRPr>
           </a:p>
           <a:p>
             <a:r>
-              <a:rPr lang="en-US" altLang="zh-TW" dirty="0" err="1">
+              <a:rPr lang="en-US" altLang="zh-TW" sz="2400" dirty="0" err="1">
                 <a:latin typeface="Adobe 黑体 Std R" panose="020B0400000000000000" pitchFamily="34" charset="-128"/>
                 <a:ea typeface="Adobe 黑体 Std R" panose="020B0400000000000000" pitchFamily="34" charset="-128"/>
               </a:rPr>
               <a:t>Result:RainTomorrow</a:t>
             </a:r>
-            <a:endParaRPr lang="zh-TW" altLang="en-US" dirty="0">
+            <a:endParaRPr lang="zh-TW" altLang="en-US" sz="2400" dirty="0">
               <a:latin typeface="Adobe 黑体 Std R" panose="020B0400000000000000" pitchFamily="34" charset="-128"/>
               <a:ea typeface="Adobe 黑体 Std R" panose="020B0400000000000000" pitchFamily="34" charset="-128"/>
             </a:endParaRPr>
@@ -10898,6 +10977,13 @@
   <p:clrMapOvr>
     <a:masterClrMapping/>
   </p:clrMapOvr>
+  <p:timing>
+    <p:tnLst>
+      <p:par>
+        <p:cTn id="1" dur="indefinite" restart="never" nodeType="tmRoot"/>
+      </p:par>
+    </p:tnLst>
+  </p:timing>
 </p:sld>
 </file>
 
@@ -11017,6 +11103,13 @@
   <p:clrMapOvr>
     <a:masterClrMapping/>
   </p:clrMapOvr>
+  <p:timing>
+    <p:tnLst>
+      <p:par>
+        <p:cTn id="1" dur="indefinite" restart="never" nodeType="tmRoot"/>
+      </p:par>
+    </p:tnLst>
+  </p:timing>
 </p:sld>
 </file>
 
@@ -11086,7 +11179,7 @@
           <a:lstStyle/>
           <a:p>
             <a:r>
-              <a:rPr lang="en-US" altLang="zh-TW" dirty="0">
+              <a:rPr lang="en-US" altLang="zh-TW" sz="2400" dirty="0">
                 <a:latin typeface="Adobe 黑体 Std R" panose="020B0400000000000000" pitchFamily="34" charset="-128"/>
                 <a:ea typeface="Adobe 黑体 Std R" panose="020B0400000000000000" pitchFamily="34" charset="-128"/>
               </a:rPr>
@@ -11094,20 +11187,20 @@
             </a:r>
           </a:p>
           <a:p>
-            <a:endParaRPr lang="en-US" altLang="zh-TW" dirty="0">
+            <a:endParaRPr lang="en-US" altLang="zh-TW" sz="2400" dirty="0">
               <a:latin typeface="Adobe 黑体 Std R" panose="020B0400000000000000" pitchFamily="34" charset="-128"/>
               <a:ea typeface="Adobe 黑体 Std R" panose="020B0400000000000000" pitchFamily="34" charset="-128"/>
             </a:endParaRPr>
           </a:p>
           <a:p>
             <a:r>
-              <a:rPr lang="en-US" altLang="zh-TW" smtClean="0">
+              <a:rPr lang="en-US" altLang="zh-TW" sz="2400">
                 <a:latin typeface="Adobe 黑体 Std R" panose="020B0400000000000000" pitchFamily="34" charset="-128"/>
                 <a:ea typeface="Adobe 黑体 Std R" panose="020B0400000000000000" pitchFamily="34" charset="-128"/>
               </a:rPr>
               <a:t>max_depth=3</a:t>
             </a:r>
-            <a:endParaRPr lang="zh-TW" altLang="en-US" dirty="0">
+            <a:endParaRPr lang="zh-TW" altLang="en-US" sz="2400" dirty="0">
               <a:latin typeface="Adobe 黑体 Std R" panose="020B0400000000000000" pitchFamily="34" charset="-128"/>
               <a:ea typeface="Adobe 黑体 Std R" panose="020B0400000000000000" pitchFamily="34" charset="-128"/>
             </a:endParaRPr>
@@ -11147,6 +11240,13 @@
   <p:clrMapOvr>
     <a:masterClrMapping/>
   </p:clrMapOvr>
+  <p:timing>
+    <p:tnLst>
+      <p:par>
+        <p:cTn id="1" dur="indefinite" restart="never" nodeType="tmRoot"/>
+      </p:par>
+    </p:tnLst>
+  </p:timing>
 </p:sld>
 </file>
 
